--- a/PS Summit AD Tips and Tricks.pptx
+++ b/PS Summit AD Tips and Tricks.pptx
@@ -2,7 +2,7 @@
 <file path=ppt/presentation.xml><?xml version="1.0" encoding="utf-8"?>
 <p:presentation xmlns:a="http://schemas.openxmlformats.org/drawingml/2006/main" xmlns:r="http://schemas.openxmlformats.org/officeDocument/2006/relationships" xmlns:p="http://schemas.openxmlformats.org/presentationml/2006/main" saveSubsetFonts="1">
   <p:sldMasterIdLst>
-    <p:sldMasterId id="2147483750" r:id="rId1"/>
+    <p:sldMasterId id="2147483930" r:id="rId1"/>
   </p:sldMasterIdLst>
   <p:sldIdLst>
     <p:sldId id="256" r:id="rId2"/>
@@ -10,9 +10,8 @@
     <p:sldId id="257" r:id="rId4"/>
     <p:sldId id="258" r:id="rId5"/>
     <p:sldId id="261" r:id="rId6"/>
-    <p:sldId id="263" r:id="rId7"/>
-    <p:sldId id="262" r:id="rId8"/>
-    <p:sldId id="264" r:id="rId9"/>
+    <p:sldId id="262" r:id="rId7"/>
+    <p:sldId id="264" r:id="rId8"/>
   </p:sldIdLst>
   <p:sldSz cx="12192000" cy="6858000"/>
   <p:notesSz cx="6858000" cy="9144000"/>
@@ -111,6 +110,11 @@
       </a:defRPr>
     </a:lvl9pPr>
   </p:defaultTextStyle>
+  <p:extLst>
+    <p:ext uri="{EFAFB233-063F-42B5-8137-9DF3F51BA10A}">
+      <p15:sldGuideLst xmlns:p15="http://schemas.microsoft.com/office/powerpoint/2012/main"/>
+    </p:ext>
+  </p:extLst>
 </p:presentation>
 </file>
 
@@ -284,7 +288,7 @@
           <a:p>
             <a:fld id="{7195C811-8A6E-4F08-9E1B-F289D25AACC3}" type="datetimeFigureOut">
               <a:rPr lang="en-US" smtClean="0"/>
-              <a:t>4/1/2013</a:t>
+              <a:t>4/15/2013</a:t>
             </a:fld>
             <a:endParaRPr lang="en-US"/>
           </a:p>
@@ -345,7 +349,7 @@
     </p:spTree>
     <p:extLst>
       <p:ext uri="{BB962C8B-B14F-4D97-AF65-F5344CB8AC3E}">
-        <p14:creationId xmlns:p14="http://schemas.microsoft.com/office/powerpoint/2010/main" val="1596564823"/>
+        <p14:creationId xmlns:p14="http://schemas.microsoft.com/office/powerpoint/2010/main" val="3530370201"/>
       </p:ext>
     </p:extLst>
   </p:cSld>
@@ -551,7 +555,7 @@
           <a:p>
             <a:fld id="{7195C811-8A6E-4F08-9E1B-F289D25AACC3}" type="datetimeFigureOut">
               <a:rPr lang="en-US" smtClean="0"/>
-              <a:t>4/1/2013</a:t>
+              <a:t>4/15/2013</a:t>
             </a:fld>
             <a:endParaRPr lang="en-US"/>
           </a:p>
@@ -602,7 +606,7 @@
     </p:spTree>
     <p:extLst>
       <p:ext uri="{BB962C8B-B14F-4D97-AF65-F5344CB8AC3E}">
-        <p14:creationId xmlns:p14="http://schemas.microsoft.com/office/powerpoint/2010/main" val="85644079"/>
+        <p14:creationId xmlns:p14="http://schemas.microsoft.com/office/powerpoint/2010/main" val="328152759"/>
       </p:ext>
     </p:extLst>
   </p:cSld>
@@ -782,7 +786,7 @@
           <a:p>
             <a:fld id="{7195C811-8A6E-4F08-9E1B-F289D25AACC3}" type="datetimeFigureOut">
               <a:rPr lang="en-US" smtClean="0"/>
-              <a:t>4/1/2013</a:t>
+              <a:t>4/15/2013</a:t>
             </a:fld>
             <a:endParaRPr lang="en-US"/>
           </a:p>
@@ -843,7 +847,7 @@
     </p:spTree>
     <p:extLst>
       <p:ext uri="{BB962C8B-B14F-4D97-AF65-F5344CB8AC3E}">
-        <p14:creationId xmlns:p14="http://schemas.microsoft.com/office/powerpoint/2010/main" val="3878174590"/>
+        <p14:creationId xmlns:p14="http://schemas.microsoft.com/office/powerpoint/2010/main" val="1248974449"/>
       </p:ext>
     </p:extLst>
   </p:cSld>
@@ -1092,7 +1096,7 @@
           <a:p>
             <a:fld id="{7195C811-8A6E-4F08-9E1B-F289D25AACC3}" type="datetimeFigureOut">
               <a:rPr lang="en-US" smtClean="0"/>
-              <a:t>4/1/2013</a:t>
+              <a:t>4/15/2013</a:t>
             </a:fld>
             <a:endParaRPr lang="en-US"/>
           </a:p>
@@ -1385,7 +1389,7 @@
     </p:spTree>
     <p:extLst>
       <p:ext uri="{BB962C8B-B14F-4D97-AF65-F5344CB8AC3E}">
-        <p14:creationId xmlns:p14="http://schemas.microsoft.com/office/powerpoint/2010/main" val="634015173"/>
+        <p14:creationId xmlns:p14="http://schemas.microsoft.com/office/powerpoint/2010/main" val="921816407"/>
       </p:ext>
     </p:extLst>
   </p:cSld>
@@ -1565,7 +1569,7 @@
           <a:p>
             <a:fld id="{7195C811-8A6E-4F08-9E1B-F289D25AACC3}" type="datetimeFigureOut">
               <a:rPr lang="en-US" smtClean="0"/>
-              <a:t>4/1/2013</a:t>
+              <a:t>4/15/2013</a:t>
             </a:fld>
             <a:endParaRPr lang="en-US"/>
           </a:p>
@@ -1626,7 +1630,7 @@
     </p:spTree>
     <p:extLst>
       <p:ext uri="{BB962C8B-B14F-4D97-AF65-F5344CB8AC3E}">
-        <p14:creationId xmlns:p14="http://schemas.microsoft.com/office/powerpoint/2010/main" val="1630147519"/>
+        <p14:creationId xmlns:p14="http://schemas.microsoft.com/office/powerpoint/2010/main" val="20938784"/>
       </p:ext>
     </p:extLst>
   </p:cSld>
@@ -2112,7 +2116,7 @@
           <a:p>
             <a:fld id="{7195C811-8A6E-4F08-9E1B-F289D25AACC3}" type="datetimeFigureOut">
               <a:rPr lang="en-US" smtClean="0"/>
-              <a:t>4/1/2013</a:t>
+              <a:t>4/15/2013</a:t>
             </a:fld>
             <a:endParaRPr lang="en-US"/>
           </a:p>
@@ -2163,7 +2167,7 @@
     </p:spTree>
     <p:extLst>
       <p:ext uri="{BB962C8B-B14F-4D97-AF65-F5344CB8AC3E}">
-        <p14:creationId xmlns:p14="http://schemas.microsoft.com/office/powerpoint/2010/main" val="2615321765"/>
+        <p14:creationId xmlns:p14="http://schemas.microsoft.com/office/powerpoint/2010/main" val="1640433235"/>
       </p:ext>
     </p:extLst>
   </p:cSld>
@@ -2886,7 +2890,7 @@
           <a:p>
             <a:fld id="{7195C811-8A6E-4F08-9E1B-F289D25AACC3}" type="datetimeFigureOut">
               <a:rPr lang="en-US" smtClean="0"/>
-              <a:t>4/1/2013</a:t>
+              <a:t>4/15/2013</a:t>
             </a:fld>
             <a:endParaRPr lang="en-US"/>
           </a:p>
@@ -2937,7 +2941,7 @@
     </p:spTree>
     <p:extLst>
       <p:ext uri="{BB962C8B-B14F-4D97-AF65-F5344CB8AC3E}">
-        <p14:creationId xmlns:p14="http://schemas.microsoft.com/office/powerpoint/2010/main" val="1409135160"/>
+        <p14:creationId xmlns:p14="http://schemas.microsoft.com/office/powerpoint/2010/main" val="3114501266"/>
       </p:ext>
     </p:extLst>
   </p:cSld>
@@ -3061,7 +3065,7 @@
           <a:p>
             <a:fld id="{7195C811-8A6E-4F08-9E1B-F289D25AACC3}" type="datetimeFigureOut">
               <a:rPr lang="en-US" smtClean="0"/>
-              <a:t>4/1/2013</a:t>
+              <a:t>4/15/2013</a:t>
             </a:fld>
             <a:endParaRPr lang="en-US"/>
           </a:p>
@@ -3112,7 +3116,7 @@
     </p:spTree>
     <p:extLst>
       <p:ext uri="{BB962C8B-B14F-4D97-AF65-F5344CB8AC3E}">
-        <p14:creationId xmlns:p14="http://schemas.microsoft.com/office/powerpoint/2010/main" val="2844623077"/>
+        <p14:creationId xmlns:p14="http://schemas.microsoft.com/office/powerpoint/2010/main" val="1655736572"/>
       </p:ext>
     </p:extLst>
   </p:cSld>
@@ -3284,7 +3288,7 @@
           <a:p>
             <a:fld id="{7195C811-8A6E-4F08-9E1B-F289D25AACC3}" type="datetimeFigureOut">
               <a:rPr lang="en-US" smtClean="0"/>
-              <a:t>4/1/2013</a:t>
+              <a:t>4/15/2013</a:t>
             </a:fld>
             <a:endParaRPr lang="en-US"/>
           </a:p>
@@ -3345,7 +3349,7 @@
     </p:spTree>
     <p:extLst>
       <p:ext uri="{BB962C8B-B14F-4D97-AF65-F5344CB8AC3E}">
-        <p14:creationId xmlns:p14="http://schemas.microsoft.com/office/powerpoint/2010/main" val="2167366195"/>
+        <p14:creationId xmlns:p14="http://schemas.microsoft.com/office/powerpoint/2010/main" val="4026485001"/>
       </p:ext>
     </p:extLst>
   </p:cSld>
@@ -3464,7 +3468,7 @@
           <a:p>
             <a:fld id="{7195C811-8A6E-4F08-9E1B-F289D25AACC3}" type="datetimeFigureOut">
               <a:rPr lang="en-US" smtClean="0"/>
-              <a:t>4/1/2013</a:t>
+              <a:t>4/15/2013</a:t>
             </a:fld>
             <a:endParaRPr lang="en-US"/>
           </a:p>
@@ -3515,7 +3519,7 @@
     </p:spTree>
     <p:extLst>
       <p:ext uri="{BB962C8B-B14F-4D97-AF65-F5344CB8AC3E}">
-        <p14:creationId xmlns:p14="http://schemas.microsoft.com/office/powerpoint/2010/main" val="3103783705"/>
+        <p14:creationId xmlns:p14="http://schemas.microsoft.com/office/powerpoint/2010/main" val="205257051"/>
       </p:ext>
     </p:extLst>
   </p:cSld>
@@ -3753,7 +3757,7 @@
           <a:p>
             <a:fld id="{7195C811-8A6E-4F08-9E1B-F289D25AACC3}" type="datetimeFigureOut">
               <a:rPr lang="en-US" smtClean="0"/>
-              <a:t>4/1/2013</a:t>
+              <a:t>4/15/2013</a:t>
             </a:fld>
             <a:endParaRPr lang="en-US"/>
           </a:p>
@@ -3814,7 +3818,7 @@
     </p:spTree>
     <p:extLst>
       <p:ext uri="{BB962C8B-B14F-4D97-AF65-F5344CB8AC3E}">
-        <p14:creationId xmlns:p14="http://schemas.microsoft.com/office/powerpoint/2010/main" val="492620571"/>
+        <p14:creationId xmlns:p14="http://schemas.microsoft.com/office/powerpoint/2010/main" val="2308467183"/>
       </p:ext>
     </p:extLst>
   </p:cSld>
@@ -3995,7 +3999,7 @@
           <a:p>
             <a:fld id="{7195C811-8A6E-4F08-9E1B-F289D25AACC3}" type="datetimeFigureOut">
               <a:rPr lang="en-US" smtClean="0"/>
-              <a:t>4/1/2013</a:t>
+              <a:t>4/15/2013</a:t>
             </a:fld>
             <a:endParaRPr lang="en-US"/>
           </a:p>
@@ -4046,7 +4050,7 @@
     </p:spTree>
     <p:extLst>
       <p:ext uri="{BB962C8B-B14F-4D97-AF65-F5344CB8AC3E}">
-        <p14:creationId xmlns:p14="http://schemas.microsoft.com/office/powerpoint/2010/main" val="1212647229"/>
+        <p14:creationId xmlns:p14="http://schemas.microsoft.com/office/powerpoint/2010/main" val="649075753"/>
       </p:ext>
     </p:extLst>
   </p:cSld>
@@ -4374,7 +4378,7 @@
           <a:p>
             <a:fld id="{7195C811-8A6E-4F08-9E1B-F289D25AACC3}" type="datetimeFigureOut">
               <a:rPr lang="en-US" smtClean="0"/>
-              <a:t>4/1/2013</a:t>
+              <a:t>4/15/2013</a:t>
             </a:fld>
             <a:endParaRPr lang="en-US"/>
           </a:p>
@@ -4425,7 +4429,7 @@
     </p:spTree>
     <p:extLst>
       <p:ext uri="{BB962C8B-B14F-4D97-AF65-F5344CB8AC3E}">
-        <p14:creationId xmlns:p14="http://schemas.microsoft.com/office/powerpoint/2010/main" val="983257096"/>
+        <p14:creationId xmlns:p14="http://schemas.microsoft.com/office/powerpoint/2010/main" val="376399556"/>
       </p:ext>
     </p:extLst>
   </p:cSld>
@@ -4492,7 +4496,7 @@
           <a:p>
             <a:fld id="{7195C811-8A6E-4F08-9E1B-F289D25AACC3}" type="datetimeFigureOut">
               <a:rPr lang="en-US" smtClean="0"/>
-              <a:t>4/1/2013</a:t>
+              <a:t>4/15/2013</a:t>
             </a:fld>
             <a:endParaRPr lang="en-US"/>
           </a:p>
@@ -4543,7 +4547,7 @@
     </p:spTree>
     <p:extLst>
       <p:ext uri="{BB962C8B-B14F-4D97-AF65-F5344CB8AC3E}">
-        <p14:creationId xmlns:p14="http://schemas.microsoft.com/office/powerpoint/2010/main" val="938817313"/>
+        <p14:creationId xmlns:p14="http://schemas.microsoft.com/office/powerpoint/2010/main" val="2178851164"/>
       </p:ext>
     </p:extLst>
   </p:cSld>
@@ -4587,7 +4591,7 @@
           <a:p>
             <a:fld id="{7195C811-8A6E-4F08-9E1B-F289D25AACC3}" type="datetimeFigureOut">
               <a:rPr lang="en-US" smtClean="0"/>
-              <a:t>4/1/2013</a:t>
+              <a:t>4/15/2013</a:t>
             </a:fld>
             <a:endParaRPr lang="en-US"/>
           </a:p>
@@ -4638,7 +4642,7 @@
     </p:spTree>
     <p:extLst>
       <p:ext uri="{BB962C8B-B14F-4D97-AF65-F5344CB8AC3E}">
-        <p14:creationId xmlns:p14="http://schemas.microsoft.com/office/powerpoint/2010/main" val="740706798"/>
+        <p14:creationId xmlns:p14="http://schemas.microsoft.com/office/powerpoint/2010/main" val="4127906722"/>
       </p:ext>
     </p:extLst>
   </p:cSld>
@@ -4836,7 +4840,7 @@
           <a:p>
             <a:fld id="{7195C811-8A6E-4F08-9E1B-F289D25AACC3}" type="datetimeFigureOut">
               <a:rPr lang="en-US" smtClean="0"/>
-              <a:t>4/1/2013</a:t>
+              <a:t>4/15/2013</a:t>
             </a:fld>
             <a:endParaRPr lang="en-US"/>
           </a:p>
@@ -4887,7 +4891,7 @@
     </p:spTree>
     <p:extLst>
       <p:ext uri="{BB962C8B-B14F-4D97-AF65-F5344CB8AC3E}">
-        <p14:creationId xmlns:p14="http://schemas.microsoft.com/office/powerpoint/2010/main" val="3046625563"/>
+        <p14:creationId xmlns:p14="http://schemas.microsoft.com/office/powerpoint/2010/main" val="467669728"/>
       </p:ext>
     </p:extLst>
   </p:cSld>
@@ -5093,7 +5097,7 @@
           <a:p>
             <a:fld id="{7195C811-8A6E-4F08-9E1B-F289D25AACC3}" type="datetimeFigureOut">
               <a:rPr lang="en-US" smtClean="0"/>
-              <a:t>4/1/2013</a:t>
+              <a:t>4/15/2013</a:t>
             </a:fld>
             <a:endParaRPr lang="en-US"/>
           </a:p>
@@ -5144,7 +5148,7 @@
     </p:spTree>
     <p:extLst>
       <p:ext uri="{BB962C8B-B14F-4D97-AF65-F5344CB8AC3E}">
-        <p14:creationId xmlns:p14="http://schemas.microsoft.com/office/powerpoint/2010/main" val="1556245140"/>
+        <p14:creationId xmlns:p14="http://schemas.microsoft.com/office/powerpoint/2010/main" val="63559399"/>
       </p:ext>
     </p:extLst>
   </p:cSld>
@@ -5336,7 +5340,7 @@
           <a:p>
             <a:fld id="{7195C811-8A6E-4F08-9E1B-F289D25AACC3}" type="datetimeFigureOut">
               <a:rPr lang="en-US" smtClean="0"/>
-              <a:t>4/1/2013</a:t>
+              <a:t>4/15/2013</a:t>
             </a:fld>
             <a:endParaRPr lang="en-US"/>
           </a:p>
@@ -5423,29 +5427,29 @@
     </p:spTree>
     <p:extLst>
       <p:ext uri="{BB962C8B-B14F-4D97-AF65-F5344CB8AC3E}">
-        <p14:creationId xmlns:p14="http://schemas.microsoft.com/office/powerpoint/2010/main" val="3607598487"/>
+        <p14:creationId xmlns:p14="http://schemas.microsoft.com/office/powerpoint/2010/main" val="1788632006"/>
       </p:ext>
     </p:extLst>
   </p:cSld>
   <p:clrMap bg1="dk1" tx1="lt1" bg2="dk2" tx2="lt2" accent1="accent1" accent2="accent2" accent3="accent3" accent4="accent4" accent5="accent5" accent6="accent6" hlink="hlink" folHlink="folHlink"/>
   <p:sldLayoutIdLst>
-    <p:sldLayoutId id="2147483751" r:id="rId1"/>
-    <p:sldLayoutId id="2147483752" r:id="rId2"/>
-    <p:sldLayoutId id="2147483753" r:id="rId3"/>
-    <p:sldLayoutId id="2147483754" r:id="rId4"/>
-    <p:sldLayoutId id="2147483755" r:id="rId5"/>
-    <p:sldLayoutId id="2147483756" r:id="rId6"/>
-    <p:sldLayoutId id="2147483757" r:id="rId7"/>
-    <p:sldLayoutId id="2147483758" r:id="rId8"/>
-    <p:sldLayoutId id="2147483759" r:id="rId9"/>
-    <p:sldLayoutId id="2147483760" r:id="rId10"/>
-    <p:sldLayoutId id="2147483761" r:id="rId11"/>
-    <p:sldLayoutId id="2147483762" r:id="rId12"/>
-    <p:sldLayoutId id="2147483763" r:id="rId13"/>
-    <p:sldLayoutId id="2147483764" r:id="rId14"/>
-    <p:sldLayoutId id="2147483765" r:id="rId15"/>
-    <p:sldLayoutId id="2147483766" r:id="rId16"/>
-    <p:sldLayoutId id="2147483767" r:id="rId17"/>
+    <p:sldLayoutId id="2147483931" r:id="rId1"/>
+    <p:sldLayoutId id="2147483932" r:id="rId2"/>
+    <p:sldLayoutId id="2147483933" r:id="rId3"/>
+    <p:sldLayoutId id="2147483934" r:id="rId4"/>
+    <p:sldLayoutId id="2147483935" r:id="rId5"/>
+    <p:sldLayoutId id="2147483936" r:id="rId6"/>
+    <p:sldLayoutId id="2147483937" r:id="rId7"/>
+    <p:sldLayoutId id="2147483938" r:id="rId8"/>
+    <p:sldLayoutId id="2147483939" r:id="rId9"/>
+    <p:sldLayoutId id="2147483940" r:id="rId10"/>
+    <p:sldLayoutId id="2147483941" r:id="rId11"/>
+    <p:sldLayoutId id="2147483942" r:id="rId12"/>
+    <p:sldLayoutId id="2147483943" r:id="rId13"/>
+    <p:sldLayoutId id="2147483944" r:id="rId14"/>
+    <p:sldLayoutId id="2147483945" r:id="rId15"/>
+    <p:sldLayoutId id="2147483946" r:id="rId16"/>
+    <p:sldLayoutId id="2147483947" r:id="rId17"/>
   </p:sldLayoutIdLst>
   <p:txStyles>
     <p:titleStyle>
@@ -5866,7 +5870,9 @@
         </p:nvSpPr>
         <p:spPr/>
         <p:txBody>
-          <a:bodyPr/>
+          <a:bodyPr>
+            <a:normAutofit/>
+          </a:bodyPr>
           <a:lstStyle/>
           <a:p>
             <a:r>
@@ -6217,15 +6223,7 @@
             </a:r>
             <a:r>
               <a:rPr lang="en-US" dirty="0" smtClean="0"/>
-              <a:t> for some Sites and Subnets work and some </a:t>
-            </a:r>
-            <a:r>
-              <a:rPr lang="en-US" dirty="0" err="1" smtClean="0"/>
-              <a:t>Forestwide</a:t>
-            </a:r>
-            <a:r>
-              <a:rPr lang="en-US" dirty="0" smtClean="0"/>
-              <a:t> management on Server 2008/R2.</a:t>
+              <a:t> for some Sites and Subnets work and some Forest wide management on Server 2008/R2.</a:t>
             </a:r>
             <a:endParaRPr lang="en-US" dirty="0"/>
           </a:p>
@@ -6273,7 +6271,7 @@
         </p:nvSpPr>
         <p:spPr>
           <a:xfrm>
-            <a:off x="1140691" y="2879500"/>
+            <a:off x="1898072" y="2685537"/>
             <a:ext cx="8610600" cy="1293028"/>
           </a:xfrm>
         </p:spPr>
@@ -6329,79 +6327,36 @@
             <p:ph type="title"/>
           </p:nvPr>
         </p:nvSpPr>
-        <p:spPr/>
+        <p:spPr>
+          <a:xfrm>
+            <a:off x="1953491" y="2722483"/>
+            <a:ext cx="8610600" cy="1293028"/>
+          </a:xfrm>
+        </p:spPr>
         <p:txBody>
           <a:bodyPr/>
           <a:lstStyle/>
           <a:p>
             <a:r>
               <a:rPr lang="en-US" dirty="0" smtClean="0"/>
-              <a:t>Update Get-</a:t>
+              <a:t>New-Demo “Get-</a:t>
             </a:r>
             <a:r>
               <a:rPr lang="en-US" dirty="0" err="1" smtClean="0"/>
-              <a:t>aduser</a:t>
+              <a:t>Aduser</a:t>
+            </a:r>
+            <a:r>
+              <a:rPr lang="en-US" dirty="0" smtClean="0"/>
+              <a:t>”</a:t>
             </a:r>
             <a:endParaRPr lang="en-US" dirty="0"/>
           </a:p>
         </p:txBody>
       </p:sp>
-      <p:sp>
-        <p:nvSpPr>
-          <p:cNvPr id="3" name="Content Placeholder 2"/>
-          <p:cNvSpPr>
-            <a:spLocks noGrp="1"/>
-          </p:cNvSpPr>
-          <p:nvPr>
-            <p:ph idx="1"/>
-          </p:nvPr>
-        </p:nvSpPr>
-        <p:spPr>
-          <a:xfrm>
-            <a:off x="685800" y="2185324"/>
-            <a:ext cx="10820400" cy="4024125"/>
-          </a:xfrm>
-        </p:spPr>
-        <p:txBody>
-          <a:bodyPr/>
-          <a:lstStyle/>
-          <a:p>
-            <a:r>
-              <a:rPr lang="en-US" dirty="0" smtClean="0"/>
-              <a:t>Using Proxy Functions</a:t>
-            </a:r>
-            <a:endParaRPr lang="en-US" dirty="0"/>
-          </a:p>
-        </p:txBody>
-      </p:sp>
-      <p:pic>
-        <p:nvPicPr>
-          <p:cNvPr id="6" name="Picture 5"/>
-          <p:cNvPicPr>
-            <a:picLocks noChangeAspect="1"/>
-          </p:cNvPicPr>
-          <p:nvPr/>
-        </p:nvPicPr>
-        <p:blipFill>
-          <a:blip r:embed="rId2"/>
-          <a:stretch>
-            <a:fillRect/>
-          </a:stretch>
-        </p:blipFill>
-        <p:spPr>
-          <a:xfrm>
-            <a:off x="571825" y="3112655"/>
-            <a:ext cx="11048350" cy="1154928"/>
-          </a:xfrm>
-          <a:prstGeom prst="rect">
-            <a:avLst/>
-          </a:prstGeom>
-        </p:spPr>
-      </p:pic>
     </p:spTree>
     <p:extLst>
       <p:ext uri="{BB962C8B-B14F-4D97-AF65-F5344CB8AC3E}">
-        <p14:creationId xmlns:p14="http://schemas.microsoft.com/office/powerpoint/2010/main" val="30043534"/>
+        <p14:creationId xmlns:p14="http://schemas.microsoft.com/office/powerpoint/2010/main" val="3864532576"/>
       </p:ext>
     </p:extLst>
   </p:cSld>
@@ -6440,73 +6395,7 @@
         </p:nvSpPr>
         <p:spPr>
           <a:xfrm>
-            <a:off x="623455" y="2861028"/>
-            <a:ext cx="8610600" cy="1293028"/>
-          </a:xfrm>
-        </p:spPr>
-        <p:txBody>
-          <a:bodyPr/>
-          <a:lstStyle/>
-          <a:p>
-            <a:r>
-              <a:rPr lang="en-US" dirty="0" smtClean="0"/>
-              <a:t>New-Demo “Get-</a:t>
-            </a:r>
-            <a:r>
-              <a:rPr lang="en-US" dirty="0" err="1" smtClean="0"/>
-              <a:t>Aduser</a:t>
-            </a:r>
-            <a:r>
-              <a:rPr lang="en-US" dirty="0" smtClean="0"/>
-              <a:t>”</a:t>
-            </a:r>
-            <a:endParaRPr lang="en-US" dirty="0"/>
-          </a:p>
-        </p:txBody>
-      </p:sp>
-    </p:spTree>
-    <p:extLst>
-      <p:ext uri="{BB962C8B-B14F-4D97-AF65-F5344CB8AC3E}">
-        <p14:creationId xmlns:p14="http://schemas.microsoft.com/office/powerpoint/2010/main" val="3864532576"/>
-      </p:ext>
-    </p:extLst>
-  </p:cSld>
-  <p:clrMapOvr>
-    <a:masterClrMapping/>
-  </p:clrMapOvr>
-</p:sld>
-</file>
-
-<file path=ppt/slides/slide8.xml><?xml version="1.0" encoding="utf-8"?>
-<p:sld xmlns:a="http://schemas.openxmlformats.org/drawingml/2006/main" xmlns:r="http://schemas.openxmlformats.org/officeDocument/2006/relationships" xmlns:p="http://schemas.openxmlformats.org/presentationml/2006/main">
-  <p:cSld>
-    <p:spTree>
-      <p:nvGrpSpPr>
-        <p:cNvPr id="1" name=""/>
-        <p:cNvGrpSpPr/>
-        <p:nvPr/>
-      </p:nvGrpSpPr>
-      <p:grpSpPr>
-        <a:xfrm>
-          <a:off x="0" y="0"/>
-          <a:ext cx="0" cy="0"/>
-          <a:chOff x="0" y="0"/>
-          <a:chExt cx="0" cy="0"/>
-        </a:xfrm>
-      </p:grpSpPr>
-      <p:sp>
-        <p:nvSpPr>
-          <p:cNvPr id="2" name="Title 1"/>
-          <p:cNvSpPr>
-            <a:spLocks noGrp="1"/>
-          </p:cNvSpPr>
-          <p:nvPr>
-            <p:ph type="title"/>
-          </p:nvPr>
-        </p:nvSpPr>
-        <p:spPr>
-          <a:xfrm>
-            <a:off x="429490" y="2953392"/>
+            <a:off x="1962726" y="2537755"/>
             <a:ext cx="8610600" cy="1293028"/>
           </a:xfrm>
         </p:spPr>

--- a/PS Summit AD Tips and Tricks.pptx
+++ b/PS Summit AD Tips and Tricks.pptx
@@ -6,12 +6,13 @@
   </p:sldMasterIdLst>
   <p:sldIdLst>
     <p:sldId id="256" r:id="rId2"/>
-    <p:sldId id="259" r:id="rId3"/>
-    <p:sldId id="257" r:id="rId4"/>
-    <p:sldId id="258" r:id="rId5"/>
-    <p:sldId id="261" r:id="rId6"/>
-    <p:sldId id="262" r:id="rId7"/>
-    <p:sldId id="264" r:id="rId8"/>
+    <p:sldId id="265" r:id="rId3"/>
+    <p:sldId id="259" r:id="rId4"/>
+    <p:sldId id="257" r:id="rId5"/>
+    <p:sldId id="258" r:id="rId6"/>
+    <p:sldId id="261" r:id="rId7"/>
+    <p:sldId id="262" r:id="rId8"/>
+    <p:sldId id="264" r:id="rId9"/>
   </p:sldIdLst>
   <p:sldSz cx="12192000" cy="6858000"/>
   <p:notesSz cx="6858000" cy="9144000"/>
@@ -288,7 +289,7 @@
           <a:p>
             <a:fld id="{7195C811-8A6E-4F08-9E1B-F289D25AACC3}" type="datetimeFigureOut">
               <a:rPr lang="en-US" smtClean="0"/>
-              <a:t>4/15/2013</a:t>
+              <a:t>4/16/2013</a:t>
             </a:fld>
             <a:endParaRPr lang="en-US"/>
           </a:p>
@@ -555,7 +556,7 @@
           <a:p>
             <a:fld id="{7195C811-8A6E-4F08-9E1B-F289D25AACC3}" type="datetimeFigureOut">
               <a:rPr lang="en-US" smtClean="0"/>
-              <a:t>4/15/2013</a:t>
+              <a:t>4/16/2013</a:t>
             </a:fld>
             <a:endParaRPr lang="en-US"/>
           </a:p>
@@ -786,7 +787,7 @@
           <a:p>
             <a:fld id="{7195C811-8A6E-4F08-9E1B-F289D25AACC3}" type="datetimeFigureOut">
               <a:rPr lang="en-US" smtClean="0"/>
-              <a:t>4/15/2013</a:t>
+              <a:t>4/16/2013</a:t>
             </a:fld>
             <a:endParaRPr lang="en-US"/>
           </a:p>
@@ -1096,7 +1097,7 @@
           <a:p>
             <a:fld id="{7195C811-8A6E-4F08-9E1B-F289D25AACC3}" type="datetimeFigureOut">
               <a:rPr lang="en-US" smtClean="0"/>
-              <a:t>4/15/2013</a:t>
+              <a:t>4/16/2013</a:t>
             </a:fld>
             <a:endParaRPr lang="en-US"/>
           </a:p>
@@ -1569,7 +1570,7 @@
           <a:p>
             <a:fld id="{7195C811-8A6E-4F08-9E1B-F289D25AACC3}" type="datetimeFigureOut">
               <a:rPr lang="en-US" smtClean="0"/>
-              <a:t>4/15/2013</a:t>
+              <a:t>4/16/2013</a:t>
             </a:fld>
             <a:endParaRPr lang="en-US"/>
           </a:p>
@@ -2116,7 +2117,7 @@
           <a:p>
             <a:fld id="{7195C811-8A6E-4F08-9E1B-F289D25AACC3}" type="datetimeFigureOut">
               <a:rPr lang="en-US" smtClean="0"/>
-              <a:t>4/15/2013</a:t>
+              <a:t>4/16/2013</a:t>
             </a:fld>
             <a:endParaRPr lang="en-US"/>
           </a:p>
@@ -2890,7 +2891,7 @@
           <a:p>
             <a:fld id="{7195C811-8A6E-4F08-9E1B-F289D25AACC3}" type="datetimeFigureOut">
               <a:rPr lang="en-US" smtClean="0"/>
-              <a:t>4/15/2013</a:t>
+              <a:t>4/16/2013</a:t>
             </a:fld>
             <a:endParaRPr lang="en-US"/>
           </a:p>
@@ -3065,7 +3066,7 @@
           <a:p>
             <a:fld id="{7195C811-8A6E-4F08-9E1B-F289D25AACC3}" type="datetimeFigureOut">
               <a:rPr lang="en-US" smtClean="0"/>
-              <a:t>4/15/2013</a:t>
+              <a:t>4/16/2013</a:t>
             </a:fld>
             <a:endParaRPr lang="en-US"/>
           </a:p>
@@ -3288,7 +3289,7 @@
           <a:p>
             <a:fld id="{7195C811-8A6E-4F08-9E1B-F289D25AACC3}" type="datetimeFigureOut">
               <a:rPr lang="en-US" smtClean="0"/>
-              <a:t>4/15/2013</a:t>
+              <a:t>4/16/2013</a:t>
             </a:fld>
             <a:endParaRPr lang="en-US"/>
           </a:p>
@@ -3468,7 +3469,7 @@
           <a:p>
             <a:fld id="{7195C811-8A6E-4F08-9E1B-F289D25AACC3}" type="datetimeFigureOut">
               <a:rPr lang="en-US" smtClean="0"/>
-              <a:t>4/15/2013</a:t>
+              <a:t>4/16/2013</a:t>
             </a:fld>
             <a:endParaRPr lang="en-US"/>
           </a:p>
@@ -3757,7 +3758,7 @@
           <a:p>
             <a:fld id="{7195C811-8A6E-4F08-9E1B-F289D25AACC3}" type="datetimeFigureOut">
               <a:rPr lang="en-US" smtClean="0"/>
-              <a:t>4/15/2013</a:t>
+              <a:t>4/16/2013</a:t>
             </a:fld>
             <a:endParaRPr lang="en-US"/>
           </a:p>
@@ -3999,7 +4000,7 @@
           <a:p>
             <a:fld id="{7195C811-8A6E-4F08-9E1B-F289D25AACC3}" type="datetimeFigureOut">
               <a:rPr lang="en-US" smtClean="0"/>
-              <a:t>4/15/2013</a:t>
+              <a:t>4/16/2013</a:t>
             </a:fld>
             <a:endParaRPr lang="en-US"/>
           </a:p>
@@ -4378,7 +4379,7 @@
           <a:p>
             <a:fld id="{7195C811-8A6E-4F08-9E1B-F289D25AACC3}" type="datetimeFigureOut">
               <a:rPr lang="en-US" smtClean="0"/>
-              <a:t>4/15/2013</a:t>
+              <a:t>4/16/2013</a:t>
             </a:fld>
             <a:endParaRPr lang="en-US"/>
           </a:p>
@@ -4496,7 +4497,7 @@
           <a:p>
             <a:fld id="{7195C811-8A6E-4F08-9E1B-F289D25AACC3}" type="datetimeFigureOut">
               <a:rPr lang="en-US" smtClean="0"/>
-              <a:t>4/15/2013</a:t>
+              <a:t>4/16/2013</a:t>
             </a:fld>
             <a:endParaRPr lang="en-US"/>
           </a:p>
@@ -4591,7 +4592,7 @@
           <a:p>
             <a:fld id="{7195C811-8A6E-4F08-9E1B-F289D25AACC3}" type="datetimeFigureOut">
               <a:rPr lang="en-US" smtClean="0"/>
-              <a:t>4/15/2013</a:t>
+              <a:t>4/16/2013</a:t>
             </a:fld>
             <a:endParaRPr lang="en-US"/>
           </a:p>
@@ -4840,7 +4841,7 @@
           <a:p>
             <a:fld id="{7195C811-8A6E-4F08-9E1B-F289D25AACC3}" type="datetimeFigureOut">
               <a:rPr lang="en-US" smtClean="0"/>
-              <a:t>4/15/2013</a:t>
+              <a:t>4/16/2013</a:t>
             </a:fld>
             <a:endParaRPr lang="en-US"/>
           </a:p>
@@ -5097,7 +5098,7 @@
           <a:p>
             <a:fld id="{7195C811-8A6E-4F08-9E1B-F289D25AACC3}" type="datetimeFigureOut">
               <a:rPr lang="en-US" smtClean="0"/>
-              <a:t>4/15/2013</a:t>
+              <a:t>4/16/2013</a:t>
             </a:fld>
             <a:endParaRPr lang="en-US"/>
           </a:p>
@@ -5340,7 +5341,7 @@
           <a:p>
             <a:fld id="{7195C811-8A6E-4F08-9E1B-F289D25AACC3}" type="datetimeFigureOut">
               <a:rPr lang="en-US" smtClean="0"/>
-              <a:t>4/15/2013</a:t>
+              <a:t>4/16/2013</a:t>
             </a:fld>
             <a:endParaRPr lang="en-US"/>
           </a:p>
@@ -5852,7 +5853,7 @@
           <a:p>
             <a:r>
               <a:rPr lang="en-US" dirty="0" smtClean="0"/>
-              <a:t>What I am and am not going to cover</a:t>
+              <a:t>What’s not covered	</a:t>
             </a:r>
             <a:endParaRPr lang="en-US" dirty="0"/>
           </a:p>
@@ -5870,74 +5871,13 @@
         </p:nvSpPr>
         <p:spPr/>
         <p:txBody>
-          <a:bodyPr>
-            <a:normAutofit/>
-          </a:bodyPr>
-          <a:lstStyle/>
-          <a:p>
-            <a:r>
-              <a:rPr lang="en-US" dirty="0"/>
-              <a:t>W</a:t>
-            </a:r>
+          <a:bodyPr/>
+          <a:lstStyle/>
+          <a:p>
             <a:r>
               <a:rPr lang="en-US" dirty="0" smtClean="0"/>
-              <a:t>hy I primarily use PowerShell AD Module from MSFT</a:t>
-            </a:r>
-          </a:p>
-          <a:p>
-            <a:r>
-              <a:rPr lang="en-US" dirty="0" smtClean="0"/>
-              <a:t>Identify specific things about AD Module that irritate me enough to make me go fix them</a:t>
-            </a:r>
-          </a:p>
-          <a:p>
-            <a:r>
-              <a:rPr lang="en-US" dirty="0" smtClean="0"/>
-              <a:t>Demo AD Provider tricks</a:t>
-            </a:r>
-          </a:p>
-          <a:p>
-            <a:r>
-              <a:rPr lang="en-US" dirty="0" smtClean="0"/>
-              <a:t>Demo “Updated” Get-</a:t>
-            </a:r>
-            <a:r>
-              <a:rPr lang="en-US" dirty="0" err="1" smtClean="0"/>
-              <a:t>AdUser</a:t>
-            </a:r>
-            <a:r>
-              <a:rPr lang="en-US" dirty="0" smtClean="0"/>
-              <a:t> (the way it should work)</a:t>
-            </a:r>
-          </a:p>
-          <a:p>
-            <a:r>
-              <a:rPr lang="en-US" dirty="0" smtClean="0"/>
-              <a:t>Searching AD</a:t>
-            </a:r>
-          </a:p>
-          <a:p>
-            <a:r>
-              <a:rPr lang="en-US" dirty="0" smtClean="0"/>
-              <a:t>NOT how to Manage AD with PowerShell </a:t>
-            </a:r>
-          </a:p>
-          <a:p>
-            <a:pPr lvl="1"/>
-            <a:r>
-              <a:rPr lang="en-US" dirty="0" smtClean="0"/>
-              <a:t>There are much better people than I that have lots of great info out in the </a:t>
-            </a:r>
-            <a:r>
-              <a:rPr lang="en-US" dirty="0" err="1" smtClean="0"/>
-              <a:t>interwebs</a:t>
-            </a:r>
-            <a:r>
-              <a:rPr lang="en-US" dirty="0" smtClean="0"/>
-              <a:t> for this </a:t>
-            </a:r>
-          </a:p>
-          <a:p>
+              <a:t>Details of how to manage AD with PowerShell</a:t>
+            </a:r>
             <a:endParaRPr lang="en-US" dirty="0"/>
           </a:p>
         </p:txBody>
@@ -5945,13 +5885,20 @@
     </p:spTree>
     <p:extLst>
       <p:ext uri="{BB962C8B-B14F-4D97-AF65-F5344CB8AC3E}">
-        <p14:creationId xmlns:p14="http://schemas.microsoft.com/office/powerpoint/2010/main" val="90426035"/>
+        <p14:creationId xmlns:p14="http://schemas.microsoft.com/office/powerpoint/2010/main" val="4234785968"/>
       </p:ext>
     </p:extLst>
   </p:cSld>
   <p:clrMapOvr>
     <a:masterClrMapping/>
   </p:clrMapOvr>
+  <p:timing>
+    <p:tnLst>
+      <p:par>
+        <p:cTn id="1" dur="indefinite" restart="never" nodeType="tmRoot"/>
+      </p:par>
+    </p:tnLst>
+  </p:timing>
 </p:sld>
 </file>
 
@@ -5989,6 +5936,144 @@
           <a:p>
             <a:r>
               <a:rPr lang="en-US" dirty="0" smtClean="0"/>
+              <a:t>What I am Going to cover</a:t>
+            </a:r>
+            <a:endParaRPr lang="en-US" dirty="0"/>
+          </a:p>
+        </p:txBody>
+      </p:sp>
+      <p:sp>
+        <p:nvSpPr>
+          <p:cNvPr id="3" name="Content Placeholder 2"/>
+          <p:cNvSpPr>
+            <a:spLocks noGrp="1"/>
+          </p:cNvSpPr>
+          <p:nvPr>
+            <p:ph idx="1"/>
+          </p:nvPr>
+        </p:nvSpPr>
+        <p:spPr/>
+        <p:txBody>
+          <a:bodyPr>
+            <a:normAutofit/>
+          </a:bodyPr>
+          <a:lstStyle/>
+          <a:p>
+            <a:r>
+              <a:rPr lang="en-US" dirty="0"/>
+              <a:t>W</a:t>
+            </a:r>
+            <a:r>
+              <a:rPr lang="en-US" dirty="0" smtClean="0"/>
+              <a:t>hy I choose the MSFT AD PowerShell Module</a:t>
+            </a:r>
+          </a:p>
+          <a:p>
+            <a:r>
+              <a:rPr lang="en-US" dirty="0" smtClean="0"/>
+              <a:t>Identify specific things about AD Module that irritate me enough to make me go fix them</a:t>
+            </a:r>
+          </a:p>
+          <a:p>
+            <a:r>
+              <a:rPr lang="en-US" dirty="0" smtClean="0"/>
+              <a:t>Demo AD Provider tricks</a:t>
+            </a:r>
+          </a:p>
+          <a:p>
+            <a:r>
+              <a:rPr lang="en-US" dirty="0" smtClean="0"/>
+              <a:t>Demo “Updated” Get-</a:t>
+            </a:r>
+            <a:r>
+              <a:rPr lang="en-US" dirty="0" err="1" smtClean="0"/>
+              <a:t>AdUser</a:t>
+            </a:r>
+            <a:r>
+              <a:rPr lang="en-US" dirty="0" smtClean="0"/>
+              <a:t> (the way it should work)</a:t>
+            </a:r>
+          </a:p>
+          <a:p>
+            <a:r>
+              <a:rPr lang="en-US" dirty="0" smtClean="0"/>
+              <a:t>Demo Searching AD</a:t>
+            </a:r>
+          </a:p>
+          <a:p>
+            <a:pPr marL="0" indent="0">
+              <a:buNone/>
+            </a:pPr>
+            <a:endParaRPr lang="en-US" dirty="0"/>
+          </a:p>
+        </p:txBody>
+      </p:sp>
+    </p:spTree>
+    <p:extLst>
+      <p:ext uri="{BB962C8B-B14F-4D97-AF65-F5344CB8AC3E}">
+        <p14:creationId xmlns:p14="http://schemas.microsoft.com/office/powerpoint/2010/main" val="90426035"/>
+      </p:ext>
+    </p:extLst>
+  </p:cSld>
+  <p:clrMapOvr>
+    <a:masterClrMapping/>
+  </p:clrMapOvr>
+  <mc:AlternateContent xmlns:mc="http://schemas.openxmlformats.org/markup-compatibility/2006" xmlns:p14="http://schemas.microsoft.com/office/powerpoint/2010/main">
+    <mc:Choice Requires="p14">
+      <p:transition spd="slow" p14:dur="1600">
+        <p:blinds dir="vert"/>
+      </p:transition>
+    </mc:Choice>
+    <mc:Fallback xmlns="">
+      <p:transition spd="slow">
+        <p:blinds dir="vert"/>
+      </p:transition>
+    </mc:Fallback>
+  </mc:AlternateContent>
+  <p:timing>
+    <p:tnLst>
+      <p:par>
+        <p:cTn id="1" dur="indefinite" restart="never" nodeType="tmRoot"/>
+      </p:par>
+    </p:tnLst>
+  </p:timing>
+</p:sld>
+</file>
+
+<file path=ppt/slides/slide4.xml><?xml version="1.0" encoding="utf-8"?>
+<p:sld xmlns:a="http://schemas.openxmlformats.org/drawingml/2006/main" xmlns:r="http://schemas.openxmlformats.org/officeDocument/2006/relationships" xmlns:p="http://schemas.openxmlformats.org/presentationml/2006/main">
+  <p:cSld>
+    <p:spTree>
+      <p:nvGrpSpPr>
+        <p:cNvPr id="1" name=""/>
+        <p:cNvGrpSpPr/>
+        <p:nvPr/>
+      </p:nvGrpSpPr>
+      <p:grpSpPr>
+        <a:xfrm>
+          <a:off x="0" y="0"/>
+          <a:ext cx="0" cy="0"/>
+          <a:chOff x="0" y="0"/>
+          <a:chExt cx="0" cy="0"/>
+        </a:xfrm>
+      </p:grpSpPr>
+      <p:sp>
+        <p:nvSpPr>
+          <p:cNvPr id="2" name="Title 1"/>
+          <p:cNvSpPr>
+            <a:spLocks noGrp="1"/>
+          </p:cNvSpPr>
+          <p:nvPr>
+            <p:ph type="title"/>
+          </p:nvPr>
+        </p:nvSpPr>
+        <p:spPr/>
+        <p:txBody>
+          <a:bodyPr/>
+          <a:lstStyle/>
+          <a:p>
+            <a:r>
+              <a:rPr lang="en-US" dirty="0" smtClean="0"/>
               <a:t>PowerShell tools for AD</a:t>
             </a:r>
             <a:endParaRPr lang="en-US" dirty="0"/>
@@ -6069,7 +6154,7 @@
 </p:sld>
 </file>
 
-<file path=ppt/slides/slide4.xml><?xml version="1.0" encoding="utf-8"?>
+<file path=ppt/slides/slide5.xml><?xml version="1.0" encoding="utf-8"?>
 <p:sld xmlns:a="http://schemas.openxmlformats.org/drawingml/2006/main" xmlns:r="http://schemas.openxmlformats.org/officeDocument/2006/relationships" xmlns:p="http://schemas.openxmlformats.org/presentationml/2006/main">
   <p:cSld>
     <p:spTree>
@@ -6158,7 +6243,7 @@
           <a:p>
             <a:r>
               <a:rPr lang="en-US" dirty="0" smtClean="0"/>
-              <a:t>As a consultant, can’t always install 3</a:t>
+              <a:t>As a consultant, (or an IT guy in a large shop) I can’t always install 3</a:t>
             </a:r>
             <a:r>
               <a:rPr lang="en-US" baseline="30000" dirty="0" smtClean="0"/>
@@ -6166,7 +6251,7 @@
             </a:r>
             <a:r>
               <a:rPr lang="en-US" dirty="0" smtClean="0"/>
-              <a:t> party software on computers for customers</a:t>
+              <a:t> party software</a:t>
             </a:r>
           </a:p>
           <a:p>
@@ -6233,64 +6318,6 @@
     <p:extLst>
       <p:ext uri="{BB962C8B-B14F-4D97-AF65-F5344CB8AC3E}">
         <p14:creationId xmlns:p14="http://schemas.microsoft.com/office/powerpoint/2010/main" val="875550530"/>
-      </p:ext>
-    </p:extLst>
-  </p:cSld>
-  <p:clrMapOvr>
-    <a:masterClrMapping/>
-  </p:clrMapOvr>
-</p:sld>
-</file>
-
-<file path=ppt/slides/slide5.xml><?xml version="1.0" encoding="utf-8"?>
-<p:sld xmlns:a="http://schemas.openxmlformats.org/drawingml/2006/main" xmlns:r="http://schemas.openxmlformats.org/officeDocument/2006/relationships" xmlns:p="http://schemas.openxmlformats.org/presentationml/2006/main">
-  <p:cSld>
-    <p:spTree>
-      <p:nvGrpSpPr>
-        <p:cNvPr id="1" name=""/>
-        <p:cNvGrpSpPr/>
-        <p:nvPr/>
-      </p:nvGrpSpPr>
-      <p:grpSpPr>
-        <a:xfrm>
-          <a:off x="0" y="0"/>
-          <a:ext cx="0" cy="0"/>
-          <a:chOff x="0" y="0"/>
-          <a:chExt cx="0" cy="0"/>
-        </a:xfrm>
-      </p:grpSpPr>
-      <p:sp>
-        <p:nvSpPr>
-          <p:cNvPr id="2" name="Title 1"/>
-          <p:cNvSpPr>
-            <a:spLocks noGrp="1"/>
-          </p:cNvSpPr>
-          <p:nvPr>
-            <p:ph type="title"/>
-          </p:nvPr>
-        </p:nvSpPr>
-        <p:spPr>
-          <a:xfrm>
-            <a:off x="1898072" y="2685537"/>
-            <a:ext cx="8610600" cy="1293028"/>
-          </a:xfrm>
-        </p:spPr>
-        <p:txBody>
-          <a:bodyPr/>
-          <a:lstStyle/>
-          <a:p>
-            <a:r>
-              <a:rPr lang="en-US" dirty="0" smtClean="0"/>
-              <a:t>New-Demo “AD Provider”</a:t>
-            </a:r>
-            <a:endParaRPr lang="en-US" dirty="0"/>
-          </a:p>
-        </p:txBody>
-      </p:sp>
-    </p:spTree>
-    <p:extLst>
-      <p:ext uri="{BB962C8B-B14F-4D97-AF65-F5344CB8AC3E}">
-        <p14:creationId xmlns:p14="http://schemas.microsoft.com/office/powerpoint/2010/main" val="3792052023"/>
       </p:ext>
     </p:extLst>
   </p:cSld>
@@ -6329,6 +6356,64 @@
         </p:nvSpPr>
         <p:spPr>
           <a:xfrm>
+            <a:off x="1898072" y="2685537"/>
+            <a:ext cx="8610600" cy="1293028"/>
+          </a:xfrm>
+        </p:spPr>
+        <p:txBody>
+          <a:bodyPr/>
+          <a:lstStyle/>
+          <a:p>
+            <a:r>
+              <a:rPr lang="en-US" dirty="0" smtClean="0"/>
+              <a:t>New-Demo “AD Provider”</a:t>
+            </a:r>
+            <a:endParaRPr lang="en-US" dirty="0"/>
+          </a:p>
+        </p:txBody>
+      </p:sp>
+    </p:spTree>
+    <p:extLst>
+      <p:ext uri="{BB962C8B-B14F-4D97-AF65-F5344CB8AC3E}">
+        <p14:creationId xmlns:p14="http://schemas.microsoft.com/office/powerpoint/2010/main" val="3792052023"/>
+      </p:ext>
+    </p:extLst>
+  </p:cSld>
+  <p:clrMapOvr>
+    <a:masterClrMapping/>
+  </p:clrMapOvr>
+</p:sld>
+</file>
+
+<file path=ppt/slides/slide7.xml><?xml version="1.0" encoding="utf-8"?>
+<p:sld xmlns:a="http://schemas.openxmlformats.org/drawingml/2006/main" xmlns:r="http://schemas.openxmlformats.org/officeDocument/2006/relationships" xmlns:p="http://schemas.openxmlformats.org/presentationml/2006/main">
+  <p:cSld>
+    <p:spTree>
+      <p:nvGrpSpPr>
+        <p:cNvPr id="1" name=""/>
+        <p:cNvGrpSpPr/>
+        <p:nvPr/>
+      </p:nvGrpSpPr>
+      <p:grpSpPr>
+        <a:xfrm>
+          <a:off x="0" y="0"/>
+          <a:ext cx="0" cy="0"/>
+          <a:chOff x="0" y="0"/>
+          <a:chExt cx="0" cy="0"/>
+        </a:xfrm>
+      </p:grpSpPr>
+      <p:sp>
+        <p:nvSpPr>
+          <p:cNvPr id="2" name="Title 1"/>
+          <p:cNvSpPr>
+            <a:spLocks noGrp="1"/>
+          </p:cNvSpPr>
+          <p:nvPr>
+            <p:ph type="title"/>
+          </p:nvPr>
+        </p:nvSpPr>
+        <p:spPr>
+          <a:xfrm>
             <a:off x="1953491" y="2722483"/>
             <a:ext cx="8610600" cy="1293028"/>
           </a:xfrm>
@@ -6366,7 +6451,7 @@
 </p:sld>
 </file>
 
-<file path=ppt/slides/slide7.xml><?xml version="1.0" encoding="utf-8"?>
+<file path=ppt/slides/slide8.xml><?xml version="1.0" encoding="utf-8"?>
 <p:sld xmlns:a="http://schemas.openxmlformats.org/drawingml/2006/main" xmlns:r="http://schemas.openxmlformats.org/officeDocument/2006/relationships" xmlns:p="http://schemas.openxmlformats.org/presentationml/2006/main">
   <p:cSld>
     <p:spTree>

--- a/PS Summit AD Tips and Tricks.pptx
+++ b/PS Summit AD Tips and Tricks.pptx
@@ -357,6 +357,14 @@
   <p:clrMapOvr>
     <a:masterClrMapping/>
   </p:clrMapOvr>
+  <mc:AlternateContent xmlns:mc="http://schemas.openxmlformats.org/markup-compatibility/2006">
+    <mc:Choice xmlns:p14="http://schemas.microsoft.com/office/powerpoint/2010/main" Requires="p14">
+      <p:transition spd="slow" p14:dur="2000"/>
+    </mc:Choice>
+    <mc:Fallback>
+      <p:transition spd="slow"/>
+    </mc:Fallback>
+  </mc:AlternateContent>
 </p:sldLayout>
 </file>
 
@@ -614,6 +622,14 @@
   <p:clrMapOvr>
     <a:masterClrMapping/>
   </p:clrMapOvr>
+  <mc:AlternateContent xmlns:mc="http://schemas.openxmlformats.org/markup-compatibility/2006">
+    <mc:Choice xmlns:p14="http://schemas.microsoft.com/office/powerpoint/2010/main" Requires="p14">
+      <p:transition spd="slow" p14:dur="2000"/>
+    </mc:Choice>
+    <mc:Fallback>
+      <p:transition spd="slow"/>
+    </mc:Fallback>
+  </mc:AlternateContent>
 </p:sldLayout>
 </file>
 
@@ -855,6 +871,14 @@
   <p:clrMapOvr>
     <a:masterClrMapping/>
   </p:clrMapOvr>
+  <mc:AlternateContent xmlns:mc="http://schemas.openxmlformats.org/markup-compatibility/2006">
+    <mc:Choice xmlns:p14="http://schemas.microsoft.com/office/powerpoint/2010/main" Requires="p14">
+      <p:transition spd="slow" p14:dur="2000"/>
+    </mc:Choice>
+    <mc:Fallback>
+      <p:transition spd="slow"/>
+    </mc:Fallback>
+  </mc:AlternateContent>
 </p:sldLayout>
 </file>
 
@@ -1397,6 +1421,14 @@
   <p:clrMapOvr>
     <a:masterClrMapping/>
   </p:clrMapOvr>
+  <mc:AlternateContent xmlns:mc="http://schemas.openxmlformats.org/markup-compatibility/2006">
+    <mc:Choice xmlns:p14="http://schemas.microsoft.com/office/powerpoint/2010/main" Requires="p14">
+      <p:transition spd="slow" p14:dur="2000"/>
+    </mc:Choice>
+    <mc:Fallback>
+      <p:transition spd="slow"/>
+    </mc:Fallback>
+  </mc:AlternateContent>
 </p:sldLayout>
 </file>
 
@@ -1638,6 +1670,14 @@
   <p:clrMapOvr>
     <a:masterClrMapping/>
   </p:clrMapOvr>
+  <mc:AlternateContent xmlns:mc="http://schemas.openxmlformats.org/markup-compatibility/2006">
+    <mc:Choice xmlns:p14="http://schemas.microsoft.com/office/powerpoint/2010/main" Requires="p14">
+      <p:transition spd="slow" p14:dur="2000"/>
+    </mc:Choice>
+    <mc:Fallback>
+      <p:transition spd="slow"/>
+    </mc:Fallback>
+  </mc:AlternateContent>
 </p:sldLayout>
 </file>
 
@@ -2175,6 +2215,14 @@
   <p:clrMapOvr>
     <a:masterClrMapping/>
   </p:clrMapOvr>
+  <mc:AlternateContent xmlns:mc="http://schemas.openxmlformats.org/markup-compatibility/2006">
+    <mc:Choice xmlns:p14="http://schemas.microsoft.com/office/powerpoint/2010/main" Requires="p14">
+      <p:transition spd="slow" p14:dur="2000"/>
+    </mc:Choice>
+    <mc:Fallback>
+      <p:transition spd="slow"/>
+    </mc:Fallback>
+  </mc:AlternateContent>
 </p:sldLayout>
 </file>
 
@@ -2949,6 +2997,14 @@
   <p:clrMapOvr>
     <a:masterClrMapping/>
   </p:clrMapOvr>
+  <mc:AlternateContent xmlns:mc="http://schemas.openxmlformats.org/markup-compatibility/2006">
+    <mc:Choice xmlns:p14="http://schemas.microsoft.com/office/powerpoint/2010/main" Requires="p14">
+      <p:transition spd="slow" p14:dur="2000"/>
+    </mc:Choice>
+    <mc:Fallback>
+      <p:transition spd="slow"/>
+    </mc:Fallback>
+  </mc:AlternateContent>
 </p:sldLayout>
 </file>
 
@@ -3124,6 +3180,14 @@
   <p:clrMapOvr>
     <a:masterClrMapping/>
   </p:clrMapOvr>
+  <mc:AlternateContent xmlns:mc="http://schemas.openxmlformats.org/markup-compatibility/2006">
+    <mc:Choice xmlns:p14="http://schemas.microsoft.com/office/powerpoint/2010/main" Requires="p14">
+      <p:transition spd="slow" p14:dur="2000"/>
+    </mc:Choice>
+    <mc:Fallback>
+      <p:transition spd="slow"/>
+    </mc:Fallback>
+  </mc:AlternateContent>
 </p:sldLayout>
 </file>
 
@@ -3357,6 +3421,14 @@
   <p:clrMapOvr>
     <a:masterClrMapping/>
   </p:clrMapOvr>
+  <mc:AlternateContent xmlns:mc="http://schemas.openxmlformats.org/markup-compatibility/2006">
+    <mc:Choice xmlns:p14="http://schemas.microsoft.com/office/powerpoint/2010/main" Requires="p14">
+      <p:transition spd="slow" p14:dur="2000"/>
+    </mc:Choice>
+    <mc:Fallback>
+      <p:transition spd="slow"/>
+    </mc:Fallback>
+  </mc:AlternateContent>
 </p:sldLayout>
 </file>
 
@@ -3527,6 +3599,14 @@
   <p:clrMapOvr>
     <a:masterClrMapping/>
   </p:clrMapOvr>
+  <mc:AlternateContent xmlns:mc="http://schemas.openxmlformats.org/markup-compatibility/2006">
+    <mc:Choice xmlns:p14="http://schemas.microsoft.com/office/powerpoint/2010/main" Requires="p14">
+      <p:transition spd="slow" p14:dur="2000"/>
+    </mc:Choice>
+    <mc:Fallback>
+      <p:transition spd="slow"/>
+    </mc:Fallback>
+  </mc:AlternateContent>
 </p:sldLayout>
 </file>
 
@@ -3826,6 +3906,14 @@
   <p:clrMapOvr>
     <a:masterClrMapping/>
   </p:clrMapOvr>
+  <mc:AlternateContent xmlns:mc="http://schemas.openxmlformats.org/markup-compatibility/2006">
+    <mc:Choice xmlns:p14="http://schemas.microsoft.com/office/powerpoint/2010/main" Requires="p14">
+      <p:transition spd="slow" p14:dur="2000"/>
+    </mc:Choice>
+    <mc:Fallback>
+      <p:transition spd="slow"/>
+    </mc:Fallback>
+  </mc:AlternateContent>
 </p:sldLayout>
 </file>
 
@@ -4058,6 +4146,14 @@
   <p:clrMapOvr>
     <a:masterClrMapping/>
   </p:clrMapOvr>
+  <mc:AlternateContent xmlns:mc="http://schemas.openxmlformats.org/markup-compatibility/2006">
+    <mc:Choice xmlns:p14="http://schemas.microsoft.com/office/powerpoint/2010/main" Requires="p14">
+      <p:transition spd="slow" p14:dur="2000"/>
+    </mc:Choice>
+    <mc:Fallback>
+      <p:transition spd="slow"/>
+    </mc:Fallback>
+  </mc:AlternateContent>
 </p:sldLayout>
 </file>
 
@@ -4437,6 +4533,14 @@
   <p:clrMapOvr>
     <a:masterClrMapping/>
   </p:clrMapOvr>
+  <mc:AlternateContent xmlns:mc="http://schemas.openxmlformats.org/markup-compatibility/2006">
+    <mc:Choice xmlns:p14="http://schemas.microsoft.com/office/powerpoint/2010/main" Requires="p14">
+      <p:transition spd="slow" p14:dur="2000"/>
+    </mc:Choice>
+    <mc:Fallback>
+      <p:transition spd="slow"/>
+    </mc:Fallback>
+  </mc:AlternateContent>
 </p:sldLayout>
 </file>
 
@@ -4555,6 +4659,14 @@
   <p:clrMapOvr>
     <a:masterClrMapping/>
   </p:clrMapOvr>
+  <mc:AlternateContent xmlns:mc="http://schemas.openxmlformats.org/markup-compatibility/2006">
+    <mc:Choice xmlns:p14="http://schemas.microsoft.com/office/powerpoint/2010/main" Requires="p14">
+      <p:transition spd="slow" p14:dur="2000"/>
+    </mc:Choice>
+    <mc:Fallback>
+      <p:transition spd="slow"/>
+    </mc:Fallback>
+  </mc:AlternateContent>
 </p:sldLayout>
 </file>
 
@@ -4650,6 +4762,14 @@
   <p:clrMapOvr>
     <a:masterClrMapping/>
   </p:clrMapOvr>
+  <mc:AlternateContent xmlns:mc="http://schemas.openxmlformats.org/markup-compatibility/2006">
+    <mc:Choice xmlns:p14="http://schemas.microsoft.com/office/powerpoint/2010/main" Requires="p14">
+      <p:transition spd="slow" p14:dur="2000"/>
+    </mc:Choice>
+    <mc:Fallback>
+      <p:transition spd="slow"/>
+    </mc:Fallback>
+  </mc:AlternateContent>
 </p:sldLayout>
 </file>
 
@@ -4899,6 +5019,14 @@
   <p:clrMapOvr>
     <a:masterClrMapping/>
   </p:clrMapOvr>
+  <mc:AlternateContent xmlns:mc="http://schemas.openxmlformats.org/markup-compatibility/2006">
+    <mc:Choice xmlns:p14="http://schemas.microsoft.com/office/powerpoint/2010/main" Requires="p14">
+      <p:transition spd="slow" p14:dur="2000"/>
+    </mc:Choice>
+    <mc:Fallback>
+      <p:transition spd="slow"/>
+    </mc:Fallback>
+  </mc:AlternateContent>
 </p:sldLayout>
 </file>
 
@@ -5156,6 +5284,14 @@
   <p:clrMapOvr>
     <a:masterClrMapping/>
   </p:clrMapOvr>
+  <mc:AlternateContent xmlns:mc="http://schemas.openxmlformats.org/markup-compatibility/2006">
+    <mc:Choice xmlns:p14="http://schemas.microsoft.com/office/powerpoint/2010/main" Requires="p14">
+      <p:transition spd="slow" p14:dur="2000"/>
+    </mc:Choice>
+    <mc:Fallback>
+      <p:transition spd="slow"/>
+    </mc:Fallback>
+  </mc:AlternateContent>
 </p:sldLayout>
 </file>
 
@@ -5452,6 +5588,14 @@
     <p:sldLayoutId id="2147483946" r:id="rId16"/>
     <p:sldLayoutId id="2147483947" r:id="rId17"/>
   </p:sldLayoutIdLst>
+  <mc:AlternateContent xmlns:mc="http://schemas.openxmlformats.org/markup-compatibility/2006">
+    <mc:Choice xmlns:p14="http://schemas.microsoft.com/office/powerpoint/2010/main" Requires="p14">
+      <p:transition spd="slow" p14:dur="2000"/>
+    </mc:Choice>
+    <mc:Fallback>
+      <p:transition spd="slow"/>
+    </mc:Fallback>
+  </mc:AlternateContent>
   <p:txStyles>
     <p:titleStyle>
       <a:lvl1pPr algn="r" defTabSz="914400" rtl="0" eaLnBrk="1" latinLnBrk="0" hangingPunct="1">
@@ -5816,6 +5960,21 @@
   <p:clrMapOvr>
     <a:masterClrMapping/>
   </p:clrMapOvr>
+  <mc:AlternateContent xmlns:mc="http://schemas.openxmlformats.org/markup-compatibility/2006">
+    <mc:Choice xmlns:p14="http://schemas.microsoft.com/office/powerpoint/2010/main" Requires="p14">
+      <p:transition spd="slow" p14:dur="2000"/>
+    </mc:Choice>
+    <mc:Fallback>
+      <p:transition spd="slow"/>
+    </mc:Fallback>
+  </mc:AlternateContent>
+  <p:timing>
+    <p:tnLst>
+      <p:par>
+        <p:cTn id="1" dur="indefinite" restart="never" nodeType="tmRoot"/>
+      </p:par>
+    </p:tnLst>
+  </p:timing>
 </p:sld>
 </file>
 
@@ -5892,6 +6051,14 @@
   <p:clrMapOvr>
     <a:masterClrMapping/>
   </p:clrMapOvr>
+  <mc:AlternateContent xmlns:mc="http://schemas.openxmlformats.org/markup-compatibility/2006">
+    <mc:Choice xmlns:p14="http://schemas.microsoft.com/office/powerpoint/2010/main" Requires="p14">
+      <p:transition spd="slow" p14:dur="2000"/>
+    </mc:Choice>
+    <mc:Fallback>
+      <p:transition spd="slow"/>
+    </mc:Fallback>
+  </mc:AlternateContent>
   <p:timing>
     <p:tnLst>
       <p:par>
@@ -6018,22 +6185,556 @@
   <p:clrMapOvr>
     <a:masterClrMapping/>
   </p:clrMapOvr>
-  <mc:AlternateContent xmlns:mc="http://schemas.openxmlformats.org/markup-compatibility/2006" xmlns:p14="http://schemas.microsoft.com/office/powerpoint/2010/main">
-    <mc:Choice Requires="p14">
-      <p:transition spd="slow" p14:dur="1600">
-        <p:blinds dir="vert"/>
-      </p:transition>
+  <mc:AlternateContent xmlns:mc="http://schemas.openxmlformats.org/markup-compatibility/2006">
+    <mc:Choice xmlns:p14="http://schemas.microsoft.com/office/powerpoint/2010/main" Requires="p14">
+      <p:transition spd="slow" p14:dur="2000"/>
     </mc:Choice>
-    <mc:Fallback xmlns="">
-      <p:transition spd="slow">
-        <p:blinds dir="vert"/>
-      </p:transition>
+    <mc:Fallback>
+      <p:transition spd="slow"/>
     </mc:Fallback>
   </mc:AlternateContent>
   <p:timing>
     <p:tnLst>
       <p:par>
-        <p:cTn id="1" dur="indefinite" restart="never" nodeType="tmRoot"/>
+        <p:cTn id="1" dur="indefinite" restart="never" nodeType="tmRoot">
+          <p:childTnLst>
+            <p:seq concurrent="1" nextAc="seek">
+              <p:cTn id="2" dur="indefinite" nodeType="mainSeq">
+                <p:childTnLst>
+                  <p:par>
+                    <p:cTn id="3" fill="hold">
+                      <p:stCondLst>
+                        <p:cond delay="indefinite"/>
+                      </p:stCondLst>
+                      <p:childTnLst>
+                        <p:par>
+                          <p:cTn id="4" fill="hold">
+                            <p:stCondLst>
+                              <p:cond delay="0"/>
+                            </p:stCondLst>
+                            <p:childTnLst>
+                              <p:par>
+                                <p:cTn id="5" presetID="2" presetClass="entr" presetSubtype="4" fill="hold" nodeType="clickEffect">
+                                  <p:stCondLst>
+                                    <p:cond delay="0"/>
+                                  </p:stCondLst>
+                                  <p:childTnLst>
+                                    <p:set>
+                                      <p:cBhvr>
+                                        <p:cTn id="6" dur="1" fill="hold">
+                                          <p:stCondLst>
+                                            <p:cond delay="0"/>
+                                          </p:stCondLst>
+                                        </p:cTn>
+                                        <p:tgtEl>
+                                          <p:spTgt spid="3">
+                                            <p:txEl>
+                                              <p:pRg st="0" end="0"/>
+                                            </p:txEl>
+                                          </p:spTgt>
+                                        </p:tgtEl>
+                                        <p:attrNameLst>
+                                          <p:attrName>style.visibility</p:attrName>
+                                        </p:attrNameLst>
+                                      </p:cBhvr>
+                                      <p:to>
+                                        <p:strVal val="visible"/>
+                                      </p:to>
+                                    </p:set>
+                                    <p:anim calcmode="lin" valueType="num">
+                                      <p:cBhvr additive="base">
+                                        <p:cTn id="7" dur="500" fill="hold"/>
+                                        <p:tgtEl>
+                                          <p:spTgt spid="3">
+                                            <p:txEl>
+                                              <p:pRg st="0" end="0"/>
+                                            </p:txEl>
+                                          </p:spTgt>
+                                        </p:tgtEl>
+                                        <p:attrNameLst>
+                                          <p:attrName>ppt_x</p:attrName>
+                                        </p:attrNameLst>
+                                      </p:cBhvr>
+                                      <p:tavLst>
+                                        <p:tav tm="0">
+                                          <p:val>
+                                            <p:strVal val="#ppt_x"/>
+                                          </p:val>
+                                        </p:tav>
+                                        <p:tav tm="100000">
+                                          <p:val>
+                                            <p:strVal val="#ppt_x"/>
+                                          </p:val>
+                                        </p:tav>
+                                      </p:tavLst>
+                                    </p:anim>
+                                    <p:anim calcmode="lin" valueType="num">
+                                      <p:cBhvr additive="base">
+                                        <p:cTn id="8" dur="500" fill="hold"/>
+                                        <p:tgtEl>
+                                          <p:spTgt spid="3">
+                                            <p:txEl>
+                                              <p:pRg st="0" end="0"/>
+                                            </p:txEl>
+                                          </p:spTgt>
+                                        </p:tgtEl>
+                                        <p:attrNameLst>
+                                          <p:attrName>ppt_y</p:attrName>
+                                        </p:attrNameLst>
+                                      </p:cBhvr>
+                                      <p:tavLst>
+                                        <p:tav tm="0">
+                                          <p:val>
+                                            <p:strVal val="1+#ppt_h/2"/>
+                                          </p:val>
+                                        </p:tav>
+                                        <p:tav tm="100000">
+                                          <p:val>
+                                            <p:strVal val="#ppt_y"/>
+                                          </p:val>
+                                        </p:tav>
+                                      </p:tavLst>
+                                    </p:anim>
+                                  </p:childTnLst>
+                                </p:cTn>
+                              </p:par>
+                            </p:childTnLst>
+                          </p:cTn>
+                        </p:par>
+                      </p:childTnLst>
+                    </p:cTn>
+                  </p:par>
+                  <p:par>
+                    <p:cTn id="9" fill="hold">
+                      <p:stCondLst>
+                        <p:cond delay="indefinite"/>
+                      </p:stCondLst>
+                      <p:childTnLst>
+                        <p:par>
+                          <p:cTn id="10" fill="hold">
+                            <p:stCondLst>
+                              <p:cond delay="0"/>
+                            </p:stCondLst>
+                            <p:childTnLst>
+                              <p:par>
+                                <p:cTn id="11" presetID="2" presetClass="entr" presetSubtype="4" fill="hold" nodeType="clickEffect">
+                                  <p:stCondLst>
+                                    <p:cond delay="0"/>
+                                  </p:stCondLst>
+                                  <p:childTnLst>
+                                    <p:set>
+                                      <p:cBhvr>
+                                        <p:cTn id="12" dur="1" fill="hold">
+                                          <p:stCondLst>
+                                            <p:cond delay="0"/>
+                                          </p:stCondLst>
+                                        </p:cTn>
+                                        <p:tgtEl>
+                                          <p:spTgt spid="3">
+                                            <p:txEl>
+                                              <p:pRg st="1" end="1"/>
+                                            </p:txEl>
+                                          </p:spTgt>
+                                        </p:tgtEl>
+                                        <p:attrNameLst>
+                                          <p:attrName>style.visibility</p:attrName>
+                                        </p:attrNameLst>
+                                      </p:cBhvr>
+                                      <p:to>
+                                        <p:strVal val="visible"/>
+                                      </p:to>
+                                    </p:set>
+                                    <p:anim calcmode="lin" valueType="num">
+                                      <p:cBhvr additive="base">
+                                        <p:cTn id="13" dur="500" fill="hold"/>
+                                        <p:tgtEl>
+                                          <p:spTgt spid="3">
+                                            <p:txEl>
+                                              <p:pRg st="1" end="1"/>
+                                            </p:txEl>
+                                          </p:spTgt>
+                                        </p:tgtEl>
+                                        <p:attrNameLst>
+                                          <p:attrName>ppt_x</p:attrName>
+                                        </p:attrNameLst>
+                                      </p:cBhvr>
+                                      <p:tavLst>
+                                        <p:tav tm="0">
+                                          <p:val>
+                                            <p:strVal val="#ppt_x"/>
+                                          </p:val>
+                                        </p:tav>
+                                        <p:tav tm="100000">
+                                          <p:val>
+                                            <p:strVal val="#ppt_x"/>
+                                          </p:val>
+                                        </p:tav>
+                                      </p:tavLst>
+                                    </p:anim>
+                                    <p:anim calcmode="lin" valueType="num">
+                                      <p:cBhvr additive="base">
+                                        <p:cTn id="14" dur="500" fill="hold"/>
+                                        <p:tgtEl>
+                                          <p:spTgt spid="3">
+                                            <p:txEl>
+                                              <p:pRg st="1" end="1"/>
+                                            </p:txEl>
+                                          </p:spTgt>
+                                        </p:tgtEl>
+                                        <p:attrNameLst>
+                                          <p:attrName>ppt_y</p:attrName>
+                                        </p:attrNameLst>
+                                      </p:cBhvr>
+                                      <p:tavLst>
+                                        <p:tav tm="0">
+                                          <p:val>
+                                            <p:strVal val="1+#ppt_h/2"/>
+                                          </p:val>
+                                        </p:tav>
+                                        <p:tav tm="100000">
+                                          <p:val>
+                                            <p:strVal val="#ppt_y"/>
+                                          </p:val>
+                                        </p:tav>
+                                      </p:tavLst>
+                                    </p:anim>
+                                  </p:childTnLst>
+                                </p:cTn>
+                              </p:par>
+                            </p:childTnLst>
+                          </p:cTn>
+                        </p:par>
+                      </p:childTnLst>
+                    </p:cTn>
+                  </p:par>
+                  <p:par>
+                    <p:cTn id="15" fill="hold">
+                      <p:stCondLst>
+                        <p:cond delay="indefinite"/>
+                      </p:stCondLst>
+                      <p:childTnLst>
+                        <p:par>
+                          <p:cTn id="16" fill="hold">
+                            <p:stCondLst>
+                              <p:cond delay="0"/>
+                            </p:stCondLst>
+                            <p:childTnLst>
+                              <p:par>
+                                <p:cTn id="17" presetID="2" presetClass="entr" presetSubtype="4" fill="hold" nodeType="clickEffect">
+                                  <p:stCondLst>
+                                    <p:cond delay="0"/>
+                                  </p:stCondLst>
+                                  <p:childTnLst>
+                                    <p:set>
+                                      <p:cBhvr>
+                                        <p:cTn id="18" dur="1" fill="hold">
+                                          <p:stCondLst>
+                                            <p:cond delay="0"/>
+                                          </p:stCondLst>
+                                        </p:cTn>
+                                        <p:tgtEl>
+                                          <p:spTgt spid="3">
+                                            <p:txEl>
+                                              <p:pRg st="2" end="2"/>
+                                            </p:txEl>
+                                          </p:spTgt>
+                                        </p:tgtEl>
+                                        <p:attrNameLst>
+                                          <p:attrName>style.visibility</p:attrName>
+                                        </p:attrNameLst>
+                                      </p:cBhvr>
+                                      <p:to>
+                                        <p:strVal val="visible"/>
+                                      </p:to>
+                                    </p:set>
+                                    <p:anim calcmode="lin" valueType="num">
+                                      <p:cBhvr additive="base">
+                                        <p:cTn id="19" dur="500" fill="hold"/>
+                                        <p:tgtEl>
+                                          <p:spTgt spid="3">
+                                            <p:txEl>
+                                              <p:pRg st="2" end="2"/>
+                                            </p:txEl>
+                                          </p:spTgt>
+                                        </p:tgtEl>
+                                        <p:attrNameLst>
+                                          <p:attrName>ppt_x</p:attrName>
+                                        </p:attrNameLst>
+                                      </p:cBhvr>
+                                      <p:tavLst>
+                                        <p:tav tm="0">
+                                          <p:val>
+                                            <p:strVal val="#ppt_x"/>
+                                          </p:val>
+                                        </p:tav>
+                                        <p:tav tm="100000">
+                                          <p:val>
+                                            <p:strVal val="#ppt_x"/>
+                                          </p:val>
+                                        </p:tav>
+                                      </p:tavLst>
+                                    </p:anim>
+                                    <p:anim calcmode="lin" valueType="num">
+                                      <p:cBhvr additive="base">
+                                        <p:cTn id="20" dur="500" fill="hold"/>
+                                        <p:tgtEl>
+                                          <p:spTgt spid="3">
+                                            <p:txEl>
+                                              <p:pRg st="2" end="2"/>
+                                            </p:txEl>
+                                          </p:spTgt>
+                                        </p:tgtEl>
+                                        <p:attrNameLst>
+                                          <p:attrName>ppt_y</p:attrName>
+                                        </p:attrNameLst>
+                                      </p:cBhvr>
+                                      <p:tavLst>
+                                        <p:tav tm="0">
+                                          <p:val>
+                                            <p:strVal val="1+#ppt_h/2"/>
+                                          </p:val>
+                                        </p:tav>
+                                        <p:tav tm="100000">
+                                          <p:val>
+                                            <p:strVal val="#ppt_y"/>
+                                          </p:val>
+                                        </p:tav>
+                                      </p:tavLst>
+                                    </p:anim>
+                                  </p:childTnLst>
+                                </p:cTn>
+                              </p:par>
+                            </p:childTnLst>
+                          </p:cTn>
+                        </p:par>
+                      </p:childTnLst>
+                    </p:cTn>
+                  </p:par>
+                  <p:par>
+                    <p:cTn id="21" fill="hold">
+                      <p:stCondLst>
+                        <p:cond delay="indefinite"/>
+                      </p:stCondLst>
+                      <p:childTnLst>
+                        <p:par>
+                          <p:cTn id="22" fill="hold">
+                            <p:stCondLst>
+                              <p:cond delay="0"/>
+                            </p:stCondLst>
+                            <p:childTnLst>
+                              <p:par>
+                                <p:cTn id="23" presetID="2" presetClass="entr" presetSubtype="4" fill="hold" nodeType="clickEffect">
+                                  <p:stCondLst>
+                                    <p:cond delay="0"/>
+                                  </p:stCondLst>
+                                  <p:childTnLst>
+                                    <p:set>
+                                      <p:cBhvr>
+                                        <p:cTn id="24" dur="1" fill="hold">
+                                          <p:stCondLst>
+                                            <p:cond delay="0"/>
+                                          </p:stCondLst>
+                                        </p:cTn>
+                                        <p:tgtEl>
+                                          <p:spTgt spid="3">
+                                            <p:txEl>
+                                              <p:pRg st="3" end="3"/>
+                                            </p:txEl>
+                                          </p:spTgt>
+                                        </p:tgtEl>
+                                        <p:attrNameLst>
+                                          <p:attrName>style.visibility</p:attrName>
+                                        </p:attrNameLst>
+                                      </p:cBhvr>
+                                      <p:to>
+                                        <p:strVal val="visible"/>
+                                      </p:to>
+                                    </p:set>
+                                    <p:anim calcmode="lin" valueType="num">
+                                      <p:cBhvr additive="base">
+                                        <p:cTn id="25" dur="500" fill="hold"/>
+                                        <p:tgtEl>
+                                          <p:spTgt spid="3">
+                                            <p:txEl>
+                                              <p:pRg st="3" end="3"/>
+                                            </p:txEl>
+                                          </p:spTgt>
+                                        </p:tgtEl>
+                                        <p:attrNameLst>
+                                          <p:attrName>ppt_x</p:attrName>
+                                        </p:attrNameLst>
+                                      </p:cBhvr>
+                                      <p:tavLst>
+                                        <p:tav tm="0">
+                                          <p:val>
+                                            <p:strVal val="#ppt_x"/>
+                                          </p:val>
+                                        </p:tav>
+                                        <p:tav tm="100000">
+                                          <p:val>
+                                            <p:strVal val="#ppt_x"/>
+                                          </p:val>
+                                        </p:tav>
+                                      </p:tavLst>
+                                    </p:anim>
+                                    <p:anim calcmode="lin" valueType="num">
+                                      <p:cBhvr additive="base">
+                                        <p:cTn id="26" dur="500" fill="hold"/>
+                                        <p:tgtEl>
+                                          <p:spTgt spid="3">
+                                            <p:txEl>
+                                              <p:pRg st="3" end="3"/>
+                                            </p:txEl>
+                                          </p:spTgt>
+                                        </p:tgtEl>
+                                        <p:attrNameLst>
+                                          <p:attrName>ppt_y</p:attrName>
+                                        </p:attrNameLst>
+                                      </p:cBhvr>
+                                      <p:tavLst>
+                                        <p:tav tm="0">
+                                          <p:val>
+                                            <p:strVal val="1+#ppt_h/2"/>
+                                          </p:val>
+                                        </p:tav>
+                                        <p:tav tm="100000">
+                                          <p:val>
+                                            <p:strVal val="#ppt_y"/>
+                                          </p:val>
+                                        </p:tav>
+                                      </p:tavLst>
+                                    </p:anim>
+                                  </p:childTnLst>
+                                </p:cTn>
+                              </p:par>
+                            </p:childTnLst>
+                          </p:cTn>
+                        </p:par>
+                      </p:childTnLst>
+                    </p:cTn>
+                  </p:par>
+                  <p:par>
+                    <p:cTn id="27" fill="hold">
+                      <p:stCondLst>
+                        <p:cond delay="indefinite"/>
+                      </p:stCondLst>
+                      <p:childTnLst>
+                        <p:par>
+                          <p:cTn id="28" fill="hold">
+                            <p:stCondLst>
+                              <p:cond delay="0"/>
+                            </p:stCondLst>
+                            <p:childTnLst>
+                              <p:par>
+                                <p:cTn id="29" presetID="2" presetClass="entr" presetSubtype="4" fill="hold" nodeType="clickEffect">
+                                  <p:stCondLst>
+                                    <p:cond delay="0"/>
+                                  </p:stCondLst>
+                                  <p:childTnLst>
+                                    <p:set>
+                                      <p:cBhvr>
+                                        <p:cTn id="30" dur="1" fill="hold">
+                                          <p:stCondLst>
+                                            <p:cond delay="0"/>
+                                          </p:stCondLst>
+                                        </p:cTn>
+                                        <p:tgtEl>
+                                          <p:spTgt spid="3">
+                                            <p:txEl>
+                                              <p:pRg st="4" end="4"/>
+                                            </p:txEl>
+                                          </p:spTgt>
+                                        </p:tgtEl>
+                                        <p:attrNameLst>
+                                          <p:attrName>style.visibility</p:attrName>
+                                        </p:attrNameLst>
+                                      </p:cBhvr>
+                                      <p:to>
+                                        <p:strVal val="visible"/>
+                                      </p:to>
+                                    </p:set>
+                                    <p:anim calcmode="lin" valueType="num">
+                                      <p:cBhvr additive="base">
+                                        <p:cTn id="31" dur="500" fill="hold"/>
+                                        <p:tgtEl>
+                                          <p:spTgt spid="3">
+                                            <p:txEl>
+                                              <p:pRg st="4" end="4"/>
+                                            </p:txEl>
+                                          </p:spTgt>
+                                        </p:tgtEl>
+                                        <p:attrNameLst>
+                                          <p:attrName>ppt_x</p:attrName>
+                                        </p:attrNameLst>
+                                      </p:cBhvr>
+                                      <p:tavLst>
+                                        <p:tav tm="0">
+                                          <p:val>
+                                            <p:strVal val="#ppt_x"/>
+                                          </p:val>
+                                        </p:tav>
+                                        <p:tav tm="100000">
+                                          <p:val>
+                                            <p:strVal val="#ppt_x"/>
+                                          </p:val>
+                                        </p:tav>
+                                      </p:tavLst>
+                                    </p:anim>
+                                    <p:anim calcmode="lin" valueType="num">
+                                      <p:cBhvr additive="base">
+                                        <p:cTn id="32" dur="500" fill="hold"/>
+                                        <p:tgtEl>
+                                          <p:spTgt spid="3">
+                                            <p:txEl>
+                                              <p:pRg st="4" end="4"/>
+                                            </p:txEl>
+                                          </p:spTgt>
+                                        </p:tgtEl>
+                                        <p:attrNameLst>
+                                          <p:attrName>ppt_y</p:attrName>
+                                        </p:attrNameLst>
+                                      </p:cBhvr>
+                                      <p:tavLst>
+                                        <p:tav tm="0">
+                                          <p:val>
+                                            <p:strVal val="1+#ppt_h/2"/>
+                                          </p:val>
+                                        </p:tav>
+                                        <p:tav tm="100000">
+                                          <p:val>
+                                            <p:strVal val="#ppt_y"/>
+                                          </p:val>
+                                        </p:tav>
+                                      </p:tavLst>
+                                    </p:anim>
+                                  </p:childTnLst>
+                                </p:cTn>
+                              </p:par>
+                            </p:childTnLst>
+                          </p:cTn>
+                        </p:par>
+                      </p:childTnLst>
+                    </p:cTn>
+                  </p:par>
+                </p:childTnLst>
+              </p:cTn>
+              <p:prevCondLst>
+                <p:cond evt="onPrev" delay="0">
+                  <p:tgtEl>
+                    <p:sldTgt/>
+                  </p:tgtEl>
+                </p:cond>
+              </p:prevCondLst>
+              <p:nextCondLst>
+                <p:cond evt="onNext" delay="0">
+                  <p:tgtEl>
+                    <p:sldTgt/>
+                  </p:tgtEl>
+                </p:cond>
+              </p:nextCondLst>
+            </p:seq>
+          </p:childTnLst>
+        </p:cTn>
       </p:par>
     </p:tnLst>
   </p:timing>
@@ -6151,6 +6852,456 @@
   <p:clrMapOvr>
     <a:masterClrMapping/>
   </p:clrMapOvr>
+  <mc:AlternateContent xmlns:mc="http://schemas.openxmlformats.org/markup-compatibility/2006">
+    <mc:Choice xmlns:p14="http://schemas.microsoft.com/office/powerpoint/2010/main" Requires="p14">
+      <p:transition spd="slow" p14:dur="2000"/>
+    </mc:Choice>
+    <mc:Fallback>
+      <p:transition spd="slow"/>
+    </mc:Fallback>
+  </mc:AlternateContent>
+  <p:timing>
+    <p:tnLst>
+      <p:par>
+        <p:cTn id="1" dur="indefinite" restart="never" nodeType="tmRoot">
+          <p:childTnLst>
+            <p:seq concurrent="1" nextAc="seek">
+              <p:cTn id="2" dur="indefinite" nodeType="mainSeq">
+                <p:childTnLst>
+                  <p:par>
+                    <p:cTn id="3" fill="hold">
+                      <p:stCondLst>
+                        <p:cond delay="indefinite"/>
+                      </p:stCondLst>
+                      <p:childTnLst>
+                        <p:par>
+                          <p:cTn id="4" fill="hold">
+                            <p:stCondLst>
+                              <p:cond delay="0"/>
+                            </p:stCondLst>
+                            <p:childTnLst>
+                              <p:par>
+                                <p:cTn id="5" presetID="2" presetClass="entr" presetSubtype="4" fill="hold" nodeType="clickEffect">
+                                  <p:stCondLst>
+                                    <p:cond delay="0"/>
+                                  </p:stCondLst>
+                                  <p:childTnLst>
+                                    <p:set>
+                                      <p:cBhvr>
+                                        <p:cTn id="6" dur="1" fill="hold">
+                                          <p:stCondLst>
+                                            <p:cond delay="0"/>
+                                          </p:stCondLst>
+                                        </p:cTn>
+                                        <p:tgtEl>
+                                          <p:spTgt spid="3">
+                                            <p:txEl>
+                                              <p:pRg st="0" end="0"/>
+                                            </p:txEl>
+                                          </p:spTgt>
+                                        </p:tgtEl>
+                                        <p:attrNameLst>
+                                          <p:attrName>style.visibility</p:attrName>
+                                        </p:attrNameLst>
+                                      </p:cBhvr>
+                                      <p:to>
+                                        <p:strVal val="visible"/>
+                                      </p:to>
+                                    </p:set>
+                                    <p:anim calcmode="lin" valueType="num">
+                                      <p:cBhvr additive="base">
+                                        <p:cTn id="7" dur="500" fill="hold"/>
+                                        <p:tgtEl>
+                                          <p:spTgt spid="3">
+                                            <p:txEl>
+                                              <p:pRg st="0" end="0"/>
+                                            </p:txEl>
+                                          </p:spTgt>
+                                        </p:tgtEl>
+                                        <p:attrNameLst>
+                                          <p:attrName>ppt_x</p:attrName>
+                                        </p:attrNameLst>
+                                      </p:cBhvr>
+                                      <p:tavLst>
+                                        <p:tav tm="0">
+                                          <p:val>
+                                            <p:strVal val="#ppt_x"/>
+                                          </p:val>
+                                        </p:tav>
+                                        <p:tav tm="100000">
+                                          <p:val>
+                                            <p:strVal val="#ppt_x"/>
+                                          </p:val>
+                                        </p:tav>
+                                      </p:tavLst>
+                                    </p:anim>
+                                    <p:anim calcmode="lin" valueType="num">
+                                      <p:cBhvr additive="base">
+                                        <p:cTn id="8" dur="500" fill="hold"/>
+                                        <p:tgtEl>
+                                          <p:spTgt spid="3">
+                                            <p:txEl>
+                                              <p:pRg st="0" end="0"/>
+                                            </p:txEl>
+                                          </p:spTgt>
+                                        </p:tgtEl>
+                                        <p:attrNameLst>
+                                          <p:attrName>ppt_y</p:attrName>
+                                        </p:attrNameLst>
+                                      </p:cBhvr>
+                                      <p:tavLst>
+                                        <p:tav tm="0">
+                                          <p:val>
+                                            <p:strVal val="1+#ppt_h/2"/>
+                                          </p:val>
+                                        </p:tav>
+                                        <p:tav tm="100000">
+                                          <p:val>
+                                            <p:strVal val="#ppt_y"/>
+                                          </p:val>
+                                        </p:tav>
+                                      </p:tavLst>
+                                    </p:anim>
+                                  </p:childTnLst>
+                                </p:cTn>
+                              </p:par>
+                            </p:childTnLst>
+                          </p:cTn>
+                        </p:par>
+                      </p:childTnLst>
+                    </p:cTn>
+                  </p:par>
+                  <p:par>
+                    <p:cTn id="9" fill="hold">
+                      <p:stCondLst>
+                        <p:cond delay="indefinite"/>
+                      </p:stCondLst>
+                      <p:childTnLst>
+                        <p:par>
+                          <p:cTn id="10" fill="hold">
+                            <p:stCondLst>
+                              <p:cond delay="0"/>
+                            </p:stCondLst>
+                            <p:childTnLst>
+                              <p:par>
+                                <p:cTn id="11" presetID="2" presetClass="entr" presetSubtype="4" fill="hold" nodeType="clickEffect">
+                                  <p:stCondLst>
+                                    <p:cond delay="0"/>
+                                  </p:stCondLst>
+                                  <p:childTnLst>
+                                    <p:set>
+                                      <p:cBhvr>
+                                        <p:cTn id="12" dur="1" fill="hold">
+                                          <p:stCondLst>
+                                            <p:cond delay="0"/>
+                                          </p:stCondLst>
+                                        </p:cTn>
+                                        <p:tgtEl>
+                                          <p:spTgt spid="3">
+                                            <p:txEl>
+                                              <p:pRg st="1" end="1"/>
+                                            </p:txEl>
+                                          </p:spTgt>
+                                        </p:tgtEl>
+                                        <p:attrNameLst>
+                                          <p:attrName>style.visibility</p:attrName>
+                                        </p:attrNameLst>
+                                      </p:cBhvr>
+                                      <p:to>
+                                        <p:strVal val="visible"/>
+                                      </p:to>
+                                    </p:set>
+                                    <p:anim calcmode="lin" valueType="num">
+                                      <p:cBhvr additive="base">
+                                        <p:cTn id="13" dur="500" fill="hold"/>
+                                        <p:tgtEl>
+                                          <p:spTgt spid="3">
+                                            <p:txEl>
+                                              <p:pRg st="1" end="1"/>
+                                            </p:txEl>
+                                          </p:spTgt>
+                                        </p:tgtEl>
+                                        <p:attrNameLst>
+                                          <p:attrName>ppt_x</p:attrName>
+                                        </p:attrNameLst>
+                                      </p:cBhvr>
+                                      <p:tavLst>
+                                        <p:tav tm="0">
+                                          <p:val>
+                                            <p:strVal val="#ppt_x"/>
+                                          </p:val>
+                                        </p:tav>
+                                        <p:tav tm="100000">
+                                          <p:val>
+                                            <p:strVal val="#ppt_x"/>
+                                          </p:val>
+                                        </p:tav>
+                                      </p:tavLst>
+                                    </p:anim>
+                                    <p:anim calcmode="lin" valueType="num">
+                                      <p:cBhvr additive="base">
+                                        <p:cTn id="14" dur="500" fill="hold"/>
+                                        <p:tgtEl>
+                                          <p:spTgt spid="3">
+                                            <p:txEl>
+                                              <p:pRg st="1" end="1"/>
+                                            </p:txEl>
+                                          </p:spTgt>
+                                        </p:tgtEl>
+                                        <p:attrNameLst>
+                                          <p:attrName>ppt_y</p:attrName>
+                                        </p:attrNameLst>
+                                      </p:cBhvr>
+                                      <p:tavLst>
+                                        <p:tav tm="0">
+                                          <p:val>
+                                            <p:strVal val="1+#ppt_h/2"/>
+                                          </p:val>
+                                        </p:tav>
+                                        <p:tav tm="100000">
+                                          <p:val>
+                                            <p:strVal val="#ppt_y"/>
+                                          </p:val>
+                                        </p:tav>
+                                      </p:tavLst>
+                                    </p:anim>
+                                  </p:childTnLst>
+                                </p:cTn>
+                              </p:par>
+                            </p:childTnLst>
+                          </p:cTn>
+                        </p:par>
+                      </p:childTnLst>
+                    </p:cTn>
+                  </p:par>
+                  <p:par>
+                    <p:cTn id="15" fill="hold">
+                      <p:stCondLst>
+                        <p:cond delay="indefinite"/>
+                      </p:stCondLst>
+                      <p:childTnLst>
+                        <p:par>
+                          <p:cTn id="16" fill="hold">
+                            <p:stCondLst>
+                              <p:cond delay="0"/>
+                            </p:stCondLst>
+                            <p:childTnLst>
+                              <p:par>
+                                <p:cTn id="17" presetID="2" presetClass="entr" presetSubtype="4" fill="hold" nodeType="clickEffect">
+                                  <p:stCondLst>
+                                    <p:cond delay="0"/>
+                                  </p:stCondLst>
+                                  <p:childTnLst>
+                                    <p:set>
+                                      <p:cBhvr>
+                                        <p:cTn id="18" dur="1" fill="hold">
+                                          <p:stCondLst>
+                                            <p:cond delay="0"/>
+                                          </p:stCondLst>
+                                        </p:cTn>
+                                        <p:tgtEl>
+                                          <p:spTgt spid="3">
+                                            <p:txEl>
+                                              <p:pRg st="2" end="2"/>
+                                            </p:txEl>
+                                          </p:spTgt>
+                                        </p:tgtEl>
+                                        <p:attrNameLst>
+                                          <p:attrName>style.visibility</p:attrName>
+                                        </p:attrNameLst>
+                                      </p:cBhvr>
+                                      <p:to>
+                                        <p:strVal val="visible"/>
+                                      </p:to>
+                                    </p:set>
+                                    <p:anim calcmode="lin" valueType="num">
+                                      <p:cBhvr additive="base">
+                                        <p:cTn id="19" dur="500" fill="hold"/>
+                                        <p:tgtEl>
+                                          <p:spTgt spid="3">
+                                            <p:txEl>
+                                              <p:pRg st="2" end="2"/>
+                                            </p:txEl>
+                                          </p:spTgt>
+                                        </p:tgtEl>
+                                        <p:attrNameLst>
+                                          <p:attrName>ppt_x</p:attrName>
+                                        </p:attrNameLst>
+                                      </p:cBhvr>
+                                      <p:tavLst>
+                                        <p:tav tm="0">
+                                          <p:val>
+                                            <p:strVal val="#ppt_x"/>
+                                          </p:val>
+                                        </p:tav>
+                                        <p:tav tm="100000">
+                                          <p:val>
+                                            <p:strVal val="#ppt_x"/>
+                                          </p:val>
+                                        </p:tav>
+                                      </p:tavLst>
+                                    </p:anim>
+                                    <p:anim calcmode="lin" valueType="num">
+                                      <p:cBhvr additive="base">
+                                        <p:cTn id="20" dur="500" fill="hold"/>
+                                        <p:tgtEl>
+                                          <p:spTgt spid="3">
+                                            <p:txEl>
+                                              <p:pRg st="2" end="2"/>
+                                            </p:txEl>
+                                          </p:spTgt>
+                                        </p:tgtEl>
+                                        <p:attrNameLst>
+                                          <p:attrName>ppt_y</p:attrName>
+                                        </p:attrNameLst>
+                                      </p:cBhvr>
+                                      <p:tavLst>
+                                        <p:tav tm="0">
+                                          <p:val>
+                                            <p:strVal val="1+#ppt_h/2"/>
+                                          </p:val>
+                                        </p:tav>
+                                        <p:tav tm="100000">
+                                          <p:val>
+                                            <p:strVal val="#ppt_y"/>
+                                          </p:val>
+                                        </p:tav>
+                                      </p:tavLst>
+                                    </p:anim>
+                                  </p:childTnLst>
+                                </p:cTn>
+                              </p:par>
+                            </p:childTnLst>
+                          </p:cTn>
+                        </p:par>
+                      </p:childTnLst>
+                    </p:cTn>
+                  </p:par>
+                  <p:par>
+                    <p:cTn id="21" fill="hold">
+                      <p:stCondLst>
+                        <p:cond delay="indefinite"/>
+                      </p:stCondLst>
+                      <p:childTnLst>
+                        <p:par>
+                          <p:cTn id="22" fill="hold">
+                            <p:stCondLst>
+                              <p:cond delay="0"/>
+                            </p:stCondLst>
+                            <p:childTnLst>
+                              <p:par>
+                                <p:cTn id="23" presetID="2" presetClass="entr" presetSubtype="4" fill="hold" nodeType="clickEffect">
+                                  <p:stCondLst>
+                                    <p:cond delay="0"/>
+                                  </p:stCondLst>
+                                  <p:childTnLst>
+                                    <p:set>
+                                      <p:cBhvr>
+                                        <p:cTn id="24" dur="1" fill="hold">
+                                          <p:stCondLst>
+                                            <p:cond delay="0"/>
+                                          </p:stCondLst>
+                                        </p:cTn>
+                                        <p:tgtEl>
+                                          <p:spTgt spid="3">
+                                            <p:txEl>
+                                              <p:pRg st="3" end="3"/>
+                                            </p:txEl>
+                                          </p:spTgt>
+                                        </p:tgtEl>
+                                        <p:attrNameLst>
+                                          <p:attrName>style.visibility</p:attrName>
+                                        </p:attrNameLst>
+                                      </p:cBhvr>
+                                      <p:to>
+                                        <p:strVal val="visible"/>
+                                      </p:to>
+                                    </p:set>
+                                    <p:anim calcmode="lin" valueType="num">
+                                      <p:cBhvr additive="base">
+                                        <p:cTn id="25" dur="500" fill="hold"/>
+                                        <p:tgtEl>
+                                          <p:spTgt spid="3">
+                                            <p:txEl>
+                                              <p:pRg st="3" end="3"/>
+                                            </p:txEl>
+                                          </p:spTgt>
+                                        </p:tgtEl>
+                                        <p:attrNameLst>
+                                          <p:attrName>ppt_x</p:attrName>
+                                        </p:attrNameLst>
+                                      </p:cBhvr>
+                                      <p:tavLst>
+                                        <p:tav tm="0">
+                                          <p:val>
+                                            <p:strVal val="#ppt_x"/>
+                                          </p:val>
+                                        </p:tav>
+                                        <p:tav tm="100000">
+                                          <p:val>
+                                            <p:strVal val="#ppt_x"/>
+                                          </p:val>
+                                        </p:tav>
+                                      </p:tavLst>
+                                    </p:anim>
+                                    <p:anim calcmode="lin" valueType="num">
+                                      <p:cBhvr additive="base">
+                                        <p:cTn id="26" dur="500" fill="hold"/>
+                                        <p:tgtEl>
+                                          <p:spTgt spid="3">
+                                            <p:txEl>
+                                              <p:pRg st="3" end="3"/>
+                                            </p:txEl>
+                                          </p:spTgt>
+                                        </p:tgtEl>
+                                        <p:attrNameLst>
+                                          <p:attrName>ppt_y</p:attrName>
+                                        </p:attrNameLst>
+                                      </p:cBhvr>
+                                      <p:tavLst>
+                                        <p:tav tm="0">
+                                          <p:val>
+                                            <p:strVal val="1+#ppt_h/2"/>
+                                          </p:val>
+                                        </p:tav>
+                                        <p:tav tm="100000">
+                                          <p:val>
+                                            <p:strVal val="#ppt_y"/>
+                                          </p:val>
+                                        </p:tav>
+                                      </p:tavLst>
+                                    </p:anim>
+                                  </p:childTnLst>
+                                </p:cTn>
+                              </p:par>
+                            </p:childTnLst>
+                          </p:cTn>
+                        </p:par>
+                      </p:childTnLst>
+                    </p:cTn>
+                  </p:par>
+                </p:childTnLst>
+              </p:cTn>
+              <p:prevCondLst>
+                <p:cond evt="onPrev" delay="0">
+                  <p:tgtEl>
+                    <p:sldTgt/>
+                  </p:tgtEl>
+                </p:cond>
+              </p:prevCondLst>
+              <p:nextCondLst>
+                <p:cond evt="onNext" delay="0">
+                  <p:tgtEl>
+                    <p:sldTgt/>
+                  </p:tgtEl>
+                </p:cond>
+              </p:nextCondLst>
+            </p:seq>
+          </p:childTnLst>
+        </p:cTn>
+      </p:par>
+    </p:tnLst>
+  </p:timing>
 </p:sld>
 </file>
 
@@ -6171,6 +7322,107 @@
           <a:chExt cx="0" cy="0"/>
         </a:xfrm>
       </p:grpSpPr>
+      <p:sp>
+        <p:nvSpPr>
+          <p:cNvPr id="3" name="Content Placeholder 2"/>
+          <p:cNvSpPr>
+            <a:spLocks noGrp="1"/>
+          </p:cNvSpPr>
+          <p:nvPr>
+            <p:ph idx="1"/>
+          </p:nvPr>
+        </p:nvSpPr>
+        <p:spPr>
+          <a:xfrm>
+            <a:off x="685800" y="1843089"/>
+            <a:ext cx="10820400" cy="4700586"/>
+          </a:xfrm>
+        </p:spPr>
+        <p:txBody>
+          <a:bodyPr>
+            <a:normAutofit/>
+          </a:bodyPr>
+          <a:lstStyle/>
+          <a:p>
+            <a:r>
+              <a:rPr lang="en-US" dirty="0" smtClean="0"/>
+              <a:t>Part of the OS. It’s easily available</a:t>
+            </a:r>
+          </a:p>
+          <a:p>
+            <a:r>
+              <a:rPr lang="en-US" dirty="0" smtClean="0"/>
+              <a:t>As a consultant, (or an IT guy in a large shop) I can’t always install 3</a:t>
+            </a:r>
+            <a:r>
+              <a:rPr lang="en-US" baseline="30000" dirty="0" smtClean="0"/>
+              <a:t>rd</a:t>
+            </a:r>
+            <a:r>
+              <a:rPr lang="en-US" dirty="0" smtClean="0"/>
+              <a:t> party software</a:t>
+            </a:r>
+          </a:p>
+          <a:p>
+            <a:r>
+              <a:rPr lang="en-US" dirty="0" smtClean="0"/>
+              <a:t>ADSI </a:t>
+            </a:r>
+          </a:p>
+          <a:p>
+            <a:pPr marL="0" indent="0">
+              <a:buNone/>
+            </a:pPr>
+            <a:endParaRPr lang="en-US" dirty="0" smtClean="0"/>
+          </a:p>
+          <a:p>
+            <a:pPr marL="0" indent="0">
+              <a:buNone/>
+            </a:pPr>
+            <a:r>
+              <a:rPr lang="en-US" dirty="0" smtClean="0"/>
+              <a:t> </a:t>
+            </a:r>
+          </a:p>
+          <a:p>
+            <a:pPr lvl="1"/>
+            <a:r>
+              <a:rPr lang="en-US" dirty="0" smtClean="0"/>
+              <a:t> – `</a:t>
+            </a:r>
+            <a:r>
+              <a:rPr lang="en-US" dirty="0" err="1" smtClean="0"/>
+              <a:t>nuf</a:t>
+            </a:r>
+            <a:r>
+              <a:rPr lang="en-US" dirty="0" smtClean="0"/>
+              <a:t> said</a:t>
+            </a:r>
+          </a:p>
+          <a:p>
+            <a:r>
+              <a:rPr lang="en-US" dirty="0" smtClean="0"/>
+              <a:t>I try to avoid writing .NET code in PowerShell if I can. Not always the case though.</a:t>
+            </a:r>
+          </a:p>
+          <a:p>
+            <a:pPr lvl="1"/>
+            <a:r>
+              <a:rPr lang="en-US" dirty="0" smtClean="0"/>
+              <a:t>Need </a:t>
+            </a:r>
+            <a:r>
+              <a:rPr lang="en-US" dirty="0" err="1" smtClean="0"/>
+              <a:t>System.DirectoryServices</a:t>
+            </a:r>
+            <a:r>
+              <a:rPr lang="en-US" dirty="0" smtClean="0"/>
+              <a:t> for some Sites and Subnets work and some Forest wide management on Server 2008/R2.</a:t>
+            </a:r>
+            <a:endParaRPr lang="en-US" dirty="0"/>
+          </a:p>
+        </p:txBody>
+      </p:sp>
       <p:pic>
         <p:nvPicPr>
           <p:cNvPr id="4" name="Picture 3"/>
@@ -6187,8 +7439,8 @@
         </p:blipFill>
         <p:spPr>
           <a:xfrm>
-            <a:off x="2468395" y="3290094"/>
-            <a:ext cx="5409524" cy="819048"/>
+            <a:off x="2895600" y="3228976"/>
+            <a:ext cx="7815868" cy="1183389"/>
           </a:xfrm>
           <a:prstGeom prst="rect">
             <a:avLst/>
@@ -6213,102 +7465,6 @@
             <a:r>
               <a:rPr lang="en-US" dirty="0" smtClean="0"/>
               <a:t>Why I use the native Active Directory Module	</a:t>
-            </a:r>
-            <a:endParaRPr lang="en-US" dirty="0"/>
-          </a:p>
-        </p:txBody>
-      </p:sp>
-      <p:sp>
-        <p:nvSpPr>
-          <p:cNvPr id="3" name="Content Placeholder 2"/>
-          <p:cNvSpPr>
-            <a:spLocks noGrp="1"/>
-          </p:cNvSpPr>
-          <p:nvPr>
-            <p:ph idx="1"/>
-          </p:nvPr>
-        </p:nvSpPr>
-        <p:spPr/>
-        <p:txBody>
-          <a:bodyPr>
-            <a:normAutofit lnSpcReduction="10000"/>
-          </a:bodyPr>
-          <a:lstStyle/>
-          <a:p>
-            <a:r>
-              <a:rPr lang="en-US" dirty="0" smtClean="0"/>
-              <a:t>Part of the OS. It’s easily available</a:t>
-            </a:r>
-          </a:p>
-          <a:p>
-            <a:r>
-              <a:rPr lang="en-US" dirty="0" smtClean="0"/>
-              <a:t>As a consultant, (or an IT guy in a large shop) I can’t always install 3</a:t>
-            </a:r>
-            <a:r>
-              <a:rPr lang="en-US" baseline="30000" dirty="0" smtClean="0"/>
-              <a:t>rd</a:t>
-            </a:r>
-            <a:r>
-              <a:rPr lang="en-US" dirty="0" smtClean="0"/>
-              <a:t> party software</a:t>
-            </a:r>
-          </a:p>
-          <a:p>
-            <a:r>
-              <a:rPr lang="en-US" dirty="0" smtClean="0"/>
-              <a:t>ADSI </a:t>
-            </a:r>
-          </a:p>
-          <a:p>
-            <a:pPr marL="0" indent="0">
-              <a:buNone/>
-            </a:pPr>
-            <a:endParaRPr lang="en-US" dirty="0" smtClean="0"/>
-          </a:p>
-          <a:p>
-            <a:pPr marL="0" indent="0">
-              <a:buNone/>
-            </a:pPr>
-            <a:r>
-              <a:rPr lang="en-US" dirty="0" smtClean="0"/>
-              <a:t> </a:t>
-            </a:r>
-          </a:p>
-          <a:p>
-            <a:pPr lvl="1"/>
-            <a:r>
-              <a:rPr lang="en-US" dirty="0" smtClean="0"/>
-              <a:t> – `</a:t>
-            </a:r>
-            <a:r>
-              <a:rPr lang="en-US" dirty="0" err="1" smtClean="0"/>
-              <a:t>nuf</a:t>
-            </a:r>
-            <a:r>
-              <a:rPr lang="en-US" dirty="0" smtClean="0"/>
-              <a:t> said</a:t>
-            </a:r>
-          </a:p>
-          <a:p>
-            <a:r>
-              <a:rPr lang="en-US" dirty="0" smtClean="0"/>
-              <a:t>I try to avoid writing .NET code in PowerShell if I can. Not always the case though.</a:t>
-            </a:r>
-          </a:p>
-          <a:p>
-            <a:pPr lvl="1"/>
-            <a:r>
-              <a:rPr lang="en-US" dirty="0" smtClean="0"/>
-              <a:t>Need </a:t>
-            </a:r>
-            <a:r>
-              <a:rPr lang="en-US" dirty="0" err="1" smtClean="0"/>
-              <a:t>System.DirectoryServices</a:t>
-            </a:r>
-            <a:r>
-              <a:rPr lang="en-US" dirty="0" smtClean="0"/>
-              <a:t> for some Sites and Subnets work and some Forest wide management on Server 2008/R2.</a:t>
             </a:r>
             <a:endParaRPr lang="en-US" dirty="0"/>
           </a:p>
@@ -6324,6 +7480,756 @@
   <p:clrMapOvr>
     <a:masterClrMapping/>
   </p:clrMapOvr>
+  <mc:AlternateContent xmlns:mc="http://schemas.openxmlformats.org/markup-compatibility/2006">
+    <mc:Choice xmlns:p14="http://schemas.microsoft.com/office/powerpoint/2010/main" Requires="p14">
+      <p:transition spd="slow" p14:dur="2000"/>
+    </mc:Choice>
+    <mc:Fallback>
+      <p:transition spd="slow"/>
+    </mc:Fallback>
+  </mc:AlternateContent>
+  <p:timing>
+    <p:tnLst>
+      <p:par>
+        <p:cTn id="1" dur="indefinite" restart="never" nodeType="tmRoot">
+          <p:childTnLst>
+            <p:seq concurrent="1" nextAc="seek">
+              <p:cTn id="2" dur="indefinite" nodeType="mainSeq">
+                <p:childTnLst>
+                  <p:par>
+                    <p:cTn id="3" fill="hold">
+                      <p:stCondLst>
+                        <p:cond delay="indefinite"/>
+                      </p:stCondLst>
+                      <p:childTnLst>
+                        <p:par>
+                          <p:cTn id="4" fill="hold">
+                            <p:stCondLst>
+                              <p:cond delay="0"/>
+                            </p:stCondLst>
+                            <p:childTnLst>
+                              <p:par>
+                                <p:cTn id="5" presetID="2" presetClass="entr" presetSubtype="4" fill="hold" nodeType="clickEffect">
+                                  <p:stCondLst>
+                                    <p:cond delay="0"/>
+                                  </p:stCondLst>
+                                  <p:childTnLst>
+                                    <p:set>
+                                      <p:cBhvr>
+                                        <p:cTn id="6" dur="1" fill="hold">
+                                          <p:stCondLst>
+                                            <p:cond delay="0"/>
+                                          </p:stCondLst>
+                                        </p:cTn>
+                                        <p:tgtEl>
+                                          <p:spTgt spid="3">
+                                            <p:txEl>
+                                              <p:pRg st="0" end="0"/>
+                                            </p:txEl>
+                                          </p:spTgt>
+                                        </p:tgtEl>
+                                        <p:attrNameLst>
+                                          <p:attrName>style.visibility</p:attrName>
+                                        </p:attrNameLst>
+                                      </p:cBhvr>
+                                      <p:to>
+                                        <p:strVal val="visible"/>
+                                      </p:to>
+                                    </p:set>
+                                    <p:anim calcmode="lin" valueType="num">
+                                      <p:cBhvr additive="base">
+                                        <p:cTn id="7" dur="500" fill="hold"/>
+                                        <p:tgtEl>
+                                          <p:spTgt spid="3">
+                                            <p:txEl>
+                                              <p:pRg st="0" end="0"/>
+                                            </p:txEl>
+                                          </p:spTgt>
+                                        </p:tgtEl>
+                                        <p:attrNameLst>
+                                          <p:attrName>ppt_x</p:attrName>
+                                        </p:attrNameLst>
+                                      </p:cBhvr>
+                                      <p:tavLst>
+                                        <p:tav tm="0">
+                                          <p:val>
+                                            <p:strVal val="#ppt_x"/>
+                                          </p:val>
+                                        </p:tav>
+                                        <p:tav tm="100000">
+                                          <p:val>
+                                            <p:strVal val="#ppt_x"/>
+                                          </p:val>
+                                        </p:tav>
+                                      </p:tavLst>
+                                    </p:anim>
+                                    <p:anim calcmode="lin" valueType="num">
+                                      <p:cBhvr additive="base">
+                                        <p:cTn id="8" dur="500" fill="hold"/>
+                                        <p:tgtEl>
+                                          <p:spTgt spid="3">
+                                            <p:txEl>
+                                              <p:pRg st="0" end="0"/>
+                                            </p:txEl>
+                                          </p:spTgt>
+                                        </p:tgtEl>
+                                        <p:attrNameLst>
+                                          <p:attrName>ppt_y</p:attrName>
+                                        </p:attrNameLst>
+                                      </p:cBhvr>
+                                      <p:tavLst>
+                                        <p:tav tm="0">
+                                          <p:val>
+                                            <p:strVal val="1+#ppt_h/2"/>
+                                          </p:val>
+                                        </p:tav>
+                                        <p:tav tm="100000">
+                                          <p:val>
+                                            <p:strVal val="#ppt_y"/>
+                                          </p:val>
+                                        </p:tav>
+                                      </p:tavLst>
+                                    </p:anim>
+                                  </p:childTnLst>
+                                </p:cTn>
+                              </p:par>
+                            </p:childTnLst>
+                          </p:cTn>
+                        </p:par>
+                      </p:childTnLst>
+                    </p:cTn>
+                  </p:par>
+                  <p:par>
+                    <p:cTn id="9" fill="hold">
+                      <p:stCondLst>
+                        <p:cond delay="indefinite"/>
+                      </p:stCondLst>
+                      <p:childTnLst>
+                        <p:par>
+                          <p:cTn id="10" fill="hold">
+                            <p:stCondLst>
+                              <p:cond delay="0"/>
+                            </p:stCondLst>
+                            <p:childTnLst>
+                              <p:par>
+                                <p:cTn id="11" presetID="2" presetClass="entr" presetSubtype="4" fill="hold" nodeType="clickEffect">
+                                  <p:stCondLst>
+                                    <p:cond delay="0"/>
+                                  </p:stCondLst>
+                                  <p:childTnLst>
+                                    <p:set>
+                                      <p:cBhvr>
+                                        <p:cTn id="12" dur="1" fill="hold">
+                                          <p:stCondLst>
+                                            <p:cond delay="0"/>
+                                          </p:stCondLst>
+                                        </p:cTn>
+                                        <p:tgtEl>
+                                          <p:spTgt spid="3">
+                                            <p:txEl>
+                                              <p:pRg st="1" end="1"/>
+                                            </p:txEl>
+                                          </p:spTgt>
+                                        </p:tgtEl>
+                                        <p:attrNameLst>
+                                          <p:attrName>style.visibility</p:attrName>
+                                        </p:attrNameLst>
+                                      </p:cBhvr>
+                                      <p:to>
+                                        <p:strVal val="visible"/>
+                                      </p:to>
+                                    </p:set>
+                                    <p:anim calcmode="lin" valueType="num">
+                                      <p:cBhvr additive="base">
+                                        <p:cTn id="13" dur="500" fill="hold"/>
+                                        <p:tgtEl>
+                                          <p:spTgt spid="3">
+                                            <p:txEl>
+                                              <p:pRg st="1" end="1"/>
+                                            </p:txEl>
+                                          </p:spTgt>
+                                        </p:tgtEl>
+                                        <p:attrNameLst>
+                                          <p:attrName>ppt_x</p:attrName>
+                                        </p:attrNameLst>
+                                      </p:cBhvr>
+                                      <p:tavLst>
+                                        <p:tav tm="0">
+                                          <p:val>
+                                            <p:strVal val="#ppt_x"/>
+                                          </p:val>
+                                        </p:tav>
+                                        <p:tav tm="100000">
+                                          <p:val>
+                                            <p:strVal val="#ppt_x"/>
+                                          </p:val>
+                                        </p:tav>
+                                      </p:tavLst>
+                                    </p:anim>
+                                    <p:anim calcmode="lin" valueType="num">
+                                      <p:cBhvr additive="base">
+                                        <p:cTn id="14" dur="500" fill="hold"/>
+                                        <p:tgtEl>
+                                          <p:spTgt spid="3">
+                                            <p:txEl>
+                                              <p:pRg st="1" end="1"/>
+                                            </p:txEl>
+                                          </p:spTgt>
+                                        </p:tgtEl>
+                                        <p:attrNameLst>
+                                          <p:attrName>ppt_y</p:attrName>
+                                        </p:attrNameLst>
+                                      </p:cBhvr>
+                                      <p:tavLst>
+                                        <p:tav tm="0">
+                                          <p:val>
+                                            <p:strVal val="1+#ppt_h/2"/>
+                                          </p:val>
+                                        </p:tav>
+                                        <p:tav tm="100000">
+                                          <p:val>
+                                            <p:strVal val="#ppt_y"/>
+                                          </p:val>
+                                        </p:tav>
+                                      </p:tavLst>
+                                    </p:anim>
+                                  </p:childTnLst>
+                                </p:cTn>
+                              </p:par>
+                            </p:childTnLst>
+                          </p:cTn>
+                        </p:par>
+                      </p:childTnLst>
+                    </p:cTn>
+                  </p:par>
+                  <p:par>
+                    <p:cTn id="15" fill="hold">
+                      <p:stCondLst>
+                        <p:cond delay="indefinite"/>
+                      </p:stCondLst>
+                      <p:childTnLst>
+                        <p:par>
+                          <p:cTn id="16" fill="hold">
+                            <p:stCondLst>
+                              <p:cond delay="0"/>
+                            </p:stCondLst>
+                            <p:childTnLst>
+                              <p:par>
+                                <p:cTn id="17" presetID="2" presetClass="entr" presetSubtype="4" fill="hold" nodeType="clickEffect">
+                                  <p:stCondLst>
+                                    <p:cond delay="0"/>
+                                  </p:stCondLst>
+                                  <p:childTnLst>
+                                    <p:set>
+                                      <p:cBhvr>
+                                        <p:cTn id="18" dur="1" fill="hold">
+                                          <p:stCondLst>
+                                            <p:cond delay="0"/>
+                                          </p:stCondLst>
+                                        </p:cTn>
+                                        <p:tgtEl>
+                                          <p:spTgt spid="3">
+                                            <p:txEl>
+                                              <p:pRg st="2" end="2"/>
+                                            </p:txEl>
+                                          </p:spTgt>
+                                        </p:tgtEl>
+                                        <p:attrNameLst>
+                                          <p:attrName>style.visibility</p:attrName>
+                                        </p:attrNameLst>
+                                      </p:cBhvr>
+                                      <p:to>
+                                        <p:strVal val="visible"/>
+                                      </p:to>
+                                    </p:set>
+                                    <p:anim calcmode="lin" valueType="num">
+                                      <p:cBhvr additive="base">
+                                        <p:cTn id="19" dur="500" fill="hold"/>
+                                        <p:tgtEl>
+                                          <p:spTgt spid="3">
+                                            <p:txEl>
+                                              <p:pRg st="2" end="2"/>
+                                            </p:txEl>
+                                          </p:spTgt>
+                                        </p:tgtEl>
+                                        <p:attrNameLst>
+                                          <p:attrName>ppt_x</p:attrName>
+                                        </p:attrNameLst>
+                                      </p:cBhvr>
+                                      <p:tavLst>
+                                        <p:tav tm="0">
+                                          <p:val>
+                                            <p:strVal val="#ppt_x"/>
+                                          </p:val>
+                                        </p:tav>
+                                        <p:tav tm="100000">
+                                          <p:val>
+                                            <p:strVal val="#ppt_x"/>
+                                          </p:val>
+                                        </p:tav>
+                                      </p:tavLst>
+                                    </p:anim>
+                                    <p:anim calcmode="lin" valueType="num">
+                                      <p:cBhvr additive="base">
+                                        <p:cTn id="20" dur="500" fill="hold"/>
+                                        <p:tgtEl>
+                                          <p:spTgt spid="3">
+                                            <p:txEl>
+                                              <p:pRg st="2" end="2"/>
+                                            </p:txEl>
+                                          </p:spTgt>
+                                        </p:tgtEl>
+                                        <p:attrNameLst>
+                                          <p:attrName>ppt_y</p:attrName>
+                                        </p:attrNameLst>
+                                      </p:cBhvr>
+                                      <p:tavLst>
+                                        <p:tav tm="0">
+                                          <p:val>
+                                            <p:strVal val="1+#ppt_h/2"/>
+                                          </p:val>
+                                        </p:tav>
+                                        <p:tav tm="100000">
+                                          <p:val>
+                                            <p:strVal val="#ppt_y"/>
+                                          </p:val>
+                                        </p:tav>
+                                      </p:tavLst>
+                                    </p:anim>
+                                  </p:childTnLst>
+                                </p:cTn>
+                              </p:par>
+                              <p:par>
+                                <p:cTn id="21" presetID="1" presetClass="entr" presetSubtype="0" fill="hold" nodeType="withEffect">
+                                  <p:stCondLst>
+                                    <p:cond delay="0"/>
+                                  </p:stCondLst>
+                                  <p:childTnLst>
+                                    <p:set>
+                                      <p:cBhvr>
+                                        <p:cTn id="22" dur="1" fill="hold">
+                                          <p:stCondLst>
+                                            <p:cond delay="0"/>
+                                          </p:stCondLst>
+                                        </p:cTn>
+                                        <p:tgtEl>
+                                          <p:spTgt spid="4"/>
+                                        </p:tgtEl>
+                                        <p:attrNameLst>
+                                          <p:attrName>style.visibility</p:attrName>
+                                        </p:attrNameLst>
+                                      </p:cBhvr>
+                                      <p:to>
+                                        <p:strVal val="visible"/>
+                                      </p:to>
+                                    </p:set>
+                                  </p:childTnLst>
+                                </p:cTn>
+                              </p:par>
+                              <p:par>
+                                <p:cTn id="23" presetID="2" presetClass="entr" presetSubtype="4" fill="hold" nodeType="withEffect">
+                                  <p:stCondLst>
+                                    <p:cond delay="0"/>
+                                  </p:stCondLst>
+                                  <p:childTnLst>
+                                    <p:set>
+                                      <p:cBhvr>
+                                        <p:cTn id="24" dur="1" fill="hold">
+                                          <p:stCondLst>
+                                            <p:cond delay="0"/>
+                                          </p:stCondLst>
+                                        </p:cTn>
+                                        <p:tgtEl>
+                                          <p:spTgt spid="3">
+                                            <p:txEl>
+                                              <p:pRg st="4" end="4"/>
+                                            </p:txEl>
+                                          </p:spTgt>
+                                        </p:tgtEl>
+                                        <p:attrNameLst>
+                                          <p:attrName>style.visibility</p:attrName>
+                                        </p:attrNameLst>
+                                      </p:cBhvr>
+                                      <p:to>
+                                        <p:strVal val="visible"/>
+                                      </p:to>
+                                    </p:set>
+                                    <p:anim calcmode="lin" valueType="num">
+                                      <p:cBhvr additive="base">
+                                        <p:cTn id="25" dur="500" fill="hold"/>
+                                        <p:tgtEl>
+                                          <p:spTgt spid="3">
+                                            <p:txEl>
+                                              <p:pRg st="4" end="4"/>
+                                            </p:txEl>
+                                          </p:spTgt>
+                                        </p:tgtEl>
+                                        <p:attrNameLst>
+                                          <p:attrName>ppt_x</p:attrName>
+                                        </p:attrNameLst>
+                                      </p:cBhvr>
+                                      <p:tavLst>
+                                        <p:tav tm="0">
+                                          <p:val>
+                                            <p:strVal val="#ppt_x"/>
+                                          </p:val>
+                                        </p:tav>
+                                        <p:tav tm="100000">
+                                          <p:val>
+                                            <p:strVal val="#ppt_x"/>
+                                          </p:val>
+                                        </p:tav>
+                                      </p:tavLst>
+                                    </p:anim>
+                                    <p:anim calcmode="lin" valueType="num">
+                                      <p:cBhvr additive="base">
+                                        <p:cTn id="26" dur="500" fill="hold"/>
+                                        <p:tgtEl>
+                                          <p:spTgt spid="3">
+                                            <p:txEl>
+                                              <p:pRg st="4" end="4"/>
+                                            </p:txEl>
+                                          </p:spTgt>
+                                        </p:tgtEl>
+                                        <p:attrNameLst>
+                                          <p:attrName>ppt_y</p:attrName>
+                                        </p:attrNameLst>
+                                      </p:cBhvr>
+                                      <p:tavLst>
+                                        <p:tav tm="0">
+                                          <p:val>
+                                            <p:strVal val="1+#ppt_h/2"/>
+                                          </p:val>
+                                        </p:tav>
+                                        <p:tav tm="100000">
+                                          <p:val>
+                                            <p:strVal val="#ppt_y"/>
+                                          </p:val>
+                                        </p:tav>
+                                      </p:tavLst>
+                                    </p:anim>
+                                  </p:childTnLst>
+                                </p:cTn>
+                              </p:par>
+                              <p:par>
+                                <p:cTn id="27" presetID="2" presetClass="entr" presetSubtype="4" fill="hold" nodeType="withEffect">
+                                  <p:stCondLst>
+                                    <p:cond delay="0"/>
+                                  </p:stCondLst>
+                                  <p:childTnLst>
+                                    <p:set>
+                                      <p:cBhvr>
+                                        <p:cTn id="28" dur="1" fill="hold">
+                                          <p:stCondLst>
+                                            <p:cond delay="0"/>
+                                          </p:stCondLst>
+                                        </p:cTn>
+                                        <p:tgtEl>
+                                          <p:spTgt spid="3">
+                                            <p:txEl>
+                                              <p:pRg st="5" end="5"/>
+                                            </p:txEl>
+                                          </p:spTgt>
+                                        </p:tgtEl>
+                                        <p:attrNameLst>
+                                          <p:attrName>style.visibility</p:attrName>
+                                        </p:attrNameLst>
+                                      </p:cBhvr>
+                                      <p:to>
+                                        <p:strVal val="visible"/>
+                                      </p:to>
+                                    </p:set>
+                                    <p:anim calcmode="lin" valueType="num">
+                                      <p:cBhvr additive="base">
+                                        <p:cTn id="29" dur="500" fill="hold"/>
+                                        <p:tgtEl>
+                                          <p:spTgt spid="3">
+                                            <p:txEl>
+                                              <p:pRg st="5" end="5"/>
+                                            </p:txEl>
+                                          </p:spTgt>
+                                        </p:tgtEl>
+                                        <p:attrNameLst>
+                                          <p:attrName>ppt_x</p:attrName>
+                                        </p:attrNameLst>
+                                      </p:cBhvr>
+                                      <p:tavLst>
+                                        <p:tav tm="0">
+                                          <p:val>
+                                            <p:strVal val="#ppt_x"/>
+                                          </p:val>
+                                        </p:tav>
+                                        <p:tav tm="100000">
+                                          <p:val>
+                                            <p:strVal val="#ppt_x"/>
+                                          </p:val>
+                                        </p:tav>
+                                      </p:tavLst>
+                                    </p:anim>
+                                    <p:anim calcmode="lin" valueType="num">
+                                      <p:cBhvr additive="base">
+                                        <p:cTn id="30" dur="500" fill="hold"/>
+                                        <p:tgtEl>
+                                          <p:spTgt spid="3">
+                                            <p:txEl>
+                                              <p:pRg st="5" end="5"/>
+                                            </p:txEl>
+                                          </p:spTgt>
+                                        </p:tgtEl>
+                                        <p:attrNameLst>
+                                          <p:attrName>ppt_y</p:attrName>
+                                        </p:attrNameLst>
+                                      </p:cBhvr>
+                                      <p:tavLst>
+                                        <p:tav tm="0">
+                                          <p:val>
+                                            <p:strVal val="1+#ppt_h/2"/>
+                                          </p:val>
+                                        </p:tav>
+                                        <p:tav tm="100000">
+                                          <p:val>
+                                            <p:strVal val="#ppt_y"/>
+                                          </p:val>
+                                        </p:tav>
+                                      </p:tavLst>
+                                    </p:anim>
+                                  </p:childTnLst>
+                                </p:cTn>
+                              </p:par>
+                            </p:childTnLst>
+                          </p:cTn>
+                        </p:par>
+                      </p:childTnLst>
+                    </p:cTn>
+                  </p:par>
+                  <p:par>
+                    <p:cTn id="31" fill="hold">
+                      <p:stCondLst>
+                        <p:cond delay="indefinite"/>
+                      </p:stCondLst>
+                      <p:childTnLst>
+                        <p:par>
+                          <p:cTn id="32" fill="hold">
+                            <p:stCondLst>
+                              <p:cond delay="0"/>
+                            </p:stCondLst>
+                            <p:childTnLst>
+                              <p:par>
+                                <p:cTn id="33" presetID="2" presetClass="entr" presetSubtype="4" fill="hold" nodeType="clickEffect">
+                                  <p:stCondLst>
+                                    <p:cond delay="0"/>
+                                  </p:stCondLst>
+                                  <p:childTnLst>
+                                    <p:set>
+                                      <p:cBhvr>
+                                        <p:cTn id="34" dur="1" fill="hold">
+                                          <p:stCondLst>
+                                            <p:cond delay="0"/>
+                                          </p:stCondLst>
+                                        </p:cTn>
+                                        <p:tgtEl>
+                                          <p:spTgt spid="3">
+                                            <p:txEl>
+                                              <p:pRg st="6" end="6"/>
+                                            </p:txEl>
+                                          </p:spTgt>
+                                        </p:tgtEl>
+                                        <p:attrNameLst>
+                                          <p:attrName>style.visibility</p:attrName>
+                                        </p:attrNameLst>
+                                      </p:cBhvr>
+                                      <p:to>
+                                        <p:strVal val="visible"/>
+                                      </p:to>
+                                    </p:set>
+                                    <p:anim calcmode="lin" valueType="num">
+                                      <p:cBhvr additive="base">
+                                        <p:cTn id="35" dur="500" fill="hold"/>
+                                        <p:tgtEl>
+                                          <p:spTgt spid="3">
+                                            <p:txEl>
+                                              <p:pRg st="6" end="6"/>
+                                            </p:txEl>
+                                          </p:spTgt>
+                                        </p:tgtEl>
+                                        <p:attrNameLst>
+                                          <p:attrName>ppt_x</p:attrName>
+                                        </p:attrNameLst>
+                                      </p:cBhvr>
+                                      <p:tavLst>
+                                        <p:tav tm="0">
+                                          <p:val>
+                                            <p:strVal val="#ppt_x"/>
+                                          </p:val>
+                                        </p:tav>
+                                        <p:tav tm="100000">
+                                          <p:val>
+                                            <p:strVal val="#ppt_x"/>
+                                          </p:val>
+                                        </p:tav>
+                                      </p:tavLst>
+                                    </p:anim>
+                                    <p:anim calcmode="lin" valueType="num">
+                                      <p:cBhvr additive="base">
+                                        <p:cTn id="36" dur="500" fill="hold"/>
+                                        <p:tgtEl>
+                                          <p:spTgt spid="3">
+                                            <p:txEl>
+                                              <p:pRg st="6" end="6"/>
+                                            </p:txEl>
+                                          </p:spTgt>
+                                        </p:tgtEl>
+                                        <p:attrNameLst>
+                                          <p:attrName>ppt_y</p:attrName>
+                                        </p:attrNameLst>
+                                      </p:cBhvr>
+                                      <p:tavLst>
+                                        <p:tav tm="0">
+                                          <p:val>
+                                            <p:strVal val="1+#ppt_h/2"/>
+                                          </p:val>
+                                        </p:tav>
+                                        <p:tav tm="100000">
+                                          <p:val>
+                                            <p:strVal val="#ppt_y"/>
+                                          </p:val>
+                                        </p:tav>
+                                      </p:tavLst>
+                                    </p:anim>
+                                  </p:childTnLst>
+                                </p:cTn>
+                              </p:par>
+                            </p:childTnLst>
+                          </p:cTn>
+                        </p:par>
+                      </p:childTnLst>
+                    </p:cTn>
+                  </p:par>
+                  <p:par>
+                    <p:cTn id="37" fill="hold">
+                      <p:stCondLst>
+                        <p:cond delay="indefinite"/>
+                      </p:stCondLst>
+                      <p:childTnLst>
+                        <p:par>
+                          <p:cTn id="38" fill="hold">
+                            <p:stCondLst>
+                              <p:cond delay="0"/>
+                            </p:stCondLst>
+                            <p:childTnLst>
+                              <p:par>
+                                <p:cTn id="39" presetID="2" presetClass="entr" presetSubtype="4" fill="hold" nodeType="clickEffect">
+                                  <p:stCondLst>
+                                    <p:cond delay="0"/>
+                                  </p:stCondLst>
+                                  <p:childTnLst>
+                                    <p:set>
+                                      <p:cBhvr>
+                                        <p:cTn id="40" dur="1" fill="hold">
+                                          <p:stCondLst>
+                                            <p:cond delay="0"/>
+                                          </p:stCondLst>
+                                        </p:cTn>
+                                        <p:tgtEl>
+                                          <p:spTgt spid="3">
+                                            <p:txEl>
+                                              <p:pRg st="7" end="7"/>
+                                            </p:txEl>
+                                          </p:spTgt>
+                                        </p:tgtEl>
+                                        <p:attrNameLst>
+                                          <p:attrName>style.visibility</p:attrName>
+                                        </p:attrNameLst>
+                                      </p:cBhvr>
+                                      <p:to>
+                                        <p:strVal val="visible"/>
+                                      </p:to>
+                                    </p:set>
+                                    <p:anim calcmode="lin" valueType="num">
+                                      <p:cBhvr additive="base">
+                                        <p:cTn id="41" dur="500" fill="hold"/>
+                                        <p:tgtEl>
+                                          <p:spTgt spid="3">
+                                            <p:txEl>
+                                              <p:pRg st="7" end="7"/>
+                                            </p:txEl>
+                                          </p:spTgt>
+                                        </p:tgtEl>
+                                        <p:attrNameLst>
+                                          <p:attrName>ppt_x</p:attrName>
+                                        </p:attrNameLst>
+                                      </p:cBhvr>
+                                      <p:tavLst>
+                                        <p:tav tm="0">
+                                          <p:val>
+                                            <p:strVal val="#ppt_x"/>
+                                          </p:val>
+                                        </p:tav>
+                                        <p:tav tm="100000">
+                                          <p:val>
+                                            <p:strVal val="#ppt_x"/>
+                                          </p:val>
+                                        </p:tav>
+                                      </p:tavLst>
+                                    </p:anim>
+                                    <p:anim calcmode="lin" valueType="num">
+                                      <p:cBhvr additive="base">
+                                        <p:cTn id="42" dur="500" fill="hold"/>
+                                        <p:tgtEl>
+                                          <p:spTgt spid="3">
+                                            <p:txEl>
+                                              <p:pRg st="7" end="7"/>
+                                            </p:txEl>
+                                          </p:spTgt>
+                                        </p:tgtEl>
+                                        <p:attrNameLst>
+                                          <p:attrName>ppt_y</p:attrName>
+                                        </p:attrNameLst>
+                                      </p:cBhvr>
+                                      <p:tavLst>
+                                        <p:tav tm="0">
+                                          <p:val>
+                                            <p:strVal val="1+#ppt_h/2"/>
+                                          </p:val>
+                                        </p:tav>
+                                        <p:tav tm="100000">
+                                          <p:val>
+                                            <p:strVal val="#ppt_y"/>
+                                          </p:val>
+                                        </p:tav>
+                                      </p:tavLst>
+                                    </p:anim>
+                                  </p:childTnLst>
+                                </p:cTn>
+                              </p:par>
+                            </p:childTnLst>
+                          </p:cTn>
+                        </p:par>
+                      </p:childTnLst>
+                    </p:cTn>
+                  </p:par>
+                </p:childTnLst>
+              </p:cTn>
+              <p:prevCondLst>
+                <p:cond evt="onPrev" delay="0">
+                  <p:tgtEl>
+                    <p:sldTgt/>
+                  </p:tgtEl>
+                </p:cond>
+              </p:prevCondLst>
+              <p:nextCondLst>
+                <p:cond evt="onNext" delay="0">
+                  <p:tgtEl>
+                    <p:sldTgt/>
+                  </p:tgtEl>
+                </p:cond>
+              </p:nextCondLst>
+            </p:seq>
+          </p:childTnLst>
+        </p:cTn>
+      </p:par>
+    </p:tnLst>
+  </p:timing>
 </p:sld>
 </file>
 
@@ -6382,6 +8288,21 @@
   <p:clrMapOvr>
     <a:masterClrMapping/>
   </p:clrMapOvr>
+  <mc:AlternateContent xmlns:mc="http://schemas.openxmlformats.org/markup-compatibility/2006">
+    <mc:Choice xmlns:p14="http://schemas.microsoft.com/office/powerpoint/2010/main" Requires="p14">
+      <p:transition spd="slow" p14:dur="2000"/>
+    </mc:Choice>
+    <mc:Fallback>
+      <p:transition spd="slow"/>
+    </mc:Fallback>
+  </mc:AlternateContent>
+  <p:timing>
+    <p:tnLst>
+      <p:par>
+        <p:cTn id="1" dur="indefinite" restart="never" nodeType="tmRoot"/>
+      </p:par>
+    </p:tnLst>
+  </p:timing>
 </p:sld>
 </file>
 
@@ -6448,6 +8369,21 @@
   <p:clrMapOvr>
     <a:masterClrMapping/>
   </p:clrMapOvr>
+  <mc:AlternateContent xmlns:mc="http://schemas.openxmlformats.org/markup-compatibility/2006">
+    <mc:Choice xmlns:p14="http://schemas.microsoft.com/office/powerpoint/2010/main" Requires="p14">
+      <p:transition spd="slow" p14:dur="2000"/>
+    </mc:Choice>
+    <mc:Fallback>
+      <p:transition spd="slow"/>
+    </mc:Fallback>
+  </mc:AlternateContent>
+  <p:timing>
+    <p:tnLst>
+      <p:par>
+        <p:cTn id="1" dur="indefinite" restart="never" nodeType="tmRoot"/>
+      </p:par>
+    </p:tnLst>
+  </p:timing>
 </p:sld>
 </file>
 
@@ -6506,6 +8442,21 @@
   <p:clrMapOvr>
     <a:masterClrMapping/>
   </p:clrMapOvr>
+  <mc:AlternateContent xmlns:mc="http://schemas.openxmlformats.org/markup-compatibility/2006">
+    <mc:Choice xmlns:p14="http://schemas.microsoft.com/office/powerpoint/2010/main" Requires="p14">
+      <p:transition spd="slow" p14:dur="2000"/>
+    </mc:Choice>
+    <mc:Fallback>
+      <p:transition spd="slow"/>
+    </mc:Fallback>
+  </mc:AlternateContent>
+  <p:timing>
+    <p:tnLst>
+      <p:par>
+        <p:cTn id="1" dur="indefinite" restart="never" nodeType="tmRoot"/>
+      </p:par>
+    </p:tnLst>
+  </p:timing>
 </p:sld>
 </file>
 

--- a/PS Summit AD Tips and Tricks.pptx
+++ b/PS Summit AD Tips and Tricks.pptx
@@ -8,11 +8,10 @@
     <p:sldId id="256" r:id="rId2"/>
     <p:sldId id="265" r:id="rId3"/>
     <p:sldId id="259" r:id="rId4"/>
-    <p:sldId id="257" r:id="rId5"/>
-    <p:sldId id="258" r:id="rId6"/>
-    <p:sldId id="261" r:id="rId7"/>
-    <p:sldId id="262" r:id="rId8"/>
-    <p:sldId id="264" r:id="rId9"/>
+    <p:sldId id="258" r:id="rId5"/>
+    <p:sldId id="261" r:id="rId6"/>
+    <p:sldId id="262" r:id="rId7"/>
+    <p:sldId id="264" r:id="rId8"/>
   </p:sldIdLst>
   <p:sldSz cx="12192000" cy="6858000"/>
   <p:notesSz cx="6858000" cy="9144000"/>
@@ -289,7 +288,7 @@
           <a:p>
             <a:fld id="{7195C811-8A6E-4F08-9E1B-F289D25AACC3}" type="datetimeFigureOut">
               <a:rPr lang="en-US" smtClean="0"/>
-              <a:t>4/16/2013</a:t>
+              <a:t>4/18/2013</a:t>
             </a:fld>
             <a:endParaRPr lang="en-US"/>
           </a:p>
@@ -357,11 +356,11 @@
   <p:clrMapOvr>
     <a:masterClrMapping/>
   </p:clrMapOvr>
-  <mc:AlternateContent xmlns:mc="http://schemas.openxmlformats.org/markup-compatibility/2006">
-    <mc:Choice xmlns:p14="http://schemas.microsoft.com/office/powerpoint/2010/main" Requires="p14">
+  <mc:AlternateContent xmlns:mc="http://schemas.openxmlformats.org/markup-compatibility/2006" xmlns:p14="http://schemas.microsoft.com/office/powerpoint/2010/main">
+    <mc:Choice Requires="p14">
       <p:transition spd="slow" p14:dur="2000"/>
     </mc:Choice>
-    <mc:Fallback>
+    <mc:Fallback xmlns="">
       <p:transition spd="slow"/>
     </mc:Fallback>
   </mc:AlternateContent>
@@ -564,7 +563,7 @@
           <a:p>
             <a:fld id="{7195C811-8A6E-4F08-9E1B-F289D25AACC3}" type="datetimeFigureOut">
               <a:rPr lang="en-US" smtClean="0"/>
-              <a:t>4/16/2013</a:t>
+              <a:t>4/18/2013</a:t>
             </a:fld>
             <a:endParaRPr lang="en-US"/>
           </a:p>
@@ -622,11 +621,11 @@
   <p:clrMapOvr>
     <a:masterClrMapping/>
   </p:clrMapOvr>
-  <mc:AlternateContent xmlns:mc="http://schemas.openxmlformats.org/markup-compatibility/2006">
-    <mc:Choice xmlns:p14="http://schemas.microsoft.com/office/powerpoint/2010/main" Requires="p14">
+  <mc:AlternateContent xmlns:mc="http://schemas.openxmlformats.org/markup-compatibility/2006" xmlns:p14="http://schemas.microsoft.com/office/powerpoint/2010/main">
+    <mc:Choice Requires="p14">
       <p:transition spd="slow" p14:dur="2000"/>
     </mc:Choice>
-    <mc:Fallback>
+    <mc:Fallback xmlns="">
       <p:transition spd="slow"/>
     </mc:Fallback>
   </mc:AlternateContent>
@@ -803,7 +802,7 @@
           <a:p>
             <a:fld id="{7195C811-8A6E-4F08-9E1B-F289D25AACC3}" type="datetimeFigureOut">
               <a:rPr lang="en-US" smtClean="0"/>
-              <a:t>4/16/2013</a:t>
+              <a:t>4/18/2013</a:t>
             </a:fld>
             <a:endParaRPr lang="en-US"/>
           </a:p>
@@ -871,11 +870,11 @@
   <p:clrMapOvr>
     <a:masterClrMapping/>
   </p:clrMapOvr>
-  <mc:AlternateContent xmlns:mc="http://schemas.openxmlformats.org/markup-compatibility/2006">
-    <mc:Choice xmlns:p14="http://schemas.microsoft.com/office/powerpoint/2010/main" Requires="p14">
+  <mc:AlternateContent xmlns:mc="http://schemas.openxmlformats.org/markup-compatibility/2006" xmlns:p14="http://schemas.microsoft.com/office/powerpoint/2010/main">
+    <mc:Choice Requires="p14">
       <p:transition spd="slow" p14:dur="2000"/>
     </mc:Choice>
-    <mc:Fallback>
+    <mc:Fallback xmlns="">
       <p:transition spd="slow"/>
     </mc:Fallback>
   </mc:AlternateContent>
@@ -1121,7 +1120,7 @@
           <a:p>
             <a:fld id="{7195C811-8A6E-4F08-9E1B-F289D25AACC3}" type="datetimeFigureOut">
               <a:rPr lang="en-US" smtClean="0"/>
-              <a:t>4/16/2013</a:t>
+              <a:t>4/18/2013</a:t>
             </a:fld>
             <a:endParaRPr lang="en-US"/>
           </a:p>
@@ -1421,11 +1420,11 @@
   <p:clrMapOvr>
     <a:masterClrMapping/>
   </p:clrMapOvr>
-  <mc:AlternateContent xmlns:mc="http://schemas.openxmlformats.org/markup-compatibility/2006">
-    <mc:Choice xmlns:p14="http://schemas.microsoft.com/office/powerpoint/2010/main" Requires="p14">
+  <mc:AlternateContent xmlns:mc="http://schemas.openxmlformats.org/markup-compatibility/2006" xmlns:p14="http://schemas.microsoft.com/office/powerpoint/2010/main">
+    <mc:Choice Requires="p14">
       <p:transition spd="slow" p14:dur="2000"/>
     </mc:Choice>
-    <mc:Fallback>
+    <mc:Fallback xmlns="">
       <p:transition spd="slow"/>
     </mc:Fallback>
   </mc:AlternateContent>
@@ -1602,7 +1601,7 @@
           <a:p>
             <a:fld id="{7195C811-8A6E-4F08-9E1B-F289D25AACC3}" type="datetimeFigureOut">
               <a:rPr lang="en-US" smtClean="0"/>
-              <a:t>4/16/2013</a:t>
+              <a:t>4/18/2013</a:t>
             </a:fld>
             <a:endParaRPr lang="en-US"/>
           </a:p>
@@ -1670,11 +1669,11 @@
   <p:clrMapOvr>
     <a:masterClrMapping/>
   </p:clrMapOvr>
-  <mc:AlternateContent xmlns:mc="http://schemas.openxmlformats.org/markup-compatibility/2006">
-    <mc:Choice xmlns:p14="http://schemas.microsoft.com/office/powerpoint/2010/main" Requires="p14">
+  <mc:AlternateContent xmlns:mc="http://schemas.openxmlformats.org/markup-compatibility/2006" xmlns:p14="http://schemas.microsoft.com/office/powerpoint/2010/main">
+    <mc:Choice Requires="p14">
       <p:transition spd="slow" p14:dur="2000"/>
     </mc:Choice>
-    <mc:Fallback>
+    <mc:Fallback xmlns="">
       <p:transition spd="slow"/>
     </mc:Fallback>
   </mc:AlternateContent>
@@ -2157,7 +2156,7 @@
           <a:p>
             <a:fld id="{7195C811-8A6E-4F08-9E1B-F289D25AACC3}" type="datetimeFigureOut">
               <a:rPr lang="en-US" smtClean="0"/>
-              <a:t>4/16/2013</a:t>
+              <a:t>4/18/2013</a:t>
             </a:fld>
             <a:endParaRPr lang="en-US"/>
           </a:p>
@@ -2215,11 +2214,11 @@
   <p:clrMapOvr>
     <a:masterClrMapping/>
   </p:clrMapOvr>
-  <mc:AlternateContent xmlns:mc="http://schemas.openxmlformats.org/markup-compatibility/2006">
-    <mc:Choice xmlns:p14="http://schemas.microsoft.com/office/powerpoint/2010/main" Requires="p14">
+  <mc:AlternateContent xmlns:mc="http://schemas.openxmlformats.org/markup-compatibility/2006" xmlns:p14="http://schemas.microsoft.com/office/powerpoint/2010/main">
+    <mc:Choice Requires="p14">
       <p:transition spd="slow" p14:dur="2000"/>
     </mc:Choice>
-    <mc:Fallback>
+    <mc:Fallback xmlns="">
       <p:transition spd="slow"/>
     </mc:Fallback>
   </mc:AlternateContent>
@@ -2939,7 +2938,7 @@
           <a:p>
             <a:fld id="{7195C811-8A6E-4F08-9E1B-F289D25AACC3}" type="datetimeFigureOut">
               <a:rPr lang="en-US" smtClean="0"/>
-              <a:t>4/16/2013</a:t>
+              <a:t>4/18/2013</a:t>
             </a:fld>
             <a:endParaRPr lang="en-US"/>
           </a:p>
@@ -2997,11 +2996,11 @@
   <p:clrMapOvr>
     <a:masterClrMapping/>
   </p:clrMapOvr>
-  <mc:AlternateContent xmlns:mc="http://schemas.openxmlformats.org/markup-compatibility/2006">
-    <mc:Choice xmlns:p14="http://schemas.microsoft.com/office/powerpoint/2010/main" Requires="p14">
+  <mc:AlternateContent xmlns:mc="http://schemas.openxmlformats.org/markup-compatibility/2006" xmlns:p14="http://schemas.microsoft.com/office/powerpoint/2010/main">
+    <mc:Choice Requires="p14">
       <p:transition spd="slow" p14:dur="2000"/>
     </mc:Choice>
-    <mc:Fallback>
+    <mc:Fallback xmlns="">
       <p:transition spd="slow"/>
     </mc:Fallback>
   </mc:AlternateContent>
@@ -3122,7 +3121,7 @@
           <a:p>
             <a:fld id="{7195C811-8A6E-4F08-9E1B-F289D25AACC3}" type="datetimeFigureOut">
               <a:rPr lang="en-US" smtClean="0"/>
-              <a:t>4/16/2013</a:t>
+              <a:t>4/18/2013</a:t>
             </a:fld>
             <a:endParaRPr lang="en-US"/>
           </a:p>
@@ -3180,11 +3179,11 @@
   <p:clrMapOvr>
     <a:masterClrMapping/>
   </p:clrMapOvr>
-  <mc:AlternateContent xmlns:mc="http://schemas.openxmlformats.org/markup-compatibility/2006">
-    <mc:Choice xmlns:p14="http://schemas.microsoft.com/office/powerpoint/2010/main" Requires="p14">
+  <mc:AlternateContent xmlns:mc="http://schemas.openxmlformats.org/markup-compatibility/2006" xmlns:p14="http://schemas.microsoft.com/office/powerpoint/2010/main">
+    <mc:Choice Requires="p14">
       <p:transition spd="slow" p14:dur="2000"/>
     </mc:Choice>
-    <mc:Fallback>
+    <mc:Fallback xmlns="">
       <p:transition spd="slow"/>
     </mc:Fallback>
   </mc:AlternateContent>
@@ -3353,7 +3352,7 @@
           <a:p>
             <a:fld id="{7195C811-8A6E-4F08-9E1B-F289D25AACC3}" type="datetimeFigureOut">
               <a:rPr lang="en-US" smtClean="0"/>
-              <a:t>4/16/2013</a:t>
+              <a:t>4/18/2013</a:t>
             </a:fld>
             <a:endParaRPr lang="en-US"/>
           </a:p>
@@ -3421,11 +3420,11 @@
   <p:clrMapOvr>
     <a:masterClrMapping/>
   </p:clrMapOvr>
-  <mc:AlternateContent xmlns:mc="http://schemas.openxmlformats.org/markup-compatibility/2006">
-    <mc:Choice xmlns:p14="http://schemas.microsoft.com/office/powerpoint/2010/main" Requires="p14">
+  <mc:AlternateContent xmlns:mc="http://schemas.openxmlformats.org/markup-compatibility/2006" xmlns:p14="http://schemas.microsoft.com/office/powerpoint/2010/main">
+    <mc:Choice Requires="p14">
       <p:transition spd="slow" p14:dur="2000"/>
     </mc:Choice>
-    <mc:Fallback>
+    <mc:Fallback xmlns="">
       <p:transition spd="slow"/>
     </mc:Fallback>
   </mc:AlternateContent>
@@ -3541,7 +3540,7 @@
           <a:p>
             <a:fld id="{7195C811-8A6E-4F08-9E1B-F289D25AACC3}" type="datetimeFigureOut">
               <a:rPr lang="en-US" smtClean="0"/>
-              <a:t>4/16/2013</a:t>
+              <a:t>4/18/2013</a:t>
             </a:fld>
             <a:endParaRPr lang="en-US"/>
           </a:p>
@@ -3599,11 +3598,11 @@
   <p:clrMapOvr>
     <a:masterClrMapping/>
   </p:clrMapOvr>
-  <mc:AlternateContent xmlns:mc="http://schemas.openxmlformats.org/markup-compatibility/2006">
-    <mc:Choice xmlns:p14="http://schemas.microsoft.com/office/powerpoint/2010/main" Requires="p14">
+  <mc:AlternateContent xmlns:mc="http://schemas.openxmlformats.org/markup-compatibility/2006" xmlns:p14="http://schemas.microsoft.com/office/powerpoint/2010/main">
+    <mc:Choice Requires="p14">
       <p:transition spd="slow" p14:dur="2000"/>
     </mc:Choice>
-    <mc:Fallback>
+    <mc:Fallback xmlns="">
       <p:transition spd="slow"/>
     </mc:Fallback>
   </mc:AlternateContent>
@@ -3838,7 +3837,7 @@
           <a:p>
             <a:fld id="{7195C811-8A6E-4F08-9E1B-F289D25AACC3}" type="datetimeFigureOut">
               <a:rPr lang="en-US" smtClean="0"/>
-              <a:t>4/16/2013</a:t>
+              <a:t>4/18/2013</a:t>
             </a:fld>
             <a:endParaRPr lang="en-US"/>
           </a:p>
@@ -3906,11 +3905,11 @@
   <p:clrMapOvr>
     <a:masterClrMapping/>
   </p:clrMapOvr>
-  <mc:AlternateContent xmlns:mc="http://schemas.openxmlformats.org/markup-compatibility/2006">
-    <mc:Choice xmlns:p14="http://schemas.microsoft.com/office/powerpoint/2010/main" Requires="p14">
+  <mc:AlternateContent xmlns:mc="http://schemas.openxmlformats.org/markup-compatibility/2006" xmlns:p14="http://schemas.microsoft.com/office/powerpoint/2010/main">
+    <mc:Choice Requires="p14">
       <p:transition spd="slow" p14:dur="2000"/>
     </mc:Choice>
-    <mc:Fallback>
+    <mc:Fallback xmlns="">
       <p:transition spd="slow"/>
     </mc:Fallback>
   </mc:AlternateContent>
@@ -4088,7 +4087,7 @@
           <a:p>
             <a:fld id="{7195C811-8A6E-4F08-9E1B-F289D25AACC3}" type="datetimeFigureOut">
               <a:rPr lang="en-US" smtClean="0"/>
-              <a:t>4/16/2013</a:t>
+              <a:t>4/18/2013</a:t>
             </a:fld>
             <a:endParaRPr lang="en-US"/>
           </a:p>
@@ -4146,11 +4145,11 @@
   <p:clrMapOvr>
     <a:masterClrMapping/>
   </p:clrMapOvr>
-  <mc:AlternateContent xmlns:mc="http://schemas.openxmlformats.org/markup-compatibility/2006">
-    <mc:Choice xmlns:p14="http://schemas.microsoft.com/office/powerpoint/2010/main" Requires="p14">
+  <mc:AlternateContent xmlns:mc="http://schemas.openxmlformats.org/markup-compatibility/2006" xmlns:p14="http://schemas.microsoft.com/office/powerpoint/2010/main">
+    <mc:Choice Requires="p14">
       <p:transition spd="slow" p14:dur="2000"/>
     </mc:Choice>
-    <mc:Fallback>
+    <mc:Fallback xmlns="">
       <p:transition spd="slow"/>
     </mc:Fallback>
   </mc:AlternateContent>
@@ -4475,7 +4474,7 @@
           <a:p>
             <a:fld id="{7195C811-8A6E-4F08-9E1B-F289D25AACC3}" type="datetimeFigureOut">
               <a:rPr lang="en-US" smtClean="0"/>
-              <a:t>4/16/2013</a:t>
+              <a:t>4/18/2013</a:t>
             </a:fld>
             <a:endParaRPr lang="en-US"/>
           </a:p>
@@ -4533,11 +4532,11 @@
   <p:clrMapOvr>
     <a:masterClrMapping/>
   </p:clrMapOvr>
-  <mc:AlternateContent xmlns:mc="http://schemas.openxmlformats.org/markup-compatibility/2006">
-    <mc:Choice xmlns:p14="http://schemas.microsoft.com/office/powerpoint/2010/main" Requires="p14">
+  <mc:AlternateContent xmlns:mc="http://schemas.openxmlformats.org/markup-compatibility/2006" xmlns:p14="http://schemas.microsoft.com/office/powerpoint/2010/main">
+    <mc:Choice Requires="p14">
       <p:transition spd="slow" p14:dur="2000"/>
     </mc:Choice>
-    <mc:Fallback>
+    <mc:Fallback xmlns="">
       <p:transition spd="slow"/>
     </mc:Fallback>
   </mc:AlternateContent>
@@ -4601,7 +4600,7 @@
           <a:p>
             <a:fld id="{7195C811-8A6E-4F08-9E1B-F289D25AACC3}" type="datetimeFigureOut">
               <a:rPr lang="en-US" smtClean="0"/>
-              <a:t>4/16/2013</a:t>
+              <a:t>4/18/2013</a:t>
             </a:fld>
             <a:endParaRPr lang="en-US"/>
           </a:p>
@@ -4659,11 +4658,11 @@
   <p:clrMapOvr>
     <a:masterClrMapping/>
   </p:clrMapOvr>
-  <mc:AlternateContent xmlns:mc="http://schemas.openxmlformats.org/markup-compatibility/2006">
-    <mc:Choice xmlns:p14="http://schemas.microsoft.com/office/powerpoint/2010/main" Requires="p14">
+  <mc:AlternateContent xmlns:mc="http://schemas.openxmlformats.org/markup-compatibility/2006" xmlns:p14="http://schemas.microsoft.com/office/powerpoint/2010/main">
+    <mc:Choice Requires="p14">
       <p:transition spd="slow" p14:dur="2000"/>
     </mc:Choice>
-    <mc:Fallback>
+    <mc:Fallback xmlns="">
       <p:transition spd="slow"/>
     </mc:Fallback>
   </mc:AlternateContent>
@@ -4704,7 +4703,7 @@
           <a:p>
             <a:fld id="{7195C811-8A6E-4F08-9E1B-F289D25AACC3}" type="datetimeFigureOut">
               <a:rPr lang="en-US" smtClean="0"/>
-              <a:t>4/16/2013</a:t>
+              <a:t>4/18/2013</a:t>
             </a:fld>
             <a:endParaRPr lang="en-US"/>
           </a:p>
@@ -4762,11 +4761,11 @@
   <p:clrMapOvr>
     <a:masterClrMapping/>
   </p:clrMapOvr>
-  <mc:AlternateContent xmlns:mc="http://schemas.openxmlformats.org/markup-compatibility/2006">
-    <mc:Choice xmlns:p14="http://schemas.microsoft.com/office/powerpoint/2010/main" Requires="p14">
+  <mc:AlternateContent xmlns:mc="http://schemas.openxmlformats.org/markup-compatibility/2006" xmlns:p14="http://schemas.microsoft.com/office/powerpoint/2010/main">
+    <mc:Choice Requires="p14">
       <p:transition spd="slow" p14:dur="2000"/>
     </mc:Choice>
-    <mc:Fallback>
+    <mc:Fallback xmlns="">
       <p:transition spd="slow"/>
     </mc:Fallback>
   </mc:AlternateContent>
@@ -4961,7 +4960,7 @@
           <a:p>
             <a:fld id="{7195C811-8A6E-4F08-9E1B-F289D25AACC3}" type="datetimeFigureOut">
               <a:rPr lang="en-US" smtClean="0"/>
-              <a:t>4/16/2013</a:t>
+              <a:t>4/18/2013</a:t>
             </a:fld>
             <a:endParaRPr lang="en-US"/>
           </a:p>
@@ -5019,11 +5018,11 @@
   <p:clrMapOvr>
     <a:masterClrMapping/>
   </p:clrMapOvr>
-  <mc:AlternateContent xmlns:mc="http://schemas.openxmlformats.org/markup-compatibility/2006">
-    <mc:Choice xmlns:p14="http://schemas.microsoft.com/office/powerpoint/2010/main" Requires="p14">
+  <mc:AlternateContent xmlns:mc="http://schemas.openxmlformats.org/markup-compatibility/2006" xmlns:p14="http://schemas.microsoft.com/office/powerpoint/2010/main">
+    <mc:Choice Requires="p14">
       <p:transition spd="slow" p14:dur="2000"/>
     </mc:Choice>
-    <mc:Fallback>
+    <mc:Fallback xmlns="">
       <p:transition spd="slow"/>
     </mc:Fallback>
   </mc:AlternateContent>
@@ -5226,7 +5225,7 @@
           <a:p>
             <a:fld id="{7195C811-8A6E-4F08-9E1B-F289D25AACC3}" type="datetimeFigureOut">
               <a:rPr lang="en-US" smtClean="0"/>
-              <a:t>4/16/2013</a:t>
+              <a:t>4/18/2013</a:t>
             </a:fld>
             <a:endParaRPr lang="en-US"/>
           </a:p>
@@ -5284,11 +5283,11 @@
   <p:clrMapOvr>
     <a:masterClrMapping/>
   </p:clrMapOvr>
-  <mc:AlternateContent xmlns:mc="http://schemas.openxmlformats.org/markup-compatibility/2006">
-    <mc:Choice xmlns:p14="http://schemas.microsoft.com/office/powerpoint/2010/main" Requires="p14">
+  <mc:AlternateContent xmlns:mc="http://schemas.openxmlformats.org/markup-compatibility/2006" xmlns:p14="http://schemas.microsoft.com/office/powerpoint/2010/main">
+    <mc:Choice Requires="p14">
       <p:transition spd="slow" p14:dur="2000"/>
     </mc:Choice>
-    <mc:Fallback>
+    <mc:Fallback xmlns="">
       <p:transition spd="slow"/>
     </mc:Fallback>
   </mc:AlternateContent>
@@ -5477,7 +5476,7 @@
           <a:p>
             <a:fld id="{7195C811-8A6E-4F08-9E1B-F289D25AACC3}" type="datetimeFigureOut">
               <a:rPr lang="en-US" smtClean="0"/>
-              <a:t>4/16/2013</a:t>
+              <a:t>4/18/2013</a:t>
             </a:fld>
             <a:endParaRPr lang="en-US"/>
           </a:p>
@@ -5588,11 +5587,11 @@
     <p:sldLayoutId id="2147483946" r:id="rId16"/>
     <p:sldLayoutId id="2147483947" r:id="rId17"/>
   </p:sldLayoutIdLst>
-  <mc:AlternateContent xmlns:mc="http://schemas.openxmlformats.org/markup-compatibility/2006">
-    <mc:Choice xmlns:p14="http://schemas.microsoft.com/office/powerpoint/2010/main" Requires="p14">
+  <mc:AlternateContent xmlns:mc="http://schemas.openxmlformats.org/markup-compatibility/2006" xmlns:p14="http://schemas.microsoft.com/office/powerpoint/2010/main">
+    <mc:Choice Requires="p14">
       <p:transition spd="slow" p14:dur="2000"/>
     </mc:Choice>
-    <mc:Fallback>
+    <mc:Fallback xmlns="">
       <p:transition spd="slow"/>
     </mc:Fallback>
   </mc:AlternateContent>
@@ -5913,7 +5912,11 @@
           <a:p>
             <a:r>
               <a:rPr lang="en-US" dirty="0" smtClean="0"/>
-              <a:t>Active Directory  Tips and Tricks</a:t>
+              <a:t>PowerShell AD Tips </a:t>
+            </a:r>
+            <a:r>
+              <a:rPr lang="en-US" dirty="0" smtClean="0"/>
+              <a:t>and Tricks</a:t>
             </a:r>
             <a:endParaRPr lang="en-US" dirty="0"/>
           </a:p>
@@ -5960,11 +5963,11 @@
   <p:clrMapOvr>
     <a:masterClrMapping/>
   </p:clrMapOvr>
-  <mc:AlternateContent xmlns:mc="http://schemas.openxmlformats.org/markup-compatibility/2006">
-    <mc:Choice xmlns:p14="http://schemas.microsoft.com/office/powerpoint/2010/main" Requires="p14">
+  <mc:AlternateContent xmlns:mc="http://schemas.openxmlformats.org/markup-compatibility/2006" xmlns:p14="http://schemas.microsoft.com/office/powerpoint/2010/main">
+    <mc:Choice Requires="p14">
       <p:transition spd="slow" p14:dur="2000"/>
     </mc:Choice>
-    <mc:Fallback>
+    <mc:Fallback xmlns="">
       <p:transition spd="slow"/>
     </mc:Fallback>
   </mc:AlternateContent>
@@ -6051,11 +6054,11 @@
   <p:clrMapOvr>
     <a:masterClrMapping/>
   </p:clrMapOvr>
-  <mc:AlternateContent xmlns:mc="http://schemas.openxmlformats.org/markup-compatibility/2006">
-    <mc:Choice xmlns:p14="http://schemas.microsoft.com/office/powerpoint/2010/main" Requires="p14">
+  <mc:AlternateContent xmlns:mc="http://schemas.openxmlformats.org/markup-compatibility/2006" xmlns:p14="http://schemas.microsoft.com/office/powerpoint/2010/main">
+    <mc:Choice Requires="p14">
       <p:transition spd="slow" p14:dur="2000"/>
     </mc:Choice>
-    <mc:Fallback>
+    <mc:Fallback xmlns="">
       <p:transition spd="slow"/>
     </mc:Fallback>
   </mc:AlternateContent>
@@ -6185,11 +6188,11 @@
   <p:clrMapOvr>
     <a:masterClrMapping/>
   </p:clrMapOvr>
-  <mc:AlternateContent xmlns:mc="http://schemas.openxmlformats.org/markup-compatibility/2006">
-    <mc:Choice xmlns:p14="http://schemas.microsoft.com/office/powerpoint/2010/main" Requires="p14">
+  <mc:AlternateContent xmlns:mc="http://schemas.openxmlformats.org/markup-compatibility/2006" xmlns:p14="http://schemas.microsoft.com/office/powerpoint/2010/main">
+    <mc:Choice Requires="p14">
       <p:transition spd="slow" p14:dur="2000"/>
     </mc:Choice>
-    <mc:Fallback>
+    <mc:Fallback xmlns="">
       <p:transition spd="slow"/>
     </mc:Fallback>
   </mc:AlternateContent>
@@ -6760,570 +6763,6 @@
       </p:grpSpPr>
       <p:sp>
         <p:nvSpPr>
-          <p:cNvPr id="2" name="Title 1"/>
-          <p:cNvSpPr>
-            <a:spLocks noGrp="1"/>
-          </p:cNvSpPr>
-          <p:nvPr>
-            <p:ph type="title"/>
-          </p:nvPr>
-        </p:nvSpPr>
-        <p:spPr/>
-        <p:txBody>
-          <a:bodyPr/>
-          <a:lstStyle/>
-          <a:p>
-            <a:r>
-              <a:rPr lang="en-US" dirty="0" smtClean="0"/>
-              <a:t>PowerShell tools for AD</a:t>
-            </a:r>
-            <a:endParaRPr lang="en-US" dirty="0"/>
-          </a:p>
-        </p:txBody>
-      </p:sp>
-      <p:sp>
-        <p:nvSpPr>
-          <p:cNvPr id="3" name="Content Placeholder 2"/>
-          <p:cNvSpPr>
-            <a:spLocks noGrp="1"/>
-          </p:cNvSpPr>
-          <p:nvPr>
-            <p:ph idx="1"/>
-          </p:nvPr>
-        </p:nvSpPr>
-        <p:spPr/>
-        <p:txBody>
-          <a:bodyPr/>
-          <a:lstStyle/>
-          <a:p>
-            <a:r>
-              <a:rPr lang="en-US" dirty="0" smtClean="0"/>
-              <a:t>RSAT </a:t>
-            </a:r>
-            <a:r>
-              <a:rPr lang="en-US" dirty="0" err="1" smtClean="0"/>
-              <a:t>ActiveDirectory</a:t>
-            </a:r>
-            <a:r>
-              <a:rPr lang="en-US" dirty="0" smtClean="0"/>
-              <a:t> PowerShell Module</a:t>
-            </a:r>
-          </a:p>
-          <a:p>
-            <a:r>
-              <a:rPr lang="en-US" dirty="0" smtClean="0"/>
-              <a:t>Quest AD Tools (</a:t>
-            </a:r>
-            <a:r>
-              <a:rPr lang="en-US" dirty="0" err="1" smtClean="0"/>
-              <a:t>ActiveRoles</a:t>
-            </a:r>
-            <a:r>
-              <a:rPr lang="en-US" dirty="0" smtClean="0"/>
-              <a:t> Management Shell for AD)</a:t>
-            </a:r>
-          </a:p>
-          <a:p>
-            <a:r>
-              <a:rPr lang="en-US" dirty="0" smtClean="0"/>
-              <a:t>.NET code - </a:t>
-            </a:r>
-            <a:r>
-              <a:rPr lang="en-US" dirty="0" err="1" smtClean="0"/>
-              <a:t>System.DirectoryServices</a:t>
-            </a:r>
-            <a:endParaRPr lang="en-US" dirty="0" smtClean="0"/>
-          </a:p>
-          <a:p>
-            <a:r>
-              <a:rPr lang="en-US" dirty="0" smtClean="0"/>
-              <a:t>ADSI</a:t>
-            </a:r>
-          </a:p>
-        </p:txBody>
-      </p:sp>
-    </p:spTree>
-    <p:extLst>
-      <p:ext uri="{BB962C8B-B14F-4D97-AF65-F5344CB8AC3E}">
-        <p14:creationId xmlns:p14="http://schemas.microsoft.com/office/powerpoint/2010/main" val="469480170"/>
-      </p:ext>
-    </p:extLst>
-  </p:cSld>
-  <p:clrMapOvr>
-    <a:masterClrMapping/>
-  </p:clrMapOvr>
-  <mc:AlternateContent xmlns:mc="http://schemas.openxmlformats.org/markup-compatibility/2006">
-    <mc:Choice xmlns:p14="http://schemas.microsoft.com/office/powerpoint/2010/main" Requires="p14">
-      <p:transition spd="slow" p14:dur="2000"/>
-    </mc:Choice>
-    <mc:Fallback>
-      <p:transition spd="slow"/>
-    </mc:Fallback>
-  </mc:AlternateContent>
-  <p:timing>
-    <p:tnLst>
-      <p:par>
-        <p:cTn id="1" dur="indefinite" restart="never" nodeType="tmRoot">
-          <p:childTnLst>
-            <p:seq concurrent="1" nextAc="seek">
-              <p:cTn id="2" dur="indefinite" nodeType="mainSeq">
-                <p:childTnLst>
-                  <p:par>
-                    <p:cTn id="3" fill="hold">
-                      <p:stCondLst>
-                        <p:cond delay="indefinite"/>
-                      </p:stCondLst>
-                      <p:childTnLst>
-                        <p:par>
-                          <p:cTn id="4" fill="hold">
-                            <p:stCondLst>
-                              <p:cond delay="0"/>
-                            </p:stCondLst>
-                            <p:childTnLst>
-                              <p:par>
-                                <p:cTn id="5" presetID="2" presetClass="entr" presetSubtype="4" fill="hold" nodeType="clickEffect">
-                                  <p:stCondLst>
-                                    <p:cond delay="0"/>
-                                  </p:stCondLst>
-                                  <p:childTnLst>
-                                    <p:set>
-                                      <p:cBhvr>
-                                        <p:cTn id="6" dur="1" fill="hold">
-                                          <p:stCondLst>
-                                            <p:cond delay="0"/>
-                                          </p:stCondLst>
-                                        </p:cTn>
-                                        <p:tgtEl>
-                                          <p:spTgt spid="3">
-                                            <p:txEl>
-                                              <p:pRg st="0" end="0"/>
-                                            </p:txEl>
-                                          </p:spTgt>
-                                        </p:tgtEl>
-                                        <p:attrNameLst>
-                                          <p:attrName>style.visibility</p:attrName>
-                                        </p:attrNameLst>
-                                      </p:cBhvr>
-                                      <p:to>
-                                        <p:strVal val="visible"/>
-                                      </p:to>
-                                    </p:set>
-                                    <p:anim calcmode="lin" valueType="num">
-                                      <p:cBhvr additive="base">
-                                        <p:cTn id="7" dur="500" fill="hold"/>
-                                        <p:tgtEl>
-                                          <p:spTgt spid="3">
-                                            <p:txEl>
-                                              <p:pRg st="0" end="0"/>
-                                            </p:txEl>
-                                          </p:spTgt>
-                                        </p:tgtEl>
-                                        <p:attrNameLst>
-                                          <p:attrName>ppt_x</p:attrName>
-                                        </p:attrNameLst>
-                                      </p:cBhvr>
-                                      <p:tavLst>
-                                        <p:tav tm="0">
-                                          <p:val>
-                                            <p:strVal val="#ppt_x"/>
-                                          </p:val>
-                                        </p:tav>
-                                        <p:tav tm="100000">
-                                          <p:val>
-                                            <p:strVal val="#ppt_x"/>
-                                          </p:val>
-                                        </p:tav>
-                                      </p:tavLst>
-                                    </p:anim>
-                                    <p:anim calcmode="lin" valueType="num">
-                                      <p:cBhvr additive="base">
-                                        <p:cTn id="8" dur="500" fill="hold"/>
-                                        <p:tgtEl>
-                                          <p:spTgt spid="3">
-                                            <p:txEl>
-                                              <p:pRg st="0" end="0"/>
-                                            </p:txEl>
-                                          </p:spTgt>
-                                        </p:tgtEl>
-                                        <p:attrNameLst>
-                                          <p:attrName>ppt_y</p:attrName>
-                                        </p:attrNameLst>
-                                      </p:cBhvr>
-                                      <p:tavLst>
-                                        <p:tav tm="0">
-                                          <p:val>
-                                            <p:strVal val="1+#ppt_h/2"/>
-                                          </p:val>
-                                        </p:tav>
-                                        <p:tav tm="100000">
-                                          <p:val>
-                                            <p:strVal val="#ppt_y"/>
-                                          </p:val>
-                                        </p:tav>
-                                      </p:tavLst>
-                                    </p:anim>
-                                  </p:childTnLst>
-                                </p:cTn>
-                              </p:par>
-                            </p:childTnLst>
-                          </p:cTn>
-                        </p:par>
-                      </p:childTnLst>
-                    </p:cTn>
-                  </p:par>
-                  <p:par>
-                    <p:cTn id="9" fill="hold">
-                      <p:stCondLst>
-                        <p:cond delay="indefinite"/>
-                      </p:stCondLst>
-                      <p:childTnLst>
-                        <p:par>
-                          <p:cTn id="10" fill="hold">
-                            <p:stCondLst>
-                              <p:cond delay="0"/>
-                            </p:stCondLst>
-                            <p:childTnLst>
-                              <p:par>
-                                <p:cTn id="11" presetID="2" presetClass="entr" presetSubtype="4" fill="hold" nodeType="clickEffect">
-                                  <p:stCondLst>
-                                    <p:cond delay="0"/>
-                                  </p:stCondLst>
-                                  <p:childTnLst>
-                                    <p:set>
-                                      <p:cBhvr>
-                                        <p:cTn id="12" dur="1" fill="hold">
-                                          <p:stCondLst>
-                                            <p:cond delay="0"/>
-                                          </p:stCondLst>
-                                        </p:cTn>
-                                        <p:tgtEl>
-                                          <p:spTgt spid="3">
-                                            <p:txEl>
-                                              <p:pRg st="1" end="1"/>
-                                            </p:txEl>
-                                          </p:spTgt>
-                                        </p:tgtEl>
-                                        <p:attrNameLst>
-                                          <p:attrName>style.visibility</p:attrName>
-                                        </p:attrNameLst>
-                                      </p:cBhvr>
-                                      <p:to>
-                                        <p:strVal val="visible"/>
-                                      </p:to>
-                                    </p:set>
-                                    <p:anim calcmode="lin" valueType="num">
-                                      <p:cBhvr additive="base">
-                                        <p:cTn id="13" dur="500" fill="hold"/>
-                                        <p:tgtEl>
-                                          <p:spTgt spid="3">
-                                            <p:txEl>
-                                              <p:pRg st="1" end="1"/>
-                                            </p:txEl>
-                                          </p:spTgt>
-                                        </p:tgtEl>
-                                        <p:attrNameLst>
-                                          <p:attrName>ppt_x</p:attrName>
-                                        </p:attrNameLst>
-                                      </p:cBhvr>
-                                      <p:tavLst>
-                                        <p:tav tm="0">
-                                          <p:val>
-                                            <p:strVal val="#ppt_x"/>
-                                          </p:val>
-                                        </p:tav>
-                                        <p:tav tm="100000">
-                                          <p:val>
-                                            <p:strVal val="#ppt_x"/>
-                                          </p:val>
-                                        </p:tav>
-                                      </p:tavLst>
-                                    </p:anim>
-                                    <p:anim calcmode="lin" valueType="num">
-                                      <p:cBhvr additive="base">
-                                        <p:cTn id="14" dur="500" fill="hold"/>
-                                        <p:tgtEl>
-                                          <p:spTgt spid="3">
-                                            <p:txEl>
-                                              <p:pRg st="1" end="1"/>
-                                            </p:txEl>
-                                          </p:spTgt>
-                                        </p:tgtEl>
-                                        <p:attrNameLst>
-                                          <p:attrName>ppt_y</p:attrName>
-                                        </p:attrNameLst>
-                                      </p:cBhvr>
-                                      <p:tavLst>
-                                        <p:tav tm="0">
-                                          <p:val>
-                                            <p:strVal val="1+#ppt_h/2"/>
-                                          </p:val>
-                                        </p:tav>
-                                        <p:tav tm="100000">
-                                          <p:val>
-                                            <p:strVal val="#ppt_y"/>
-                                          </p:val>
-                                        </p:tav>
-                                      </p:tavLst>
-                                    </p:anim>
-                                  </p:childTnLst>
-                                </p:cTn>
-                              </p:par>
-                            </p:childTnLst>
-                          </p:cTn>
-                        </p:par>
-                      </p:childTnLst>
-                    </p:cTn>
-                  </p:par>
-                  <p:par>
-                    <p:cTn id="15" fill="hold">
-                      <p:stCondLst>
-                        <p:cond delay="indefinite"/>
-                      </p:stCondLst>
-                      <p:childTnLst>
-                        <p:par>
-                          <p:cTn id="16" fill="hold">
-                            <p:stCondLst>
-                              <p:cond delay="0"/>
-                            </p:stCondLst>
-                            <p:childTnLst>
-                              <p:par>
-                                <p:cTn id="17" presetID="2" presetClass="entr" presetSubtype="4" fill="hold" nodeType="clickEffect">
-                                  <p:stCondLst>
-                                    <p:cond delay="0"/>
-                                  </p:stCondLst>
-                                  <p:childTnLst>
-                                    <p:set>
-                                      <p:cBhvr>
-                                        <p:cTn id="18" dur="1" fill="hold">
-                                          <p:stCondLst>
-                                            <p:cond delay="0"/>
-                                          </p:stCondLst>
-                                        </p:cTn>
-                                        <p:tgtEl>
-                                          <p:spTgt spid="3">
-                                            <p:txEl>
-                                              <p:pRg st="2" end="2"/>
-                                            </p:txEl>
-                                          </p:spTgt>
-                                        </p:tgtEl>
-                                        <p:attrNameLst>
-                                          <p:attrName>style.visibility</p:attrName>
-                                        </p:attrNameLst>
-                                      </p:cBhvr>
-                                      <p:to>
-                                        <p:strVal val="visible"/>
-                                      </p:to>
-                                    </p:set>
-                                    <p:anim calcmode="lin" valueType="num">
-                                      <p:cBhvr additive="base">
-                                        <p:cTn id="19" dur="500" fill="hold"/>
-                                        <p:tgtEl>
-                                          <p:spTgt spid="3">
-                                            <p:txEl>
-                                              <p:pRg st="2" end="2"/>
-                                            </p:txEl>
-                                          </p:spTgt>
-                                        </p:tgtEl>
-                                        <p:attrNameLst>
-                                          <p:attrName>ppt_x</p:attrName>
-                                        </p:attrNameLst>
-                                      </p:cBhvr>
-                                      <p:tavLst>
-                                        <p:tav tm="0">
-                                          <p:val>
-                                            <p:strVal val="#ppt_x"/>
-                                          </p:val>
-                                        </p:tav>
-                                        <p:tav tm="100000">
-                                          <p:val>
-                                            <p:strVal val="#ppt_x"/>
-                                          </p:val>
-                                        </p:tav>
-                                      </p:tavLst>
-                                    </p:anim>
-                                    <p:anim calcmode="lin" valueType="num">
-                                      <p:cBhvr additive="base">
-                                        <p:cTn id="20" dur="500" fill="hold"/>
-                                        <p:tgtEl>
-                                          <p:spTgt spid="3">
-                                            <p:txEl>
-                                              <p:pRg st="2" end="2"/>
-                                            </p:txEl>
-                                          </p:spTgt>
-                                        </p:tgtEl>
-                                        <p:attrNameLst>
-                                          <p:attrName>ppt_y</p:attrName>
-                                        </p:attrNameLst>
-                                      </p:cBhvr>
-                                      <p:tavLst>
-                                        <p:tav tm="0">
-                                          <p:val>
-                                            <p:strVal val="1+#ppt_h/2"/>
-                                          </p:val>
-                                        </p:tav>
-                                        <p:tav tm="100000">
-                                          <p:val>
-                                            <p:strVal val="#ppt_y"/>
-                                          </p:val>
-                                        </p:tav>
-                                      </p:tavLst>
-                                    </p:anim>
-                                  </p:childTnLst>
-                                </p:cTn>
-                              </p:par>
-                            </p:childTnLst>
-                          </p:cTn>
-                        </p:par>
-                      </p:childTnLst>
-                    </p:cTn>
-                  </p:par>
-                  <p:par>
-                    <p:cTn id="21" fill="hold">
-                      <p:stCondLst>
-                        <p:cond delay="indefinite"/>
-                      </p:stCondLst>
-                      <p:childTnLst>
-                        <p:par>
-                          <p:cTn id="22" fill="hold">
-                            <p:stCondLst>
-                              <p:cond delay="0"/>
-                            </p:stCondLst>
-                            <p:childTnLst>
-                              <p:par>
-                                <p:cTn id="23" presetID="2" presetClass="entr" presetSubtype="4" fill="hold" nodeType="clickEffect">
-                                  <p:stCondLst>
-                                    <p:cond delay="0"/>
-                                  </p:stCondLst>
-                                  <p:childTnLst>
-                                    <p:set>
-                                      <p:cBhvr>
-                                        <p:cTn id="24" dur="1" fill="hold">
-                                          <p:stCondLst>
-                                            <p:cond delay="0"/>
-                                          </p:stCondLst>
-                                        </p:cTn>
-                                        <p:tgtEl>
-                                          <p:spTgt spid="3">
-                                            <p:txEl>
-                                              <p:pRg st="3" end="3"/>
-                                            </p:txEl>
-                                          </p:spTgt>
-                                        </p:tgtEl>
-                                        <p:attrNameLst>
-                                          <p:attrName>style.visibility</p:attrName>
-                                        </p:attrNameLst>
-                                      </p:cBhvr>
-                                      <p:to>
-                                        <p:strVal val="visible"/>
-                                      </p:to>
-                                    </p:set>
-                                    <p:anim calcmode="lin" valueType="num">
-                                      <p:cBhvr additive="base">
-                                        <p:cTn id="25" dur="500" fill="hold"/>
-                                        <p:tgtEl>
-                                          <p:spTgt spid="3">
-                                            <p:txEl>
-                                              <p:pRg st="3" end="3"/>
-                                            </p:txEl>
-                                          </p:spTgt>
-                                        </p:tgtEl>
-                                        <p:attrNameLst>
-                                          <p:attrName>ppt_x</p:attrName>
-                                        </p:attrNameLst>
-                                      </p:cBhvr>
-                                      <p:tavLst>
-                                        <p:tav tm="0">
-                                          <p:val>
-                                            <p:strVal val="#ppt_x"/>
-                                          </p:val>
-                                        </p:tav>
-                                        <p:tav tm="100000">
-                                          <p:val>
-                                            <p:strVal val="#ppt_x"/>
-                                          </p:val>
-                                        </p:tav>
-                                      </p:tavLst>
-                                    </p:anim>
-                                    <p:anim calcmode="lin" valueType="num">
-                                      <p:cBhvr additive="base">
-                                        <p:cTn id="26" dur="500" fill="hold"/>
-                                        <p:tgtEl>
-                                          <p:spTgt spid="3">
-                                            <p:txEl>
-                                              <p:pRg st="3" end="3"/>
-                                            </p:txEl>
-                                          </p:spTgt>
-                                        </p:tgtEl>
-                                        <p:attrNameLst>
-                                          <p:attrName>ppt_y</p:attrName>
-                                        </p:attrNameLst>
-                                      </p:cBhvr>
-                                      <p:tavLst>
-                                        <p:tav tm="0">
-                                          <p:val>
-                                            <p:strVal val="1+#ppt_h/2"/>
-                                          </p:val>
-                                        </p:tav>
-                                        <p:tav tm="100000">
-                                          <p:val>
-                                            <p:strVal val="#ppt_y"/>
-                                          </p:val>
-                                        </p:tav>
-                                      </p:tavLst>
-                                    </p:anim>
-                                  </p:childTnLst>
-                                </p:cTn>
-                              </p:par>
-                            </p:childTnLst>
-                          </p:cTn>
-                        </p:par>
-                      </p:childTnLst>
-                    </p:cTn>
-                  </p:par>
-                </p:childTnLst>
-              </p:cTn>
-              <p:prevCondLst>
-                <p:cond evt="onPrev" delay="0">
-                  <p:tgtEl>
-                    <p:sldTgt/>
-                  </p:tgtEl>
-                </p:cond>
-              </p:prevCondLst>
-              <p:nextCondLst>
-                <p:cond evt="onNext" delay="0">
-                  <p:tgtEl>
-                    <p:sldTgt/>
-                  </p:tgtEl>
-                </p:cond>
-              </p:nextCondLst>
-            </p:seq>
-          </p:childTnLst>
-        </p:cTn>
-      </p:par>
-    </p:tnLst>
-  </p:timing>
-</p:sld>
-</file>
-
-<file path=ppt/slides/slide5.xml><?xml version="1.0" encoding="utf-8"?>
-<p:sld xmlns:a="http://schemas.openxmlformats.org/drawingml/2006/main" xmlns:r="http://schemas.openxmlformats.org/officeDocument/2006/relationships" xmlns:p="http://schemas.openxmlformats.org/presentationml/2006/main">
-  <p:cSld>
-    <p:spTree>
-      <p:nvGrpSpPr>
-        <p:cNvPr id="1" name=""/>
-        <p:cNvGrpSpPr/>
-        <p:nvPr/>
-      </p:nvGrpSpPr>
-      <p:grpSpPr>
-        <a:xfrm>
-          <a:off x="0" y="0"/>
-          <a:ext cx="0" cy="0"/>
-          <a:chOff x="0" y="0"/>
-          <a:chExt cx="0" cy="0"/>
-        </a:xfrm>
-      </p:grpSpPr>
-      <p:sp>
-        <p:nvSpPr>
           <p:cNvPr id="3" name="Content Placeholder 2"/>
           <p:cNvSpPr>
             <a:spLocks noGrp="1"/>
@@ -7360,8 +6799,13 @@
             </a:r>
             <a:r>
               <a:rPr lang="en-US" dirty="0" smtClean="0"/>
-              <a:t> party software</a:t>
-            </a:r>
+              <a:t> party </a:t>
+            </a:r>
+            <a:r>
+              <a:rPr lang="en-US" dirty="0" smtClean="0"/>
+              <a:t>software (like Quest AD tools)</a:t>
+            </a:r>
+            <a:endParaRPr lang="en-US" dirty="0" smtClean="0"/>
           </a:p>
           <a:p>
             <a:r>
@@ -7480,11 +6924,11 @@
   <p:clrMapOvr>
     <a:masterClrMapping/>
   </p:clrMapOvr>
-  <mc:AlternateContent xmlns:mc="http://schemas.openxmlformats.org/markup-compatibility/2006">
-    <mc:Choice xmlns:p14="http://schemas.microsoft.com/office/powerpoint/2010/main" Requires="p14">
+  <mc:AlternateContent xmlns:mc="http://schemas.openxmlformats.org/markup-compatibility/2006" xmlns:p14="http://schemas.microsoft.com/office/powerpoint/2010/main">
+    <mc:Choice Requires="p14">
       <p:transition spd="slow" p14:dur="2000"/>
     </mc:Choice>
-    <mc:Fallback>
+    <mc:Fallback xmlns="">
       <p:transition spd="slow"/>
     </mc:Fallback>
   </mc:AlternateContent>
@@ -8233,6 +7677,79 @@
 </p:sld>
 </file>
 
+<file path=ppt/slides/slide5.xml><?xml version="1.0" encoding="utf-8"?>
+<p:sld xmlns:a="http://schemas.openxmlformats.org/drawingml/2006/main" xmlns:r="http://schemas.openxmlformats.org/officeDocument/2006/relationships" xmlns:p="http://schemas.openxmlformats.org/presentationml/2006/main">
+  <p:cSld>
+    <p:spTree>
+      <p:nvGrpSpPr>
+        <p:cNvPr id="1" name=""/>
+        <p:cNvGrpSpPr/>
+        <p:nvPr/>
+      </p:nvGrpSpPr>
+      <p:grpSpPr>
+        <a:xfrm>
+          <a:off x="0" y="0"/>
+          <a:ext cx="0" cy="0"/>
+          <a:chOff x="0" y="0"/>
+          <a:chExt cx="0" cy="0"/>
+        </a:xfrm>
+      </p:grpSpPr>
+      <p:sp>
+        <p:nvSpPr>
+          <p:cNvPr id="2" name="Title 1"/>
+          <p:cNvSpPr>
+            <a:spLocks noGrp="1"/>
+          </p:cNvSpPr>
+          <p:nvPr>
+            <p:ph type="title"/>
+          </p:nvPr>
+        </p:nvSpPr>
+        <p:spPr>
+          <a:xfrm>
+            <a:off x="1898072" y="2685537"/>
+            <a:ext cx="8610600" cy="1293028"/>
+          </a:xfrm>
+        </p:spPr>
+        <p:txBody>
+          <a:bodyPr/>
+          <a:lstStyle/>
+          <a:p>
+            <a:r>
+              <a:rPr lang="en-US" dirty="0" smtClean="0"/>
+              <a:t>New-Demo “AD Provider”</a:t>
+            </a:r>
+            <a:endParaRPr lang="en-US" dirty="0"/>
+          </a:p>
+        </p:txBody>
+      </p:sp>
+    </p:spTree>
+    <p:extLst>
+      <p:ext uri="{BB962C8B-B14F-4D97-AF65-F5344CB8AC3E}">
+        <p14:creationId xmlns:p14="http://schemas.microsoft.com/office/powerpoint/2010/main" val="3792052023"/>
+      </p:ext>
+    </p:extLst>
+  </p:cSld>
+  <p:clrMapOvr>
+    <a:masterClrMapping/>
+  </p:clrMapOvr>
+  <mc:AlternateContent xmlns:mc="http://schemas.openxmlformats.org/markup-compatibility/2006" xmlns:p14="http://schemas.microsoft.com/office/powerpoint/2010/main">
+    <mc:Choice Requires="p14">
+      <p:transition spd="slow" p14:dur="2000"/>
+    </mc:Choice>
+    <mc:Fallback xmlns="">
+      <p:transition spd="slow"/>
+    </mc:Fallback>
+  </mc:AlternateContent>
+  <p:timing>
+    <p:tnLst>
+      <p:par>
+        <p:cTn id="1" dur="indefinite" restart="never" nodeType="tmRoot"/>
+      </p:par>
+    </p:tnLst>
+  </p:timing>
+</p:sld>
+</file>
+
 <file path=ppt/slides/slide6.xml><?xml version="1.0" encoding="utf-8"?>
 <p:sld xmlns:a="http://schemas.openxmlformats.org/drawingml/2006/main" xmlns:r="http://schemas.openxmlformats.org/officeDocument/2006/relationships" xmlns:p="http://schemas.openxmlformats.org/presentationml/2006/main">
   <p:cSld>
@@ -8262,7 +7779,7 @@
         </p:nvSpPr>
         <p:spPr>
           <a:xfrm>
-            <a:off x="1898072" y="2685537"/>
+            <a:off x="1953491" y="2722483"/>
             <a:ext cx="8610600" cy="1293028"/>
           </a:xfrm>
         </p:spPr>
@@ -8272,7 +7789,15 @@
           <a:p>
             <a:r>
               <a:rPr lang="en-US" dirty="0" smtClean="0"/>
-              <a:t>New-Demo “AD Provider”</a:t>
+              <a:t>New-Demo “Get-</a:t>
+            </a:r>
+            <a:r>
+              <a:rPr lang="en-US" dirty="0" err="1" smtClean="0"/>
+              <a:t>Aduser</a:t>
+            </a:r>
+            <a:r>
+              <a:rPr lang="en-US" dirty="0" smtClean="0"/>
+              <a:t>”</a:t>
             </a:r>
             <a:endParaRPr lang="en-US" dirty="0"/>
           </a:p>
@@ -8281,18 +7806,18 @@
     </p:spTree>
     <p:extLst>
       <p:ext uri="{BB962C8B-B14F-4D97-AF65-F5344CB8AC3E}">
-        <p14:creationId xmlns:p14="http://schemas.microsoft.com/office/powerpoint/2010/main" val="3792052023"/>
+        <p14:creationId xmlns:p14="http://schemas.microsoft.com/office/powerpoint/2010/main" val="3864532576"/>
       </p:ext>
     </p:extLst>
   </p:cSld>
   <p:clrMapOvr>
     <a:masterClrMapping/>
   </p:clrMapOvr>
-  <mc:AlternateContent xmlns:mc="http://schemas.openxmlformats.org/markup-compatibility/2006">
-    <mc:Choice xmlns:p14="http://schemas.microsoft.com/office/powerpoint/2010/main" Requires="p14">
+  <mc:AlternateContent xmlns:mc="http://schemas.openxmlformats.org/markup-compatibility/2006" xmlns:p14="http://schemas.microsoft.com/office/powerpoint/2010/main">
+    <mc:Choice Requires="p14">
       <p:transition spd="slow" p14:dur="2000"/>
     </mc:Choice>
-    <mc:Fallback>
+    <mc:Fallback xmlns="">
       <p:transition spd="slow"/>
     </mc:Fallback>
   </mc:AlternateContent>
@@ -8335,87 +7860,6 @@
         </p:nvSpPr>
         <p:spPr>
           <a:xfrm>
-            <a:off x="1953491" y="2722483"/>
-            <a:ext cx="8610600" cy="1293028"/>
-          </a:xfrm>
-        </p:spPr>
-        <p:txBody>
-          <a:bodyPr/>
-          <a:lstStyle/>
-          <a:p>
-            <a:r>
-              <a:rPr lang="en-US" dirty="0" smtClean="0"/>
-              <a:t>New-Demo “Get-</a:t>
-            </a:r>
-            <a:r>
-              <a:rPr lang="en-US" dirty="0" err="1" smtClean="0"/>
-              <a:t>Aduser</a:t>
-            </a:r>
-            <a:r>
-              <a:rPr lang="en-US" dirty="0" smtClean="0"/>
-              <a:t>”</a:t>
-            </a:r>
-            <a:endParaRPr lang="en-US" dirty="0"/>
-          </a:p>
-        </p:txBody>
-      </p:sp>
-    </p:spTree>
-    <p:extLst>
-      <p:ext uri="{BB962C8B-B14F-4D97-AF65-F5344CB8AC3E}">
-        <p14:creationId xmlns:p14="http://schemas.microsoft.com/office/powerpoint/2010/main" val="3864532576"/>
-      </p:ext>
-    </p:extLst>
-  </p:cSld>
-  <p:clrMapOvr>
-    <a:masterClrMapping/>
-  </p:clrMapOvr>
-  <mc:AlternateContent xmlns:mc="http://schemas.openxmlformats.org/markup-compatibility/2006">
-    <mc:Choice xmlns:p14="http://schemas.microsoft.com/office/powerpoint/2010/main" Requires="p14">
-      <p:transition spd="slow" p14:dur="2000"/>
-    </mc:Choice>
-    <mc:Fallback>
-      <p:transition spd="slow"/>
-    </mc:Fallback>
-  </mc:AlternateContent>
-  <p:timing>
-    <p:tnLst>
-      <p:par>
-        <p:cTn id="1" dur="indefinite" restart="never" nodeType="tmRoot"/>
-      </p:par>
-    </p:tnLst>
-  </p:timing>
-</p:sld>
-</file>
-
-<file path=ppt/slides/slide8.xml><?xml version="1.0" encoding="utf-8"?>
-<p:sld xmlns:a="http://schemas.openxmlformats.org/drawingml/2006/main" xmlns:r="http://schemas.openxmlformats.org/officeDocument/2006/relationships" xmlns:p="http://schemas.openxmlformats.org/presentationml/2006/main">
-  <p:cSld>
-    <p:spTree>
-      <p:nvGrpSpPr>
-        <p:cNvPr id="1" name=""/>
-        <p:cNvGrpSpPr/>
-        <p:nvPr/>
-      </p:nvGrpSpPr>
-      <p:grpSpPr>
-        <a:xfrm>
-          <a:off x="0" y="0"/>
-          <a:ext cx="0" cy="0"/>
-          <a:chOff x="0" y="0"/>
-          <a:chExt cx="0" cy="0"/>
-        </a:xfrm>
-      </p:grpSpPr>
-      <p:sp>
-        <p:nvSpPr>
-          <p:cNvPr id="2" name="Title 1"/>
-          <p:cNvSpPr>
-            <a:spLocks noGrp="1"/>
-          </p:cNvSpPr>
-          <p:nvPr>
-            <p:ph type="title"/>
-          </p:nvPr>
-        </p:nvSpPr>
-        <p:spPr>
-          <a:xfrm>
             <a:off x="1962726" y="2537755"/>
             <a:ext cx="8610600" cy="1293028"/>
           </a:xfrm>
@@ -8442,11 +7886,11 @@
   <p:clrMapOvr>
     <a:masterClrMapping/>
   </p:clrMapOvr>
-  <mc:AlternateContent xmlns:mc="http://schemas.openxmlformats.org/markup-compatibility/2006">
-    <mc:Choice xmlns:p14="http://schemas.microsoft.com/office/powerpoint/2010/main" Requires="p14">
+  <mc:AlternateContent xmlns:mc="http://schemas.openxmlformats.org/markup-compatibility/2006" xmlns:p14="http://schemas.microsoft.com/office/powerpoint/2010/main">
+    <mc:Choice Requires="p14">
       <p:transition spd="slow" p14:dur="2000"/>
     </mc:Choice>
-    <mc:Fallback>
+    <mc:Fallback xmlns="">
       <p:transition spd="slow"/>
     </mc:Fallback>
   </mc:AlternateContent>

--- a/PS Summit AD Tips and Tricks.pptx
+++ b/PS Summit AD Tips and Tricks.pptx
@@ -6,12 +6,13 @@
   </p:sldMasterIdLst>
   <p:sldIdLst>
     <p:sldId id="256" r:id="rId2"/>
-    <p:sldId id="265" r:id="rId3"/>
-    <p:sldId id="259" r:id="rId4"/>
-    <p:sldId id="258" r:id="rId5"/>
-    <p:sldId id="261" r:id="rId6"/>
-    <p:sldId id="262" r:id="rId7"/>
-    <p:sldId id="264" r:id="rId8"/>
+    <p:sldId id="266" r:id="rId3"/>
+    <p:sldId id="265" r:id="rId4"/>
+    <p:sldId id="259" r:id="rId5"/>
+    <p:sldId id="258" r:id="rId6"/>
+    <p:sldId id="261" r:id="rId7"/>
+    <p:sldId id="262" r:id="rId8"/>
+    <p:sldId id="264" r:id="rId9"/>
   </p:sldIdLst>
   <p:sldSz cx="12192000" cy="6858000"/>
   <p:notesSz cx="6858000" cy="9144000"/>
@@ -288,7 +289,7 @@
           <a:p>
             <a:fld id="{7195C811-8A6E-4F08-9E1B-F289D25AACC3}" type="datetimeFigureOut">
               <a:rPr lang="en-US" smtClean="0"/>
-              <a:t>4/18/2013</a:t>
+              <a:t>4/24/2013</a:t>
             </a:fld>
             <a:endParaRPr lang="en-US"/>
           </a:p>
@@ -563,7 +564,7 @@
           <a:p>
             <a:fld id="{7195C811-8A6E-4F08-9E1B-F289D25AACC3}" type="datetimeFigureOut">
               <a:rPr lang="en-US" smtClean="0"/>
-              <a:t>4/18/2013</a:t>
+              <a:t>4/24/2013</a:t>
             </a:fld>
             <a:endParaRPr lang="en-US"/>
           </a:p>
@@ -802,7 +803,7 @@
           <a:p>
             <a:fld id="{7195C811-8A6E-4F08-9E1B-F289D25AACC3}" type="datetimeFigureOut">
               <a:rPr lang="en-US" smtClean="0"/>
-              <a:t>4/18/2013</a:t>
+              <a:t>4/24/2013</a:t>
             </a:fld>
             <a:endParaRPr lang="en-US"/>
           </a:p>
@@ -1120,7 +1121,7 @@
           <a:p>
             <a:fld id="{7195C811-8A6E-4F08-9E1B-F289D25AACC3}" type="datetimeFigureOut">
               <a:rPr lang="en-US" smtClean="0"/>
-              <a:t>4/18/2013</a:t>
+              <a:t>4/24/2013</a:t>
             </a:fld>
             <a:endParaRPr lang="en-US"/>
           </a:p>
@@ -1601,7 +1602,7 @@
           <a:p>
             <a:fld id="{7195C811-8A6E-4F08-9E1B-F289D25AACC3}" type="datetimeFigureOut">
               <a:rPr lang="en-US" smtClean="0"/>
-              <a:t>4/18/2013</a:t>
+              <a:t>4/24/2013</a:t>
             </a:fld>
             <a:endParaRPr lang="en-US"/>
           </a:p>
@@ -2156,7 +2157,7 @@
           <a:p>
             <a:fld id="{7195C811-8A6E-4F08-9E1B-F289D25AACC3}" type="datetimeFigureOut">
               <a:rPr lang="en-US" smtClean="0"/>
-              <a:t>4/18/2013</a:t>
+              <a:t>4/24/2013</a:t>
             </a:fld>
             <a:endParaRPr lang="en-US"/>
           </a:p>
@@ -2938,7 +2939,7 @@
           <a:p>
             <a:fld id="{7195C811-8A6E-4F08-9E1B-F289D25AACC3}" type="datetimeFigureOut">
               <a:rPr lang="en-US" smtClean="0"/>
-              <a:t>4/18/2013</a:t>
+              <a:t>4/24/2013</a:t>
             </a:fld>
             <a:endParaRPr lang="en-US"/>
           </a:p>
@@ -3121,7 +3122,7 @@
           <a:p>
             <a:fld id="{7195C811-8A6E-4F08-9E1B-F289D25AACC3}" type="datetimeFigureOut">
               <a:rPr lang="en-US" smtClean="0"/>
-              <a:t>4/18/2013</a:t>
+              <a:t>4/24/2013</a:t>
             </a:fld>
             <a:endParaRPr lang="en-US"/>
           </a:p>
@@ -3352,7 +3353,7 @@
           <a:p>
             <a:fld id="{7195C811-8A6E-4F08-9E1B-F289D25AACC3}" type="datetimeFigureOut">
               <a:rPr lang="en-US" smtClean="0"/>
-              <a:t>4/18/2013</a:t>
+              <a:t>4/24/2013</a:t>
             </a:fld>
             <a:endParaRPr lang="en-US"/>
           </a:p>
@@ -3540,7 +3541,7 @@
           <a:p>
             <a:fld id="{7195C811-8A6E-4F08-9E1B-F289D25AACC3}" type="datetimeFigureOut">
               <a:rPr lang="en-US" smtClean="0"/>
-              <a:t>4/18/2013</a:t>
+              <a:t>4/24/2013</a:t>
             </a:fld>
             <a:endParaRPr lang="en-US"/>
           </a:p>
@@ -3837,7 +3838,7 @@
           <a:p>
             <a:fld id="{7195C811-8A6E-4F08-9E1B-F289D25AACC3}" type="datetimeFigureOut">
               <a:rPr lang="en-US" smtClean="0"/>
-              <a:t>4/18/2013</a:t>
+              <a:t>4/24/2013</a:t>
             </a:fld>
             <a:endParaRPr lang="en-US"/>
           </a:p>
@@ -4087,7 +4088,7 @@
           <a:p>
             <a:fld id="{7195C811-8A6E-4F08-9E1B-F289D25AACC3}" type="datetimeFigureOut">
               <a:rPr lang="en-US" smtClean="0"/>
-              <a:t>4/18/2013</a:t>
+              <a:t>4/24/2013</a:t>
             </a:fld>
             <a:endParaRPr lang="en-US"/>
           </a:p>
@@ -4474,7 +4475,7 @@
           <a:p>
             <a:fld id="{7195C811-8A6E-4F08-9E1B-F289D25AACC3}" type="datetimeFigureOut">
               <a:rPr lang="en-US" smtClean="0"/>
-              <a:t>4/18/2013</a:t>
+              <a:t>4/24/2013</a:t>
             </a:fld>
             <a:endParaRPr lang="en-US"/>
           </a:p>
@@ -4600,7 +4601,7 @@
           <a:p>
             <a:fld id="{7195C811-8A6E-4F08-9E1B-F289D25AACC3}" type="datetimeFigureOut">
               <a:rPr lang="en-US" smtClean="0"/>
-              <a:t>4/18/2013</a:t>
+              <a:t>4/24/2013</a:t>
             </a:fld>
             <a:endParaRPr lang="en-US"/>
           </a:p>
@@ -4703,7 +4704,7 @@
           <a:p>
             <a:fld id="{7195C811-8A6E-4F08-9E1B-F289D25AACC3}" type="datetimeFigureOut">
               <a:rPr lang="en-US" smtClean="0"/>
-              <a:t>4/18/2013</a:t>
+              <a:t>4/24/2013</a:t>
             </a:fld>
             <a:endParaRPr lang="en-US"/>
           </a:p>
@@ -4960,7 +4961,7 @@
           <a:p>
             <a:fld id="{7195C811-8A6E-4F08-9E1B-F289D25AACC3}" type="datetimeFigureOut">
               <a:rPr lang="en-US" smtClean="0"/>
-              <a:t>4/18/2013</a:t>
+              <a:t>4/24/2013</a:t>
             </a:fld>
             <a:endParaRPr lang="en-US"/>
           </a:p>
@@ -5225,7 +5226,7 @@
           <a:p>
             <a:fld id="{7195C811-8A6E-4F08-9E1B-F289D25AACC3}" type="datetimeFigureOut">
               <a:rPr lang="en-US" smtClean="0"/>
-              <a:t>4/18/2013</a:t>
+              <a:t>4/24/2013</a:t>
             </a:fld>
             <a:endParaRPr lang="en-US"/>
           </a:p>
@@ -5476,7 +5477,7 @@
           <a:p>
             <a:fld id="{7195C811-8A6E-4F08-9E1B-F289D25AACC3}" type="datetimeFigureOut">
               <a:rPr lang="en-US" smtClean="0"/>
-              <a:t>4/18/2013</a:t>
+              <a:t>4/24/2013</a:t>
             </a:fld>
             <a:endParaRPr lang="en-US"/>
           </a:p>
@@ -5912,11 +5913,11 @@
           <a:p>
             <a:r>
               <a:rPr lang="en-US" dirty="0" smtClean="0"/>
-              <a:t>PowerShell AD Tips </a:t>
+              <a:t>PowerShell </a:t>
             </a:r>
             <a:r>
               <a:rPr lang="en-US" dirty="0" smtClean="0"/>
-              <a:t>and Tricks</a:t>
+              <a:t>and Active directory</a:t>
             </a:r>
             <a:endParaRPr lang="en-US" dirty="0"/>
           </a:p>
@@ -5932,10 +5933,15 @@
             <p:ph type="subTitle" idx="1"/>
           </p:nvPr>
         </p:nvSpPr>
-        <p:spPr/>
+        <p:spPr>
+          <a:xfrm>
+            <a:off x="1371600" y="3632201"/>
+            <a:ext cx="9448800" cy="2030844"/>
+          </a:xfrm>
+        </p:spPr>
         <p:txBody>
           <a:bodyPr>
-            <a:normAutofit fontScale="92500" lnSpcReduction="10000"/>
+            <a:normAutofit fontScale="92500" lnSpcReduction="20000"/>
           </a:bodyPr>
           <a:lstStyle/>
           <a:p>
@@ -5947,7 +5953,35 @@
           <a:p>
             <a:r>
               <a:rPr lang="en-US" dirty="0" smtClean="0"/>
-              <a:t>PowerShell Summit 2013, Redmond WA</a:t>
+              <a:t>PowerShell Summit 2013, Redmond </a:t>
+            </a:r>
+            <a:r>
+              <a:rPr lang="en-US" dirty="0" smtClean="0"/>
+              <a:t>WA</a:t>
+            </a:r>
+          </a:p>
+          <a:p>
+            <a:r>
+              <a:rPr lang="en-US" dirty="0" smtClean="0"/>
+              <a:t>@andys146</a:t>
+            </a:r>
+          </a:p>
+          <a:p>
+            <a:r>
+              <a:rPr lang="en-US" dirty="0" smtClean="0"/>
+              <a:t>http://get-powershell.com</a:t>
+            </a:r>
+          </a:p>
+          <a:p>
+            <a:r>
+              <a:rPr lang="en-US" dirty="0" smtClean="0"/>
+              <a:t>Lead Engineer, Identity and Access Management, </a:t>
+            </a:r>
+          </a:p>
+          <a:p>
+            <a:r>
+              <a:rPr lang="en-US" dirty="0" smtClean="0"/>
+              <a:t>Avanade Inc.</a:t>
             </a:r>
             <a:endParaRPr lang="en-US" dirty="0"/>
           </a:p>
@@ -6008,14 +6042,19 @@
             <p:ph type="title"/>
           </p:nvPr>
         </p:nvSpPr>
-        <p:spPr/>
+        <p:spPr>
+          <a:xfrm>
+            <a:off x="4062844" y="764373"/>
+            <a:ext cx="7443355" cy="1293028"/>
+          </a:xfrm>
+        </p:spPr>
         <p:txBody>
           <a:bodyPr/>
           <a:lstStyle/>
           <a:p>
             <a:r>
               <a:rPr lang="en-US" dirty="0" smtClean="0"/>
-              <a:t>What’s not covered	</a:t>
+              <a:t>Deck and code</a:t>
             </a:r>
             <a:endParaRPr lang="en-US" dirty="0"/>
           </a:p>
@@ -6036,29 +6075,55 @@
           <a:bodyPr/>
           <a:lstStyle/>
           <a:p>
-            <a:r>
-              <a:rPr lang="en-US" dirty="0" smtClean="0"/>
-              <a:t>Details of how to manage AD with PowerShell</a:t>
-            </a:r>
-            <a:endParaRPr lang="en-US" dirty="0"/>
+            <a:endParaRPr lang="en-US" dirty="0" smtClean="0">
+              <a:hlinkClick r:id="rId2"/>
+            </a:endParaRPr>
+          </a:p>
+          <a:p>
+            <a:pPr marL="0" indent="0">
+              <a:buNone/>
+            </a:pPr>
+            <a:r>
+              <a:rPr lang="en-US" sz="2800" dirty="0" smtClean="0">
+                <a:hlinkClick r:id="rId2"/>
+              </a:rPr>
+              <a:t>https</a:t>
+            </a:r>
+            <a:r>
+              <a:rPr lang="en-US" sz="2800" dirty="0">
+                <a:hlinkClick r:id="rId2"/>
+              </a:rPr>
+              <a:t>://</a:t>
+            </a:r>
+            <a:r>
+              <a:rPr lang="en-US" sz="2800" dirty="0" smtClean="0">
+                <a:hlinkClick r:id="rId2"/>
+              </a:rPr>
+              <a:t>github.com/AndyPowerShell/PowerShellSummit</a:t>
+            </a:r>
+            <a:r>
+              <a:rPr lang="en-US" sz="2800" dirty="0" smtClean="0"/>
+              <a:t> </a:t>
+            </a:r>
+            <a:endParaRPr lang="en-US" sz="2800" dirty="0"/>
           </a:p>
         </p:txBody>
       </p:sp>
     </p:spTree>
     <p:extLst>
       <p:ext uri="{BB962C8B-B14F-4D97-AF65-F5344CB8AC3E}">
-        <p14:creationId xmlns:p14="http://schemas.microsoft.com/office/powerpoint/2010/main" val="4234785968"/>
+        <p14:creationId xmlns:p14="http://schemas.microsoft.com/office/powerpoint/2010/main" val="47741497"/>
       </p:ext>
     </p:extLst>
   </p:cSld>
   <p:clrMapOvr>
     <a:masterClrMapping/>
   </p:clrMapOvr>
-  <mc:AlternateContent xmlns:mc="http://schemas.openxmlformats.org/markup-compatibility/2006" xmlns:p14="http://schemas.microsoft.com/office/powerpoint/2010/main">
-    <mc:Choice Requires="p14">
+  <mc:AlternateContent xmlns:mc="http://schemas.openxmlformats.org/markup-compatibility/2006">
+    <mc:Choice xmlns:p14="http://schemas.microsoft.com/office/powerpoint/2010/main" Requires="p14">
       <p:transition spd="slow" p14:dur="2000"/>
     </mc:Choice>
-    <mc:Fallback xmlns="">
+    <mc:Fallback>
       <p:transition spd="slow"/>
     </mc:Fallback>
   </mc:AlternateContent>
@@ -6106,6 +6171,97 @@
           <a:p>
             <a:r>
               <a:rPr lang="en-US" dirty="0" smtClean="0"/>
+              <a:t>What’s not covered	</a:t>
+            </a:r>
+            <a:endParaRPr lang="en-US" dirty="0"/>
+          </a:p>
+        </p:txBody>
+      </p:sp>
+      <p:sp>
+        <p:nvSpPr>
+          <p:cNvPr id="3" name="Content Placeholder 2"/>
+          <p:cNvSpPr>
+            <a:spLocks noGrp="1"/>
+          </p:cNvSpPr>
+          <p:nvPr>
+            <p:ph idx="1"/>
+          </p:nvPr>
+        </p:nvSpPr>
+        <p:spPr/>
+        <p:txBody>
+          <a:bodyPr/>
+          <a:lstStyle/>
+          <a:p>
+            <a:r>
+              <a:rPr lang="en-US" dirty="0" smtClean="0"/>
+              <a:t>Details of how to manage AD with PowerShell</a:t>
+            </a:r>
+            <a:endParaRPr lang="en-US" dirty="0"/>
+          </a:p>
+        </p:txBody>
+      </p:sp>
+    </p:spTree>
+    <p:extLst>
+      <p:ext uri="{BB962C8B-B14F-4D97-AF65-F5344CB8AC3E}">
+        <p14:creationId xmlns:p14="http://schemas.microsoft.com/office/powerpoint/2010/main" val="4234785968"/>
+      </p:ext>
+    </p:extLst>
+  </p:cSld>
+  <p:clrMapOvr>
+    <a:masterClrMapping/>
+  </p:clrMapOvr>
+  <mc:AlternateContent xmlns:mc="http://schemas.openxmlformats.org/markup-compatibility/2006" xmlns:p14="http://schemas.microsoft.com/office/powerpoint/2010/main">
+    <mc:Choice Requires="p14">
+      <p:transition spd="slow" p14:dur="2000"/>
+    </mc:Choice>
+    <mc:Fallback xmlns="">
+      <p:transition spd="slow"/>
+    </mc:Fallback>
+  </mc:AlternateContent>
+  <p:timing>
+    <p:tnLst>
+      <p:par>
+        <p:cTn id="1" dur="indefinite" restart="never" nodeType="tmRoot"/>
+      </p:par>
+    </p:tnLst>
+  </p:timing>
+</p:sld>
+</file>
+
+<file path=ppt/slides/slide4.xml><?xml version="1.0" encoding="utf-8"?>
+<p:sld xmlns:a="http://schemas.openxmlformats.org/drawingml/2006/main" xmlns:r="http://schemas.openxmlformats.org/officeDocument/2006/relationships" xmlns:p="http://schemas.openxmlformats.org/presentationml/2006/main">
+  <p:cSld>
+    <p:spTree>
+      <p:nvGrpSpPr>
+        <p:cNvPr id="1" name=""/>
+        <p:cNvGrpSpPr/>
+        <p:nvPr/>
+      </p:nvGrpSpPr>
+      <p:grpSpPr>
+        <a:xfrm>
+          <a:off x="0" y="0"/>
+          <a:ext cx="0" cy="0"/>
+          <a:chOff x="0" y="0"/>
+          <a:chExt cx="0" cy="0"/>
+        </a:xfrm>
+      </p:grpSpPr>
+      <p:sp>
+        <p:nvSpPr>
+          <p:cNvPr id="2" name="Title 1"/>
+          <p:cNvSpPr>
+            <a:spLocks noGrp="1"/>
+          </p:cNvSpPr>
+          <p:nvPr>
+            <p:ph type="title"/>
+          </p:nvPr>
+        </p:nvSpPr>
+        <p:spPr/>
+        <p:txBody>
+          <a:bodyPr/>
+          <a:lstStyle/>
+          <a:p>
+            <a:r>
+              <a:rPr lang="en-US" dirty="0" smtClean="0"/>
               <a:t>What I am Going to cover</a:t>
             </a:r>
             <a:endParaRPr lang="en-US" dirty="0"/>
@@ -6129,13 +6285,19 @@
           </a:bodyPr>
           <a:lstStyle/>
           <a:p>
-            <a:r>
-              <a:rPr lang="en-US" dirty="0"/>
-              <a:t>W</a:t>
-            </a:r>
+            <a:pPr marL="0" indent="0">
+              <a:buNone/>
+            </a:pPr>
+            <a:endParaRPr lang="en-US" dirty="0" smtClean="0"/>
+          </a:p>
+          <a:p>
             <a:r>
               <a:rPr lang="en-US" dirty="0" smtClean="0"/>
-              <a:t>hy I choose the MSFT AD PowerShell Module</a:t>
+              <a:t>Why </a:t>
+            </a:r>
+            <a:r>
+              <a:rPr lang="en-US" dirty="0" smtClean="0"/>
+              <a:t>I choose the MSFT AD PowerShell Module</a:t>
             </a:r>
           </a:p>
           <a:p>
@@ -6161,14 +6323,31 @@
             </a:r>
             <a:r>
               <a:rPr lang="en-US" dirty="0" smtClean="0"/>
-              <a:t> (the way it should work)</a:t>
-            </a:r>
-          </a:p>
-          <a:p>
+              <a:t> (the way it should </a:t>
+            </a:r>
             <a:r>
               <a:rPr lang="en-US" dirty="0" smtClean="0"/>
-              <a:t>Demo Searching AD</a:t>
-            </a:r>
+              <a:t>work, in my humble opinion)</a:t>
+            </a:r>
+            <a:endParaRPr lang="en-US" dirty="0" smtClean="0"/>
+          </a:p>
+          <a:p>
+            <a:r>
+              <a:rPr lang="en-US" dirty="0" smtClean="0"/>
+              <a:t>AD Search Demo</a:t>
+            </a:r>
+          </a:p>
+          <a:p>
+            <a:r>
+              <a:rPr lang="en-US" dirty="0" smtClean="0"/>
+              <a:t>On the side.. Also think about design of Module, User experience, trade-offs</a:t>
+            </a:r>
+          </a:p>
+          <a:p>
+            <a:pPr marL="0" indent="0">
+              <a:buNone/>
+            </a:pPr>
+            <a:endParaRPr lang="en-US" dirty="0" smtClean="0"/>
           </a:p>
           <a:p>
             <a:pPr marL="0" indent="0">
@@ -6232,7 +6411,7 @@
                                         <p:tgtEl>
                                           <p:spTgt spid="3">
                                             <p:txEl>
-                                              <p:pRg st="0" end="0"/>
+                                              <p:pRg st="1" end="1"/>
                                             </p:txEl>
                                           </p:spTgt>
                                         </p:tgtEl>
@@ -6250,7 +6429,7 @@
                                         <p:tgtEl>
                                           <p:spTgt spid="3">
                                             <p:txEl>
-                                              <p:pRg st="0" end="0"/>
+                                              <p:pRg st="1" end="1"/>
                                             </p:txEl>
                                           </p:spTgt>
                                         </p:tgtEl>
@@ -6277,7 +6456,7 @@
                                         <p:tgtEl>
                                           <p:spTgt spid="3">
                                             <p:txEl>
-                                              <p:pRg st="0" end="0"/>
+                                              <p:pRg st="1" end="1"/>
                                             </p:txEl>
                                           </p:spTgt>
                                         </p:tgtEl>
@@ -6335,7 +6514,7 @@
                                         <p:tgtEl>
                                           <p:spTgt spid="3">
                                             <p:txEl>
-                                              <p:pRg st="1" end="1"/>
+                                              <p:pRg st="2" end="2"/>
                                             </p:txEl>
                                           </p:spTgt>
                                         </p:tgtEl>
@@ -6353,7 +6532,7 @@
                                         <p:tgtEl>
                                           <p:spTgt spid="3">
                                             <p:txEl>
-                                              <p:pRg st="1" end="1"/>
+                                              <p:pRg st="2" end="2"/>
                                             </p:txEl>
                                           </p:spTgt>
                                         </p:tgtEl>
@@ -6380,7 +6559,7 @@
                                         <p:tgtEl>
                                           <p:spTgt spid="3">
                                             <p:txEl>
-                                              <p:pRg st="1" end="1"/>
+                                              <p:pRg st="2" end="2"/>
                                             </p:txEl>
                                           </p:spTgt>
                                         </p:tgtEl>
@@ -6438,7 +6617,7 @@
                                         <p:tgtEl>
                                           <p:spTgt spid="3">
                                             <p:txEl>
-                                              <p:pRg st="2" end="2"/>
+                                              <p:pRg st="3" end="3"/>
                                             </p:txEl>
                                           </p:spTgt>
                                         </p:tgtEl>
@@ -6456,7 +6635,7 @@
                                         <p:tgtEl>
                                           <p:spTgt spid="3">
                                             <p:txEl>
-                                              <p:pRg st="2" end="2"/>
+                                              <p:pRg st="3" end="3"/>
                                             </p:txEl>
                                           </p:spTgt>
                                         </p:tgtEl>
@@ -6483,7 +6662,7 @@
                                         <p:tgtEl>
                                           <p:spTgt spid="3">
                                             <p:txEl>
-                                              <p:pRg st="2" end="2"/>
+                                              <p:pRg st="3" end="3"/>
                                             </p:txEl>
                                           </p:spTgt>
                                         </p:tgtEl>
@@ -6541,7 +6720,7 @@
                                         <p:tgtEl>
                                           <p:spTgt spid="3">
                                             <p:txEl>
-                                              <p:pRg st="3" end="3"/>
+                                              <p:pRg st="4" end="4"/>
                                             </p:txEl>
                                           </p:spTgt>
                                         </p:tgtEl>
@@ -6559,7 +6738,7 @@
                                         <p:tgtEl>
                                           <p:spTgt spid="3">
                                             <p:txEl>
-                                              <p:pRg st="3" end="3"/>
+                                              <p:pRg st="4" end="4"/>
                                             </p:txEl>
                                           </p:spTgt>
                                         </p:tgtEl>
@@ -6586,7 +6765,7 @@
                                         <p:tgtEl>
                                           <p:spTgt spid="3">
                                             <p:txEl>
-                                              <p:pRg st="3" end="3"/>
+                                              <p:pRg st="4" end="4"/>
                                             </p:txEl>
                                           </p:spTgt>
                                         </p:tgtEl>
@@ -6644,7 +6823,7 @@
                                         <p:tgtEl>
                                           <p:spTgt spid="3">
                                             <p:txEl>
-                                              <p:pRg st="4" end="4"/>
+                                              <p:pRg st="5" end="5"/>
                                             </p:txEl>
                                           </p:spTgt>
                                         </p:tgtEl>
@@ -6662,7 +6841,7 @@
                                         <p:tgtEl>
                                           <p:spTgt spid="3">
                                             <p:txEl>
-                                              <p:pRg st="4" end="4"/>
+                                              <p:pRg st="5" end="5"/>
                                             </p:txEl>
                                           </p:spTgt>
                                         </p:tgtEl>
@@ -6689,7 +6868,110 @@
                                         <p:tgtEl>
                                           <p:spTgt spid="3">
                                             <p:txEl>
-                                              <p:pRg st="4" end="4"/>
+                                              <p:pRg st="5" end="5"/>
+                                            </p:txEl>
+                                          </p:spTgt>
+                                        </p:tgtEl>
+                                        <p:attrNameLst>
+                                          <p:attrName>ppt_y</p:attrName>
+                                        </p:attrNameLst>
+                                      </p:cBhvr>
+                                      <p:tavLst>
+                                        <p:tav tm="0">
+                                          <p:val>
+                                            <p:strVal val="1+#ppt_h/2"/>
+                                          </p:val>
+                                        </p:tav>
+                                        <p:tav tm="100000">
+                                          <p:val>
+                                            <p:strVal val="#ppt_y"/>
+                                          </p:val>
+                                        </p:tav>
+                                      </p:tavLst>
+                                    </p:anim>
+                                  </p:childTnLst>
+                                </p:cTn>
+                              </p:par>
+                            </p:childTnLst>
+                          </p:cTn>
+                        </p:par>
+                      </p:childTnLst>
+                    </p:cTn>
+                  </p:par>
+                  <p:par>
+                    <p:cTn id="33" fill="hold">
+                      <p:stCondLst>
+                        <p:cond delay="indefinite"/>
+                      </p:stCondLst>
+                      <p:childTnLst>
+                        <p:par>
+                          <p:cTn id="34" fill="hold">
+                            <p:stCondLst>
+                              <p:cond delay="0"/>
+                            </p:stCondLst>
+                            <p:childTnLst>
+                              <p:par>
+                                <p:cTn id="35" presetID="2" presetClass="entr" presetSubtype="4" fill="hold" nodeType="clickEffect">
+                                  <p:stCondLst>
+                                    <p:cond delay="0"/>
+                                  </p:stCondLst>
+                                  <p:childTnLst>
+                                    <p:set>
+                                      <p:cBhvr>
+                                        <p:cTn id="36" dur="1" fill="hold">
+                                          <p:stCondLst>
+                                            <p:cond delay="0"/>
+                                          </p:stCondLst>
+                                        </p:cTn>
+                                        <p:tgtEl>
+                                          <p:spTgt spid="3">
+                                            <p:txEl>
+                                              <p:pRg st="6" end="6"/>
+                                            </p:txEl>
+                                          </p:spTgt>
+                                        </p:tgtEl>
+                                        <p:attrNameLst>
+                                          <p:attrName>style.visibility</p:attrName>
+                                        </p:attrNameLst>
+                                      </p:cBhvr>
+                                      <p:to>
+                                        <p:strVal val="visible"/>
+                                      </p:to>
+                                    </p:set>
+                                    <p:anim calcmode="lin" valueType="num">
+                                      <p:cBhvr additive="base">
+                                        <p:cTn id="37" dur="500" fill="hold"/>
+                                        <p:tgtEl>
+                                          <p:spTgt spid="3">
+                                            <p:txEl>
+                                              <p:pRg st="6" end="6"/>
+                                            </p:txEl>
+                                          </p:spTgt>
+                                        </p:tgtEl>
+                                        <p:attrNameLst>
+                                          <p:attrName>ppt_x</p:attrName>
+                                        </p:attrNameLst>
+                                      </p:cBhvr>
+                                      <p:tavLst>
+                                        <p:tav tm="0">
+                                          <p:val>
+                                            <p:strVal val="#ppt_x"/>
+                                          </p:val>
+                                        </p:tav>
+                                        <p:tav tm="100000">
+                                          <p:val>
+                                            <p:strVal val="#ppt_x"/>
+                                          </p:val>
+                                        </p:tav>
+                                      </p:tavLst>
+                                    </p:anim>
+                                    <p:anim calcmode="lin" valueType="num">
+                                      <p:cBhvr additive="base">
+                                        <p:cTn id="38" dur="500" fill="hold"/>
+                                        <p:tgtEl>
+                                          <p:spTgt spid="3">
+                                            <p:txEl>
+                                              <p:pRg st="6" end="6"/>
                                             </p:txEl>
                                           </p:spTgt>
                                         </p:tgtEl>
@@ -6744,7 +7026,7 @@
 </p:sld>
 </file>
 
-<file path=ppt/slides/slide4.xml><?xml version="1.0" encoding="utf-8"?>
+<file path=ppt/slides/slide5.xml><?xml version="1.0" encoding="utf-8"?>
 <p:sld xmlns:a="http://schemas.openxmlformats.org/drawingml/2006/main" xmlns:r="http://schemas.openxmlformats.org/officeDocument/2006/relationships" xmlns:p="http://schemas.openxmlformats.org/presentationml/2006/main">
   <p:cSld>
     <p:spTree>
@@ -6799,13 +7081,8 @@
             </a:r>
             <a:r>
               <a:rPr lang="en-US" dirty="0" smtClean="0"/>
-              <a:t> party </a:t>
-            </a:r>
-            <a:r>
-              <a:rPr lang="en-US" dirty="0" smtClean="0"/>
-              <a:t>software (like Quest AD tools)</a:t>
-            </a:r>
-            <a:endParaRPr lang="en-US" dirty="0" smtClean="0"/>
+              <a:t> party software (like Quest AD tools)</a:t>
+            </a:r>
           </a:p>
           <a:p>
             <a:r>
@@ -7677,7 +7954,7 @@
 </p:sld>
 </file>
 
-<file path=ppt/slides/slide5.xml><?xml version="1.0" encoding="utf-8"?>
+<file path=ppt/slides/slide6.xml><?xml version="1.0" encoding="utf-8"?>
 <p:sld xmlns:a="http://schemas.openxmlformats.org/drawingml/2006/main" xmlns:r="http://schemas.openxmlformats.org/officeDocument/2006/relationships" xmlns:p="http://schemas.openxmlformats.org/presentationml/2006/main">
   <p:cSld>
     <p:spTree>
@@ -7750,7 +8027,7 @@
 </p:sld>
 </file>
 
-<file path=ppt/slides/slide6.xml><?xml version="1.0" encoding="utf-8"?>
+<file path=ppt/slides/slide7.xml><?xml version="1.0" encoding="utf-8"?>
 <p:sld xmlns:a="http://schemas.openxmlformats.org/drawingml/2006/main" xmlns:r="http://schemas.openxmlformats.org/officeDocument/2006/relationships" xmlns:p="http://schemas.openxmlformats.org/presentationml/2006/main">
   <p:cSld>
     <p:spTree>
@@ -7831,7 +8108,7 @@
 </p:sld>
 </file>
 
-<file path=ppt/slides/slide7.xml><?xml version="1.0" encoding="utf-8"?>
+<file path=ppt/slides/slide8.xml><?xml version="1.0" encoding="utf-8"?>
 <p:sld xmlns:a="http://schemas.openxmlformats.org/drawingml/2006/main" xmlns:r="http://schemas.openxmlformats.org/officeDocument/2006/relationships" xmlns:p="http://schemas.openxmlformats.org/presentationml/2006/main">
   <p:cSld>
     <p:spTree>
